--- a/publikacio/Artificial intelligence-based spam filtering with neurolinguistic approach using.pptx
+++ b/publikacio/Artificial intelligence-based spam filtering with neurolinguistic approach using.pptx
@@ -5,7 +5,7 @@
     <p:sldMasterId id="2147483648" r:id="rId1"/>
   </p:sldMasterIdLst>
   <p:notesMasterIdLst>
-    <p:notesMasterId r:id="rId11"/>
+    <p:notesMasterId r:id="rId13"/>
   </p:notesMasterIdLst>
   <p:sldIdLst>
     <p:sldId id="263" r:id="rId2"/>
@@ -14,9 +14,11 @@
     <p:sldId id="265" r:id="rId5"/>
     <p:sldId id="259" r:id="rId6"/>
     <p:sldId id="260" r:id="rId7"/>
-    <p:sldId id="261" r:id="rId8"/>
-    <p:sldId id="266" r:id="rId9"/>
-    <p:sldId id="262" r:id="rId10"/>
+    <p:sldId id="268" r:id="rId8"/>
+    <p:sldId id="261" r:id="rId9"/>
+    <p:sldId id="266" r:id="rId10"/>
+    <p:sldId id="267" r:id="rId11"/>
+    <p:sldId id="269" r:id="rId12"/>
   </p:sldIdLst>
   <p:sldSz cx="12192000" cy="6858000"/>
   <p:notesSz cx="6858000" cy="9144000"/>
@@ -205,7 +207,7 @@
           <a:p>
             <a:fld id="{0AE3C65D-570F-4077-B81F-54D928EB5D2A}" type="datetimeFigureOut">
               <a:rPr lang="hu-HU" smtClean="0"/>
-              <a:t>2023. 11. 15.</a:t>
+              <a:t>2023. 11. 16.</a:t>
             </a:fld>
             <a:endParaRPr lang="hu-HU"/>
           </a:p>
@@ -1133,7 +1135,56 @@
           <a:bodyPr/>
           <a:lstStyle/>
           <a:p>
-            <a:endParaRPr lang="hu-HU" dirty="0"/>
+            <a:pPr algn="l">
+              <a:buFont typeface="+mj-lt"/>
+              <a:buNone/>
+            </a:pPr>
+            <a:r>
+              <a:rPr lang="en-US" b="0" i="0" dirty="0">
+                <a:effectLst/>
+                <a:latin typeface="Söhne"/>
+              </a:rPr>
+              <a:t>True Positives (TP): The model correctly predicted instances that are positive.</a:t>
+            </a:r>
+          </a:p>
+          <a:p>
+            <a:pPr algn="l">
+              <a:buFont typeface="+mj-lt"/>
+              <a:buNone/>
+            </a:pPr>
+            <a:r>
+              <a:rPr lang="en-US" b="0" i="0" dirty="0">
+                <a:effectLst/>
+                <a:latin typeface="Söhne"/>
+              </a:rPr>
+              <a:t>True Negatives (TN): The model correctly predicted instances that are negative.</a:t>
+            </a:r>
+          </a:p>
+          <a:p>
+            <a:pPr algn="l">
+              <a:buFont typeface="+mj-lt"/>
+              <a:buNone/>
+            </a:pPr>
+            <a:r>
+              <a:rPr lang="en-US" b="0" i="0" dirty="0">
+                <a:effectLst/>
+                <a:latin typeface="Söhne"/>
+              </a:rPr>
+              <a:t>False Positives (FP): The model incorrectly predicted instances as positive when they are actually negative.</a:t>
+            </a:r>
+          </a:p>
+          <a:p>
+            <a:pPr algn="l">
+              <a:buFont typeface="+mj-lt"/>
+              <a:buNone/>
+            </a:pPr>
+            <a:r>
+              <a:rPr lang="en-US" b="0" i="0" dirty="0">
+                <a:effectLst/>
+                <a:latin typeface="Söhne"/>
+              </a:rPr>
+              <a:t>False Negatives (FN): The model incorrectly predicted instances as negative when they are actually positive.</a:t>
+            </a:r>
           </a:p>
         </p:txBody>
       </p:sp>
@@ -1154,7 +1205,7 @@
           <a:p>
             <a:fld id="{DC5F66AA-0328-4E68-8C32-888D9F68B976}" type="slidenum">
               <a:rPr lang="hu-HU" smtClean="0"/>
-              <a:t>7</a:t>
+              <a:t>8</a:t>
             </a:fld>
             <a:endParaRPr lang="hu-HU"/>
           </a:p>
@@ -1217,7 +1268,86 @@
           <a:bodyPr/>
           <a:lstStyle/>
           <a:p>
-            <a:endParaRPr lang="hu-HU" dirty="0"/>
+            <a:pPr algn="l">
+              <a:buFont typeface="Arial" panose="020B0604020202020204" pitchFamily="34" charset="0"/>
+              <a:buNone/>
+            </a:pPr>
+            <a:r>
+              <a:rPr lang="en-US" b="0" i="0" dirty="0">
+                <a:effectLst/>
+                <a:latin typeface="Söhne"/>
+              </a:rPr>
+              <a:t>Precision: The proportion of predicted spam</a:t>
+            </a:r>
+            <a:r>
+              <a:rPr lang="hu-HU" b="0" i="0" dirty="0">
+                <a:effectLst/>
+                <a:latin typeface="Söhne"/>
+              </a:rPr>
+              <a:t> </a:t>
+            </a:r>
+            <a:r>
+              <a:rPr lang="hu-HU" b="0" i="0" dirty="0" err="1">
+                <a:effectLst/>
+                <a:latin typeface="Söhne"/>
+              </a:rPr>
+              <a:t>messages</a:t>
+            </a:r>
+            <a:r>
+              <a:rPr lang="hu-HU" b="0" i="0" dirty="0">
+                <a:effectLst/>
+                <a:latin typeface="Söhne"/>
+              </a:rPr>
+              <a:t> </a:t>
+            </a:r>
+            <a:r>
+              <a:rPr lang="en-US" b="0" i="0" dirty="0">
+                <a:effectLst/>
+                <a:latin typeface="Söhne"/>
+              </a:rPr>
+              <a:t>that are actually spam.</a:t>
+            </a:r>
+          </a:p>
+          <a:p>
+            <a:pPr algn="l">
+              <a:buFont typeface="Arial" panose="020B0604020202020204" pitchFamily="34" charset="0"/>
+              <a:buNone/>
+            </a:pPr>
+            <a:r>
+              <a:rPr lang="en-US" b="0" i="0" dirty="0">
+                <a:effectLst/>
+                <a:latin typeface="Söhne"/>
+              </a:rPr>
+              <a:t>Recall: The proportion of actual spam</a:t>
+            </a:r>
+            <a:r>
+              <a:rPr lang="hu-HU" b="0" i="0" dirty="0">
+                <a:effectLst/>
+                <a:latin typeface="Söhne"/>
+              </a:rPr>
+              <a:t> </a:t>
+            </a:r>
+            <a:r>
+              <a:rPr lang="hu-HU" b="0" i="0" dirty="0" err="1">
+                <a:effectLst/>
+                <a:latin typeface="Söhne"/>
+              </a:rPr>
+              <a:t>messages</a:t>
+            </a:r>
+            <a:r>
+              <a:rPr lang="hu-HU" b="0" i="0" dirty="0">
+                <a:effectLst/>
+                <a:latin typeface="Söhne"/>
+              </a:rPr>
+              <a:t> </a:t>
+            </a:r>
+            <a:r>
+              <a:rPr lang="en-US" b="0" i="0" dirty="0">
+                <a:effectLst/>
+                <a:latin typeface="Söhne"/>
+              </a:rPr>
+              <a:t>that were correctly identified by the model.</a:t>
+            </a:r>
           </a:p>
         </p:txBody>
       </p:sp>
@@ -1238,7 +1368,7 @@
           <a:p>
             <a:fld id="{DC5F66AA-0328-4E68-8C32-888D9F68B976}" type="slidenum">
               <a:rPr lang="hu-HU" smtClean="0"/>
-              <a:t>8</a:t>
+              <a:t>9</a:t>
             </a:fld>
             <a:endParaRPr lang="hu-HU"/>
           </a:p>
@@ -1248,6 +1378,174 @@
     <p:extLst>
       <p:ext uri="{BB962C8B-B14F-4D97-AF65-F5344CB8AC3E}">
         <p14:creationId xmlns:p14="http://schemas.microsoft.com/office/powerpoint/2010/main" val="103612490"/>
+      </p:ext>
+    </p:extLst>
+  </p:cSld>
+  <p:clrMapOvr>
+    <a:masterClrMapping/>
+  </p:clrMapOvr>
+</p:notes>
+</file>
+
+<file path=ppt/notesSlides/notesSlide4.xml><?xml version="1.0" encoding="utf-8"?>
+<p:notes xmlns:a="http://schemas.openxmlformats.org/drawingml/2006/main" xmlns:r="http://schemas.openxmlformats.org/officeDocument/2006/relationships" xmlns:p="http://schemas.openxmlformats.org/presentationml/2006/main">
+  <p:cSld>
+    <p:spTree>
+      <p:nvGrpSpPr>
+        <p:cNvPr id="1" name=""/>
+        <p:cNvGrpSpPr/>
+        <p:nvPr/>
+      </p:nvGrpSpPr>
+      <p:grpSpPr>
+        <a:xfrm>
+          <a:off x="0" y="0"/>
+          <a:ext cx="0" cy="0"/>
+          <a:chOff x="0" y="0"/>
+          <a:chExt cx="0" cy="0"/>
+        </a:xfrm>
+      </p:grpSpPr>
+      <p:sp>
+        <p:nvSpPr>
+          <p:cNvPr id="2" name="Diakép helye 1"/>
+          <p:cNvSpPr>
+            <a:spLocks noGrp="1" noRot="1" noChangeAspect="1"/>
+          </p:cNvSpPr>
+          <p:nvPr>
+            <p:ph type="sldImg"/>
+          </p:nvPr>
+        </p:nvSpPr>
+        <p:spPr/>
+      </p:sp>
+      <p:sp>
+        <p:nvSpPr>
+          <p:cNvPr id="3" name="Jegyzetek helye 2"/>
+          <p:cNvSpPr>
+            <a:spLocks noGrp="1"/>
+          </p:cNvSpPr>
+          <p:nvPr>
+            <p:ph type="body" idx="1"/>
+          </p:nvPr>
+        </p:nvSpPr>
+        <p:spPr/>
+        <p:txBody>
+          <a:bodyPr/>
+          <a:lstStyle/>
+          <a:p>
+            <a:endParaRPr lang="hu-HU" dirty="0"/>
+          </a:p>
+        </p:txBody>
+      </p:sp>
+      <p:sp>
+        <p:nvSpPr>
+          <p:cNvPr id="4" name="Dia számának helye 3"/>
+          <p:cNvSpPr>
+            <a:spLocks noGrp="1"/>
+          </p:cNvSpPr>
+          <p:nvPr>
+            <p:ph type="sldNum" sz="quarter" idx="5"/>
+          </p:nvPr>
+        </p:nvSpPr>
+        <p:spPr/>
+        <p:txBody>
+          <a:bodyPr/>
+          <a:lstStyle/>
+          <a:p>
+            <a:fld id="{DC5F66AA-0328-4E68-8C32-888D9F68B976}" type="slidenum">
+              <a:rPr lang="hu-HU" smtClean="0"/>
+              <a:t>10</a:t>
+            </a:fld>
+            <a:endParaRPr lang="hu-HU"/>
+          </a:p>
+        </p:txBody>
+      </p:sp>
+    </p:spTree>
+    <p:extLst>
+      <p:ext uri="{BB962C8B-B14F-4D97-AF65-F5344CB8AC3E}">
+        <p14:creationId xmlns:p14="http://schemas.microsoft.com/office/powerpoint/2010/main" val="3968377418"/>
+      </p:ext>
+    </p:extLst>
+  </p:cSld>
+  <p:clrMapOvr>
+    <a:masterClrMapping/>
+  </p:clrMapOvr>
+</p:notes>
+</file>
+
+<file path=ppt/notesSlides/notesSlide5.xml><?xml version="1.0" encoding="utf-8"?>
+<p:notes xmlns:a="http://schemas.openxmlformats.org/drawingml/2006/main" xmlns:r="http://schemas.openxmlformats.org/officeDocument/2006/relationships" xmlns:p="http://schemas.openxmlformats.org/presentationml/2006/main">
+  <p:cSld>
+    <p:spTree>
+      <p:nvGrpSpPr>
+        <p:cNvPr id="1" name=""/>
+        <p:cNvGrpSpPr/>
+        <p:nvPr/>
+      </p:nvGrpSpPr>
+      <p:grpSpPr>
+        <a:xfrm>
+          <a:off x="0" y="0"/>
+          <a:ext cx="0" cy="0"/>
+          <a:chOff x="0" y="0"/>
+          <a:chExt cx="0" cy="0"/>
+        </a:xfrm>
+      </p:grpSpPr>
+      <p:sp>
+        <p:nvSpPr>
+          <p:cNvPr id="2" name="Diakép helye 1"/>
+          <p:cNvSpPr>
+            <a:spLocks noGrp="1" noRot="1" noChangeAspect="1"/>
+          </p:cNvSpPr>
+          <p:nvPr>
+            <p:ph type="sldImg"/>
+          </p:nvPr>
+        </p:nvSpPr>
+        <p:spPr/>
+      </p:sp>
+      <p:sp>
+        <p:nvSpPr>
+          <p:cNvPr id="3" name="Jegyzetek helye 2"/>
+          <p:cNvSpPr>
+            <a:spLocks noGrp="1"/>
+          </p:cNvSpPr>
+          <p:nvPr>
+            <p:ph type="body" idx="1"/>
+          </p:nvPr>
+        </p:nvSpPr>
+        <p:spPr/>
+        <p:txBody>
+          <a:bodyPr/>
+          <a:lstStyle/>
+          <a:p>
+            <a:endParaRPr lang="hu-HU" dirty="0"/>
+          </a:p>
+        </p:txBody>
+      </p:sp>
+      <p:sp>
+        <p:nvSpPr>
+          <p:cNvPr id="4" name="Dia számának helye 3"/>
+          <p:cNvSpPr>
+            <a:spLocks noGrp="1"/>
+          </p:cNvSpPr>
+          <p:nvPr>
+            <p:ph type="sldNum" sz="quarter" idx="5"/>
+          </p:nvPr>
+        </p:nvSpPr>
+        <p:spPr/>
+        <p:txBody>
+          <a:bodyPr/>
+          <a:lstStyle/>
+          <a:p>
+            <a:fld id="{DC5F66AA-0328-4E68-8C32-888D9F68B976}" type="slidenum">
+              <a:rPr lang="hu-HU" smtClean="0"/>
+              <a:t>11</a:t>
+            </a:fld>
+            <a:endParaRPr lang="hu-HU"/>
+          </a:p>
+        </p:txBody>
+      </p:sp>
+    </p:spTree>
+    <p:extLst>
+      <p:ext uri="{BB962C8B-B14F-4D97-AF65-F5344CB8AC3E}">
+        <p14:creationId xmlns:p14="http://schemas.microsoft.com/office/powerpoint/2010/main" val="1571152825"/>
       </p:ext>
     </p:extLst>
   </p:cSld>
@@ -1404,7 +1702,7 @@
           <a:p>
             <a:fld id="{361B91CD-1549-4895-8BF5-D4DD79653900}" type="datetimeFigureOut">
               <a:rPr lang="hu-HU" smtClean="0"/>
-              <a:t>2023. 11. 15.</a:t>
+              <a:t>2023. 11. 16.</a:t>
             </a:fld>
             <a:endParaRPr lang="hu-HU"/>
           </a:p>
@@ -1602,7 +1900,7 @@
           <a:p>
             <a:fld id="{361B91CD-1549-4895-8BF5-D4DD79653900}" type="datetimeFigureOut">
               <a:rPr lang="hu-HU" smtClean="0"/>
-              <a:t>2023. 11. 15.</a:t>
+              <a:t>2023. 11. 16.</a:t>
             </a:fld>
             <a:endParaRPr lang="hu-HU"/>
           </a:p>
@@ -1810,7 +2108,7 @@
           <a:p>
             <a:fld id="{361B91CD-1549-4895-8BF5-D4DD79653900}" type="datetimeFigureOut">
               <a:rPr lang="hu-HU" smtClean="0"/>
-              <a:t>2023. 11. 15.</a:t>
+              <a:t>2023. 11. 16.</a:t>
             </a:fld>
             <a:endParaRPr lang="hu-HU"/>
           </a:p>
@@ -2008,7 +2306,7 @@
           <a:p>
             <a:fld id="{361B91CD-1549-4895-8BF5-D4DD79653900}" type="datetimeFigureOut">
               <a:rPr lang="hu-HU" smtClean="0"/>
-              <a:t>2023. 11. 15.</a:t>
+              <a:t>2023. 11. 16.</a:t>
             </a:fld>
             <a:endParaRPr lang="hu-HU"/>
           </a:p>
@@ -2283,7 +2581,7 @@
           <a:p>
             <a:fld id="{361B91CD-1549-4895-8BF5-D4DD79653900}" type="datetimeFigureOut">
               <a:rPr lang="hu-HU" smtClean="0"/>
-              <a:t>2023. 11. 15.</a:t>
+              <a:t>2023. 11. 16.</a:t>
             </a:fld>
             <a:endParaRPr lang="hu-HU"/>
           </a:p>
@@ -2548,7 +2846,7 @@
           <a:p>
             <a:fld id="{361B91CD-1549-4895-8BF5-D4DD79653900}" type="datetimeFigureOut">
               <a:rPr lang="hu-HU" smtClean="0"/>
-              <a:t>2023. 11. 15.</a:t>
+              <a:t>2023. 11. 16.</a:t>
             </a:fld>
             <a:endParaRPr lang="hu-HU"/>
           </a:p>
@@ -2960,7 +3258,7 @@
           <a:p>
             <a:fld id="{361B91CD-1549-4895-8BF5-D4DD79653900}" type="datetimeFigureOut">
               <a:rPr lang="hu-HU" smtClean="0"/>
-              <a:t>2023. 11. 15.</a:t>
+              <a:t>2023. 11. 16.</a:t>
             </a:fld>
             <a:endParaRPr lang="hu-HU"/>
           </a:p>
@@ -3101,7 +3399,7 @@
           <a:p>
             <a:fld id="{361B91CD-1549-4895-8BF5-D4DD79653900}" type="datetimeFigureOut">
               <a:rPr lang="hu-HU" smtClean="0"/>
-              <a:t>2023. 11. 15.</a:t>
+              <a:t>2023. 11. 16.</a:t>
             </a:fld>
             <a:endParaRPr lang="hu-HU"/>
           </a:p>
@@ -3214,7 +3512,7 @@
           <a:p>
             <a:fld id="{361B91CD-1549-4895-8BF5-D4DD79653900}" type="datetimeFigureOut">
               <a:rPr lang="hu-HU" smtClean="0"/>
-              <a:t>2023. 11. 15.</a:t>
+              <a:t>2023. 11. 16.</a:t>
             </a:fld>
             <a:endParaRPr lang="hu-HU"/>
           </a:p>
@@ -3525,7 +3823,7 @@
           <a:p>
             <a:fld id="{361B91CD-1549-4895-8BF5-D4DD79653900}" type="datetimeFigureOut">
               <a:rPr lang="hu-HU" smtClean="0"/>
-              <a:t>2023. 11. 15.</a:t>
+              <a:t>2023. 11. 16.</a:t>
             </a:fld>
             <a:endParaRPr lang="hu-HU"/>
           </a:p>
@@ -3813,7 +4111,7 @@
           <a:p>
             <a:fld id="{361B91CD-1549-4895-8BF5-D4DD79653900}" type="datetimeFigureOut">
               <a:rPr lang="hu-HU" smtClean="0"/>
-              <a:t>2023. 11. 15.</a:t>
+              <a:t>2023. 11. 16.</a:t>
             </a:fld>
             <a:endParaRPr lang="hu-HU"/>
           </a:p>
@@ -4054,7 +4352,7 @@
           <a:p>
             <a:fld id="{361B91CD-1549-4895-8BF5-D4DD79653900}" type="datetimeFigureOut">
               <a:rPr lang="hu-HU" smtClean="0"/>
-              <a:t>2023. 11. 15.</a:t>
+              <a:t>2023. 11. 16.</a:t>
             </a:fld>
             <a:endParaRPr lang="hu-HU"/>
           </a:p>
@@ -5162,6 +5460,1307 @@
 </p:sld>
 </file>
 
+<file path=ppt/slides/slide10.xml><?xml version="1.0" encoding="utf-8"?>
+<p:sld xmlns:a="http://schemas.openxmlformats.org/drawingml/2006/main" xmlns:r="http://schemas.openxmlformats.org/officeDocument/2006/relationships" xmlns:p="http://schemas.openxmlformats.org/presentationml/2006/main">
+  <p:cSld>
+    <p:bg>
+      <p:bgPr>
+        <a:solidFill>
+          <a:schemeClr val="bg1"/>
+        </a:solidFill>
+        <a:effectLst/>
+      </p:bgPr>
+    </p:bg>
+    <p:spTree>
+      <p:nvGrpSpPr>
+        <p:cNvPr id="1" name=""/>
+        <p:cNvGrpSpPr/>
+        <p:nvPr/>
+      </p:nvGrpSpPr>
+      <p:grpSpPr>
+        <a:xfrm>
+          <a:off x="0" y="0"/>
+          <a:ext cx="0" cy="0"/>
+          <a:chOff x="0" y="0"/>
+          <a:chExt cx="0" cy="0"/>
+        </a:xfrm>
+      </p:grpSpPr>
+      <p:sp useBgFill="1">
+        <p:nvSpPr>
+          <p:cNvPr id="22" name="Rectangle 21">
+            <a:extLst>
+              <a:ext uri="{FF2B5EF4-FFF2-40B4-BE49-F238E27FC236}">
+                <a16:creationId xmlns:a16="http://schemas.microsoft.com/office/drawing/2014/main" id="{4AC6B390-BC59-4F1D-A0EE-D71A92F0A0B2}"/>
+              </a:ext>
+              <a:ext uri="{C183D7F6-B498-43B3-948B-1728B52AA6E4}">
+                <adec:decorative xmlns:adec="http://schemas.microsoft.com/office/drawing/2017/decorative" val="1"/>
+              </a:ext>
+            </a:extLst>
+          </p:cNvPr>
+          <p:cNvSpPr>
+            <a:spLocks noGrp="1" noRot="1" noChangeAspect="1" noMove="1" noResize="1" noEditPoints="1" noAdjustHandles="1" noChangeArrowheads="1" noChangeShapeType="1" noTextEdit="1"/>
+          </p:cNvSpPr>
+          <p:nvPr>
+            <p:extLst>
+              <p:ext uri="{386F3935-93C4-4BCD-93E2-E3B085C9AB24}">
+                <p16:designElem xmlns:p16="http://schemas.microsoft.com/office/powerpoint/2015/main" val="1"/>
+              </p:ext>
+            </p:extLst>
+          </p:nvPr>
+        </p:nvSpPr>
+        <p:spPr bwMode="white">
+          <a:xfrm>
+            <a:off x="0" y="0"/>
+            <a:ext cx="12192000" cy="6858000"/>
+          </a:xfrm>
+          <a:prstGeom prst="rect">
+            <a:avLst/>
+          </a:prstGeom>
+          <a:ln>
+            <a:noFill/>
+          </a:ln>
+        </p:spPr>
+        <p:style>
+          <a:lnRef idx="2">
+            <a:schemeClr val="accent1">
+              <a:shade val="50000"/>
+            </a:schemeClr>
+          </a:lnRef>
+          <a:fillRef idx="1">
+            <a:schemeClr val="accent1"/>
+          </a:fillRef>
+          <a:effectRef idx="0">
+            <a:schemeClr val="accent1"/>
+          </a:effectRef>
+          <a:fontRef idx="minor">
+            <a:schemeClr val="lt1"/>
+          </a:fontRef>
+        </p:style>
+        <p:txBody>
+          <a:bodyPr rtlCol="0" anchor="ctr"/>
+          <a:lstStyle>
+            <a:defPPr>
+              <a:defRPr lang="en-US"/>
+            </a:defPPr>
+            <a:lvl1pPr marL="0" algn="l" defTabSz="914400" rtl="0" eaLnBrk="1" latinLnBrk="0" hangingPunct="1">
+              <a:defRPr sz="1800" kern="1200">
+                <a:solidFill>
+                  <a:schemeClr val="lt1"/>
+                </a:solidFill>
+                <a:latin typeface="+mn-lt"/>
+                <a:ea typeface="+mn-ea"/>
+                <a:cs typeface="+mn-cs"/>
+              </a:defRPr>
+            </a:lvl1pPr>
+            <a:lvl2pPr marL="457200" algn="l" defTabSz="914400" rtl="0" eaLnBrk="1" latinLnBrk="0" hangingPunct="1">
+              <a:defRPr sz="1800" kern="1200">
+                <a:solidFill>
+                  <a:schemeClr val="lt1"/>
+                </a:solidFill>
+                <a:latin typeface="+mn-lt"/>
+                <a:ea typeface="+mn-ea"/>
+                <a:cs typeface="+mn-cs"/>
+              </a:defRPr>
+            </a:lvl2pPr>
+            <a:lvl3pPr marL="914400" algn="l" defTabSz="914400" rtl="0" eaLnBrk="1" latinLnBrk="0" hangingPunct="1">
+              <a:defRPr sz="1800" kern="1200">
+                <a:solidFill>
+                  <a:schemeClr val="lt1"/>
+                </a:solidFill>
+                <a:latin typeface="+mn-lt"/>
+                <a:ea typeface="+mn-ea"/>
+                <a:cs typeface="+mn-cs"/>
+              </a:defRPr>
+            </a:lvl3pPr>
+            <a:lvl4pPr marL="1371600" algn="l" defTabSz="914400" rtl="0" eaLnBrk="1" latinLnBrk="0" hangingPunct="1">
+              <a:defRPr sz="1800" kern="1200">
+                <a:solidFill>
+                  <a:schemeClr val="lt1"/>
+                </a:solidFill>
+                <a:latin typeface="+mn-lt"/>
+                <a:ea typeface="+mn-ea"/>
+                <a:cs typeface="+mn-cs"/>
+              </a:defRPr>
+            </a:lvl4pPr>
+            <a:lvl5pPr marL="1828800" algn="l" defTabSz="914400" rtl="0" eaLnBrk="1" latinLnBrk="0" hangingPunct="1">
+              <a:defRPr sz="1800" kern="1200">
+                <a:solidFill>
+                  <a:schemeClr val="lt1"/>
+                </a:solidFill>
+                <a:latin typeface="+mn-lt"/>
+                <a:ea typeface="+mn-ea"/>
+                <a:cs typeface="+mn-cs"/>
+              </a:defRPr>
+            </a:lvl5pPr>
+            <a:lvl6pPr marL="2286000" algn="l" defTabSz="914400" rtl="0" eaLnBrk="1" latinLnBrk="0" hangingPunct="1">
+              <a:defRPr sz="1800" kern="1200">
+                <a:solidFill>
+                  <a:schemeClr val="lt1"/>
+                </a:solidFill>
+                <a:latin typeface="+mn-lt"/>
+                <a:ea typeface="+mn-ea"/>
+                <a:cs typeface="+mn-cs"/>
+              </a:defRPr>
+            </a:lvl6pPr>
+            <a:lvl7pPr marL="2743200" algn="l" defTabSz="914400" rtl="0" eaLnBrk="1" latinLnBrk="0" hangingPunct="1">
+              <a:defRPr sz="1800" kern="1200">
+                <a:solidFill>
+                  <a:schemeClr val="lt1"/>
+                </a:solidFill>
+                <a:latin typeface="+mn-lt"/>
+                <a:ea typeface="+mn-ea"/>
+                <a:cs typeface="+mn-cs"/>
+              </a:defRPr>
+            </a:lvl7pPr>
+            <a:lvl8pPr marL="3200400" algn="l" defTabSz="914400" rtl="0" eaLnBrk="1" latinLnBrk="0" hangingPunct="1">
+              <a:defRPr sz="1800" kern="1200">
+                <a:solidFill>
+                  <a:schemeClr val="lt1"/>
+                </a:solidFill>
+                <a:latin typeface="+mn-lt"/>
+                <a:ea typeface="+mn-ea"/>
+                <a:cs typeface="+mn-cs"/>
+              </a:defRPr>
+            </a:lvl8pPr>
+            <a:lvl9pPr marL="3657600" algn="l" defTabSz="914400" rtl="0" eaLnBrk="1" latinLnBrk="0" hangingPunct="1">
+              <a:defRPr sz="1800" kern="1200">
+                <a:solidFill>
+                  <a:schemeClr val="lt1"/>
+                </a:solidFill>
+                <a:latin typeface="+mn-lt"/>
+                <a:ea typeface="+mn-ea"/>
+                <a:cs typeface="+mn-cs"/>
+              </a:defRPr>
+            </a:lvl9pPr>
+          </a:lstStyle>
+          <a:p>
+            <a:pPr algn="ctr"/>
+            <a:endParaRPr lang="en-US"/>
+          </a:p>
+        </p:txBody>
+      </p:sp>
+      <p:sp>
+        <p:nvSpPr>
+          <p:cNvPr id="24" name="Freeform: Shape 23">
+            <a:extLst>
+              <a:ext uri="{FF2B5EF4-FFF2-40B4-BE49-F238E27FC236}">
+                <a16:creationId xmlns:a16="http://schemas.microsoft.com/office/drawing/2014/main" id="{B6C60D79-16F1-4C4B-B7E3-7634E7069CDE}"/>
+              </a:ext>
+              <a:ext uri="{C183D7F6-B498-43B3-948B-1728B52AA6E4}">
+                <adec:decorative xmlns:adec="http://schemas.microsoft.com/office/drawing/2017/decorative" val="1"/>
+              </a:ext>
+            </a:extLst>
+          </p:cNvPr>
+          <p:cNvSpPr>
+            <a:spLocks noGrp="1" noRot="1" noChangeAspect="1" noMove="1" noResize="1" noEditPoints="1" noAdjustHandles="1" noChangeArrowheads="1" noChangeShapeType="1" noTextEdit="1"/>
+          </p:cNvSpPr>
+          <p:nvPr>
+            <p:extLst>
+              <p:ext uri="{386F3935-93C4-4BCD-93E2-E3B085C9AB24}">
+                <p16:designElem xmlns:p16="http://schemas.microsoft.com/office/powerpoint/2015/main" val="1"/>
+              </p:ext>
+            </p:extLst>
+          </p:nvPr>
+        </p:nvSpPr>
+        <p:spPr>
+          <a:xfrm>
+            <a:off x="9519137" y="5486400"/>
+            <a:ext cx="2672863" cy="1371600"/>
+          </a:xfrm>
+          <a:custGeom>
+            <a:avLst/>
+            <a:gdLst>
+              <a:gd name="connsiteX0" fmla="*/ 1721734 w 2672863"/>
+              <a:gd name="connsiteY0" fmla="*/ 0 h 1371600"/>
+              <a:gd name="connsiteX1" fmla="*/ 2564444 w 2672863"/>
+              <a:gd name="connsiteY1" fmla="*/ 213382 h 1371600"/>
+              <a:gd name="connsiteX2" fmla="*/ 2672863 w 2672863"/>
+              <a:gd name="connsiteY2" fmla="*/ 279248 h 1371600"/>
+              <a:gd name="connsiteX3" fmla="*/ 2672863 w 2672863"/>
+              <a:gd name="connsiteY3" fmla="*/ 1371600 h 1371600"/>
+              <a:gd name="connsiteX4" fmla="*/ 0 w 2672863"/>
+              <a:gd name="connsiteY4" fmla="*/ 1371600 h 1371600"/>
+              <a:gd name="connsiteX5" fmla="*/ 33268 w 2672863"/>
+              <a:gd name="connsiteY5" fmla="*/ 1242216 h 1371600"/>
+              <a:gd name="connsiteX6" fmla="*/ 1721734 w 2672863"/>
+              <a:gd name="connsiteY6" fmla="*/ 0 h 1371600"/>
+            </a:gdLst>
+            <a:ahLst/>
+            <a:cxnLst>
+              <a:cxn ang="0">
+                <a:pos x="connsiteX0" y="connsiteY0"/>
+              </a:cxn>
+              <a:cxn ang="0">
+                <a:pos x="connsiteX1" y="connsiteY1"/>
+              </a:cxn>
+              <a:cxn ang="0">
+                <a:pos x="connsiteX2" y="connsiteY2"/>
+              </a:cxn>
+              <a:cxn ang="0">
+                <a:pos x="connsiteX3" y="connsiteY3"/>
+              </a:cxn>
+              <a:cxn ang="0">
+                <a:pos x="connsiteX4" y="connsiteY4"/>
+              </a:cxn>
+              <a:cxn ang="0">
+                <a:pos x="connsiteX5" y="connsiteY5"/>
+              </a:cxn>
+              <a:cxn ang="0">
+                <a:pos x="connsiteX6" y="connsiteY6"/>
+              </a:cxn>
+            </a:cxnLst>
+            <a:rect l="l" t="t" r="r" b="b"/>
+            <a:pathLst>
+              <a:path w="2672863" h="1371600">
+                <a:moveTo>
+                  <a:pt x="1721734" y="0"/>
+                </a:moveTo>
+                <a:cubicBezTo>
+                  <a:pt x="2026863" y="0"/>
+                  <a:pt x="2313937" y="77299"/>
+                  <a:pt x="2564444" y="213382"/>
+                </a:cubicBezTo>
+                <a:lnTo>
+                  <a:pt x="2672863" y="279248"/>
+                </a:lnTo>
+                <a:lnTo>
+                  <a:pt x="2672863" y="1371600"/>
+                </a:lnTo>
+                <a:lnTo>
+                  <a:pt x="0" y="1371600"/>
+                </a:lnTo>
+                <a:lnTo>
+                  <a:pt x="33268" y="1242216"/>
+                </a:lnTo>
+                <a:cubicBezTo>
+                  <a:pt x="257110" y="522539"/>
+                  <a:pt x="928399" y="0"/>
+                  <a:pt x="1721734" y="0"/>
+                </a:cubicBezTo>
+                <a:close/>
+              </a:path>
+            </a:pathLst>
+          </a:custGeom>
+          <a:solidFill>
+            <a:schemeClr val="accent4"/>
+          </a:solidFill>
+          <a:ln>
+            <a:noFill/>
+          </a:ln>
+        </p:spPr>
+        <p:style>
+          <a:lnRef idx="2">
+            <a:schemeClr val="accent1">
+              <a:shade val="50000"/>
+            </a:schemeClr>
+          </a:lnRef>
+          <a:fillRef idx="1">
+            <a:schemeClr val="accent1"/>
+          </a:fillRef>
+          <a:effectRef idx="0">
+            <a:schemeClr val="accent1"/>
+          </a:effectRef>
+          <a:fontRef idx="minor">
+            <a:schemeClr val="lt1"/>
+          </a:fontRef>
+        </p:style>
+        <p:txBody>
+          <a:bodyPr wrap="square" rtlCol="0" anchor="ctr">
+            <a:noAutofit/>
+          </a:bodyPr>
+          <a:lstStyle/>
+          <a:p>
+            <a:pPr algn="ctr"/>
+            <a:endParaRPr lang="en-US"/>
+          </a:p>
+        </p:txBody>
+      </p:sp>
+      <p:pic>
+        <p:nvPicPr>
+          <p:cNvPr id="5" name="Ábra 4">
+            <a:extLst>
+              <a:ext uri="{FF2B5EF4-FFF2-40B4-BE49-F238E27FC236}">
+                <a16:creationId xmlns:a16="http://schemas.microsoft.com/office/drawing/2014/main" id="{D51FAAEC-81F9-EDF0-73FD-D1B1D7E012E7}"/>
+              </a:ext>
+            </a:extLst>
+          </p:cNvPr>
+          <p:cNvPicPr>
+            <a:picLocks noChangeAspect="1"/>
+          </p:cNvPicPr>
+          <p:nvPr/>
+        </p:nvPicPr>
+        <p:blipFill>
+          <a:blip r:embed="rId3">
+            <a:extLst>
+              <a:ext uri="{28A0092B-C50C-407E-A947-70E740481C1C}">
+                <a14:useLocalDpi xmlns:a14="http://schemas.microsoft.com/office/drawing/2010/main" val="0"/>
+              </a:ext>
+              <a:ext uri="{96DAC541-7B7A-43D3-8B79-37D633B846F1}">
+                <asvg:svgBlip xmlns:asvg="http://schemas.microsoft.com/office/drawing/2016/SVG/main" r:embed="rId4"/>
+              </a:ext>
+            </a:extLst>
+          </a:blip>
+          <a:stretch>
+            <a:fillRect/>
+          </a:stretch>
+        </p:blipFill>
+        <p:spPr>
+          <a:xfrm>
+            <a:off x="6541053" y="1351068"/>
+            <a:ext cx="4777381" cy="3983156"/>
+          </a:xfrm>
+          <a:custGeom>
+            <a:avLst/>
+            <a:gdLst/>
+            <a:ahLst/>
+            <a:cxnLst/>
+            <a:rect l="l" t="t" r="r" b="b"/>
+            <a:pathLst>
+              <a:path w="4777381" h="5643794">
+                <a:moveTo>
+                  <a:pt x="143704" y="0"/>
+                </a:moveTo>
+                <a:lnTo>
+                  <a:pt x="4633677" y="0"/>
+                </a:lnTo>
+                <a:cubicBezTo>
+                  <a:pt x="4713043" y="0"/>
+                  <a:pt x="4777381" y="64338"/>
+                  <a:pt x="4777381" y="143704"/>
+                </a:cubicBezTo>
+                <a:lnTo>
+                  <a:pt x="4777381" y="5500090"/>
+                </a:lnTo>
+                <a:cubicBezTo>
+                  <a:pt x="4777381" y="5579456"/>
+                  <a:pt x="4713043" y="5643794"/>
+                  <a:pt x="4633677" y="5643794"/>
+                </a:cubicBezTo>
+                <a:lnTo>
+                  <a:pt x="143704" y="5643794"/>
+                </a:lnTo>
+                <a:cubicBezTo>
+                  <a:pt x="64338" y="5643794"/>
+                  <a:pt x="0" y="5579456"/>
+                  <a:pt x="0" y="5500090"/>
+                </a:cubicBezTo>
+                <a:lnTo>
+                  <a:pt x="0" y="143704"/>
+                </a:lnTo>
+                <a:cubicBezTo>
+                  <a:pt x="0" y="64338"/>
+                  <a:pt x="64338" y="0"/>
+                  <a:pt x="143704" y="0"/>
+                </a:cubicBezTo>
+                <a:close/>
+              </a:path>
+            </a:pathLst>
+          </a:custGeom>
+        </p:spPr>
+      </p:pic>
+      <p:sp>
+        <p:nvSpPr>
+          <p:cNvPr id="26" name="Arc 25">
+            <a:extLst>
+              <a:ext uri="{FF2B5EF4-FFF2-40B4-BE49-F238E27FC236}">
+                <a16:creationId xmlns:a16="http://schemas.microsoft.com/office/drawing/2014/main" id="{426B127E-6498-4C77-9C9D-4553A5113B80}"/>
+              </a:ext>
+              <a:ext uri="{C183D7F6-B498-43B3-948B-1728B52AA6E4}">
+                <adec:decorative xmlns:adec="http://schemas.microsoft.com/office/drawing/2017/decorative" val="1"/>
+              </a:ext>
+            </a:extLst>
+          </p:cNvPr>
+          <p:cNvSpPr>
+            <a:spLocks noGrp="1" noRot="1" noChangeAspect="1" noMove="1" noResize="1" noEditPoints="1" noAdjustHandles="1" noChangeArrowheads="1" noChangeShapeType="1" noTextEdit="1"/>
+          </p:cNvSpPr>
+          <p:nvPr>
+            <p:extLst>
+              <p:ext uri="{386F3935-93C4-4BCD-93E2-E3B085C9AB24}">
+                <p16:designElem xmlns:p16="http://schemas.microsoft.com/office/powerpoint/2015/main" val="1"/>
+              </p:ext>
+            </p:extLst>
+          </p:nvPr>
+        </p:nvSpPr>
+        <p:spPr>
+          <a:xfrm>
+            <a:off x="4602050" y="650160"/>
+            <a:ext cx="2987899" cy="2987899"/>
+          </a:xfrm>
+          <a:prstGeom prst="arc">
+            <a:avLst>
+              <a:gd name="adj1" fmla="val 14441841"/>
+              <a:gd name="adj2" fmla="val 0"/>
+            </a:avLst>
+          </a:prstGeom>
+          <a:ln w="127000" cap="rnd">
+            <a:solidFill>
+              <a:schemeClr val="accent4"/>
+            </a:solidFill>
+            <a:prstDash val="dash"/>
+            <a:miter lim="800000"/>
+          </a:ln>
+        </p:spPr>
+        <p:style>
+          <a:lnRef idx="1">
+            <a:schemeClr val="accent1"/>
+          </a:lnRef>
+          <a:fillRef idx="0">
+            <a:schemeClr val="accent1"/>
+          </a:fillRef>
+          <a:effectRef idx="0">
+            <a:schemeClr val="accent1"/>
+          </a:effectRef>
+          <a:fontRef idx="minor">
+            <a:schemeClr val="tx1"/>
+          </a:fontRef>
+        </p:style>
+        <p:txBody>
+          <a:bodyPr rtlCol="0" anchor="ctr"/>
+          <a:lstStyle/>
+          <a:p>
+            <a:pPr marL="0" marR="0" lvl="0" indent="0" algn="ctr" defTabSz="914400" rtl="0" eaLnBrk="1" fontAlgn="auto" latinLnBrk="0" hangingPunct="1">
+              <a:lnSpc>
+                <a:spcPct val="100000"/>
+              </a:lnSpc>
+              <a:spcBef>
+                <a:spcPts val="0"/>
+              </a:spcBef>
+              <a:spcAft>
+                <a:spcPts val="0"/>
+              </a:spcAft>
+              <a:buClrTx/>
+              <a:buSzTx/>
+              <a:buFontTx/>
+              <a:buNone/>
+              <a:tabLst/>
+              <a:defRPr/>
+            </a:pPr>
+            <a:endParaRPr kumimoji="0" lang="en-US" sz="1800" b="0" i="0" u="none" strike="noStrike" kern="1200" cap="none" spc="0" normalizeH="0" baseline="0" noProof="0">
+              <a:ln>
+                <a:noFill/>
+              </a:ln>
+              <a:solidFill>
+                <a:srgbClr val="000000"/>
+              </a:solidFill>
+              <a:effectLst/>
+              <a:uLnTx/>
+              <a:uFillTx/>
+              <a:latin typeface="Calibri" panose="020F0502020204030204"/>
+              <a:ea typeface="+mn-ea"/>
+              <a:cs typeface="+mn-cs"/>
+            </a:endParaRPr>
+          </a:p>
+        </p:txBody>
+      </p:sp>
+      <p:sp>
+        <p:nvSpPr>
+          <p:cNvPr id="2" name="Cím 1">
+            <a:extLst>
+              <a:ext uri="{FF2B5EF4-FFF2-40B4-BE49-F238E27FC236}">
+                <a16:creationId xmlns:a16="http://schemas.microsoft.com/office/drawing/2014/main" id="{E75142F0-FA53-613F-C025-B2769041D16B}"/>
+              </a:ext>
+            </a:extLst>
+          </p:cNvPr>
+          <p:cNvSpPr>
+            <a:spLocks noGrp="1"/>
+          </p:cNvSpPr>
+          <p:nvPr>
+            <p:ph type="title"/>
+          </p:nvPr>
+        </p:nvSpPr>
+        <p:spPr>
+          <a:xfrm>
+            <a:off x="838201" y="721597"/>
+            <a:ext cx="5257800" cy="1325563"/>
+          </a:xfrm>
+        </p:spPr>
+        <p:txBody>
+          <a:bodyPr>
+            <a:noAutofit/>
+          </a:bodyPr>
+          <a:lstStyle/>
+          <a:p>
+            <a:r>
+              <a:rPr lang="hu-HU" sz="3300" b="1" dirty="0" err="1">
+                <a:latin typeface="Quicksand" pitchFamily="2" charset="-18"/>
+              </a:rPr>
+              <a:t>Further</a:t>
+            </a:r>
+            <a:r>
+              <a:rPr lang="hu-HU" sz="3300" b="1" dirty="0">
+                <a:latin typeface="Quicksand" pitchFamily="2" charset="-18"/>
+              </a:rPr>
+              <a:t> </a:t>
+            </a:r>
+            <a:r>
+              <a:rPr lang="hu-HU" sz="3300" b="1" dirty="0" err="1">
+                <a:latin typeface="Quicksand" pitchFamily="2" charset="-18"/>
+              </a:rPr>
+              <a:t>improvements</a:t>
+            </a:r>
+            <a:r>
+              <a:rPr lang="hu-HU" sz="3300" b="1" dirty="0">
+                <a:latin typeface="Quicksand" pitchFamily="2" charset="-18"/>
+              </a:rPr>
+              <a:t> and </a:t>
+            </a:r>
+            <a:r>
+              <a:rPr lang="hu-HU" sz="3300" b="1" dirty="0" err="1">
+                <a:latin typeface="Quicksand" pitchFamily="2" charset="-18"/>
+              </a:rPr>
+              <a:t>comparison</a:t>
+            </a:r>
+            <a:endParaRPr lang="hu-HU" sz="3300" b="1" dirty="0">
+              <a:latin typeface="Quicksand" pitchFamily="2" charset="-18"/>
+            </a:endParaRPr>
+          </a:p>
+        </p:txBody>
+      </p:sp>
+      <p:sp>
+        <p:nvSpPr>
+          <p:cNvPr id="3" name="Tartalom helye 2">
+            <a:extLst>
+              <a:ext uri="{FF2B5EF4-FFF2-40B4-BE49-F238E27FC236}">
+                <a16:creationId xmlns:a16="http://schemas.microsoft.com/office/drawing/2014/main" id="{EF26A61A-EF50-1FF5-B74C-E15D61961DC9}"/>
+              </a:ext>
+            </a:extLst>
+          </p:cNvPr>
+          <p:cNvSpPr>
+            <a:spLocks noGrp="1"/>
+          </p:cNvSpPr>
+          <p:nvPr>
+            <p:ph idx="1"/>
+          </p:nvPr>
+        </p:nvSpPr>
+        <p:spPr>
+          <a:xfrm>
+            <a:off x="838201" y="1984443"/>
+            <a:ext cx="5257800" cy="4192520"/>
+          </a:xfrm>
+        </p:spPr>
+        <p:txBody>
+          <a:bodyPr>
+            <a:normAutofit/>
+          </a:bodyPr>
+          <a:lstStyle/>
+          <a:p>
+            <a:endParaRPr lang="hu-HU" sz="2300" dirty="0">
+              <a:latin typeface="Quicksand" pitchFamily="2" charset="-18"/>
+            </a:endParaRPr>
+          </a:p>
+          <a:p>
+            <a:r>
+              <a:rPr lang="hu-HU" sz="2300" dirty="0" err="1">
+                <a:latin typeface="Quicksand" pitchFamily="2" charset="-18"/>
+              </a:rPr>
+              <a:t>Hyperparameter</a:t>
+            </a:r>
+            <a:r>
+              <a:rPr lang="hu-HU" sz="2300" dirty="0">
+                <a:latin typeface="Quicksand" pitchFamily="2" charset="-18"/>
+              </a:rPr>
+              <a:t> </a:t>
+            </a:r>
+            <a:r>
+              <a:rPr lang="hu-HU" sz="2300" dirty="0" err="1">
+                <a:latin typeface="Quicksand" pitchFamily="2" charset="-18"/>
+              </a:rPr>
+              <a:t>tuning</a:t>
+            </a:r>
+            <a:endParaRPr lang="hu-HU" sz="2300" dirty="0">
+              <a:latin typeface="Quicksand" pitchFamily="2" charset="-18"/>
+            </a:endParaRPr>
+          </a:p>
+          <a:p>
+            <a:r>
+              <a:rPr lang="hu-HU" sz="2300" dirty="0" err="1">
+                <a:latin typeface="Quicksand" pitchFamily="2" charset="-18"/>
+              </a:rPr>
+              <a:t>Collecting</a:t>
+            </a:r>
+            <a:r>
+              <a:rPr lang="hu-HU" sz="2300" dirty="0">
+                <a:latin typeface="Quicksand" pitchFamily="2" charset="-18"/>
+              </a:rPr>
+              <a:t> more and more </a:t>
+            </a:r>
+            <a:r>
+              <a:rPr lang="hu-HU" sz="2300" dirty="0" err="1">
+                <a:latin typeface="Quicksand" pitchFamily="2" charset="-18"/>
+              </a:rPr>
+              <a:t>data</a:t>
+            </a:r>
+            <a:endParaRPr lang="hu-HU" sz="2300" dirty="0">
+              <a:latin typeface="Quicksand" pitchFamily="2" charset="-18"/>
+            </a:endParaRPr>
+          </a:p>
+          <a:p>
+            <a:r>
+              <a:rPr lang="hu-HU" sz="2300" dirty="0">
+                <a:latin typeface="Quicksand" pitchFamily="2" charset="-18"/>
+              </a:rPr>
+              <a:t>More output</a:t>
+            </a:r>
+            <a:endParaRPr lang="hu-HU" sz="1900" b="1" dirty="0">
+              <a:latin typeface="Quicksand" pitchFamily="2" charset="-18"/>
+            </a:endParaRPr>
+          </a:p>
+          <a:p>
+            <a:pPr lvl="1"/>
+            <a:endParaRPr lang="hu-HU" sz="1900" dirty="0">
+              <a:latin typeface="Quicksand" pitchFamily="2" charset="-18"/>
+            </a:endParaRPr>
+          </a:p>
+        </p:txBody>
+      </p:sp>
+      <p:pic>
+        <p:nvPicPr>
+          <p:cNvPr id="18" name="Kép 17" descr="A képen Betűtípus, Grafika, Grafikus tervezés, embléma látható&#10;&#10;Automatikusan generált leírás">
+            <a:extLst>
+              <a:ext uri="{FF2B5EF4-FFF2-40B4-BE49-F238E27FC236}">
+                <a16:creationId xmlns:a16="http://schemas.microsoft.com/office/drawing/2014/main" id="{85581176-7A0D-1F8B-2778-DF565A8E9EE1}"/>
+              </a:ext>
+            </a:extLst>
+          </p:cNvPr>
+          <p:cNvPicPr>
+            <a:picLocks noChangeAspect="1"/>
+          </p:cNvPicPr>
+          <p:nvPr/>
+        </p:nvPicPr>
+        <p:blipFill>
+          <a:blip r:embed="rId5">
+            <a:extLst>
+              <a:ext uri="{28A0092B-C50C-407E-A947-70E740481C1C}">
+                <a14:useLocalDpi xmlns:a14="http://schemas.microsoft.com/office/drawing/2010/main" val="0"/>
+              </a:ext>
+            </a:extLst>
+          </a:blip>
+          <a:stretch>
+            <a:fillRect/>
+          </a:stretch>
+        </p:blipFill>
+        <p:spPr>
+          <a:xfrm>
+            <a:off x="5650948" y="4037376"/>
+            <a:ext cx="3419475" cy="1554307"/>
+          </a:xfrm>
+          <a:prstGeom prst="rect">
+            <a:avLst/>
+          </a:prstGeom>
+        </p:spPr>
+      </p:pic>
+      <p:pic>
+        <p:nvPicPr>
+          <p:cNvPr id="20" name="Kép 19" descr="A képen minta, tér, pixel látható&#10;&#10;Automatikusan generált leírás">
+            <a:extLst>
+              <a:ext uri="{FF2B5EF4-FFF2-40B4-BE49-F238E27FC236}">
+                <a16:creationId xmlns:a16="http://schemas.microsoft.com/office/drawing/2014/main" id="{AEA9613E-304A-E925-9A61-CC7CB229983C}"/>
+              </a:ext>
+            </a:extLst>
+          </p:cNvPr>
+          <p:cNvPicPr>
+            <a:picLocks noChangeAspect="1"/>
+          </p:cNvPicPr>
+          <p:nvPr/>
+        </p:nvPicPr>
+        <p:blipFill>
+          <a:blip r:embed="rId6">
+            <a:extLst>
+              <a:ext uri="{28A0092B-C50C-407E-A947-70E740481C1C}">
+                <a14:useLocalDpi xmlns:a14="http://schemas.microsoft.com/office/drawing/2010/main" val="0"/>
+              </a:ext>
+            </a:extLst>
+          </a:blip>
+          <a:stretch>
+            <a:fillRect/>
+          </a:stretch>
+        </p:blipFill>
+        <p:spPr>
+          <a:xfrm>
+            <a:off x="3151504" y="3691126"/>
+            <a:ext cx="2432769" cy="2432769"/>
+          </a:xfrm>
+          <a:prstGeom prst="rect">
+            <a:avLst/>
+          </a:prstGeom>
+        </p:spPr>
+      </p:pic>
+      <p:sp>
+        <p:nvSpPr>
+          <p:cNvPr id="21" name="Szövegdoboz 20">
+            <a:extLst>
+              <a:ext uri="{FF2B5EF4-FFF2-40B4-BE49-F238E27FC236}">
+                <a16:creationId xmlns:a16="http://schemas.microsoft.com/office/drawing/2014/main" id="{52CF0EBB-84CD-9E4C-065F-598224DC47C1}"/>
+              </a:ext>
+            </a:extLst>
+          </p:cNvPr>
+          <p:cNvSpPr txBox="1"/>
+          <p:nvPr/>
+        </p:nvSpPr>
+        <p:spPr>
+          <a:xfrm>
+            <a:off x="11199752" y="6301615"/>
+            <a:ext cx="723900" cy="369332"/>
+          </a:xfrm>
+          <a:prstGeom prst="rect">
+            <a:avLst/>
+          </a:prstGeom>
+          <a:noFill/>
+        </p:spPr>
+        <p:txBody>
+          <a:bodyPr wrap="square" rtlCol="0">
+            <a:spAutoFit/>
+          </a:bodyPr>
+          <a:lstStyle/>
+          <a:p>
+            <a:pPr algn="ctr"/>
+            <a:r>
+              <a:rPr lang="hu-HU" b="1" dirty="0"/>
+              <a:t>9</a:t>
+            </a:r>
+            <a:r>
+              <a:rPr lang="hu-HU" dirty="0"/>
+              <a:t>/9</a:t>
+            </a:r>
+          </a:p>
+        </p:txBody>
+      </p:sp>
+    </p:spTree>
+    <p:extLst>
+      <p:ext uri="{BB962C8B-B14F-4D97-AF65-F5344CB8AC3E}">
+        <p14:creationId xmlns:p14="http://schemas.microsoft.com/office/powerpoint/2010/main" val="1265871964"/>
+      </p:ext>
+    </p:extLst>
+  </p:cSld>
+  <p:clrMapOvr>
+    <a:masterClrMapping/>
+  </p:clrMapOvr>
+</p:sld>
+</file>
+
+<file path=ppt/slides/slide11.xml><?xml version="1.0" encoding="utf-8"?>
+<p:sld xmlns:a="http://schemas.openxmlformats.org/drawingml/2006/main" xmlns:r="http://schemas.openxmlformats.org/officeDocument/2006/relationships" xmlns:p="http://schemas.openxmlformats.org/presentationml/2006/main">
+  <p:cSld>
+    <p:bg>
+      <p:bgPr>
+        <a:solidFill>
+          <a:schemeClr val="bg1"/>
+        </a:solidFill>
+        <a:effectLst/>
+      </p:bgPr>
+    </p:bg>
+    <p:spTree>
+      <p:nvGrpSpPr>
+        <p:cNvPr id="1" name=""/>
+        <p:cNvGrpSpPr/>
+        <p:nvPr/>
+      </p:nvGrpSpPr>
+      <p:grpSpPr>
+        <a:xfrm>
+          <a:off x="0" y="0"/>
+          <a:ext cx="0" cy="0"/>
+          <a:chOff x="0" y="0"/>
+          <a:chExt cx="0" cy="0"/>
+        </a:xfrm>
+      </p:grpSpPr>
+      <p:sp useBgFill="1">
+        <p:nvSpPr>
+          <p:cNvPr id="14" name="Rectangle 9">
+            <a:extLst>
+              <a:ext uri="{FF2B5EF4-FFF2-40B4-BE49-F238E27FC236}">
+                <a16:creationId xmlns:a16="http://schemas.microsoft.com/office/drawing/2014/main" id="{BCED4D40-4B67-4331-AC48-79B82B4A47D8}"/>
+              </a:ext>
+              <a:ext uri="{C183D7F6-B498-43B3-948B-1728B52AA6E4}">
+                <adec:decorative xmlns:adec="http://schemas.microsoft.com/office/drawing/2017/decorative" val="1"/>
+              </a:ext>
+            </a:extLst>
+          </p:cNvPr>
+          <p:cNvSpPr>
+            <a:spLocks noGrp="1" noRot="1" noChangeAspect="1" noMove="1" noResize="1" noEditPoints="1" noAdjustHandles="1" noChangeArrowheads="1" noChangeShapeType="1" noTextEdit="1"/>
+          </p:cNvSpPr>
+          <p:nvPr>
+            <p:extLst>
+              <p:ext uri="{386F3935-93C4-4BCD-93E2-E3B085C9AB24}">
+                <p16:designElem xmlns:p16="http://schemas.microsoft.com/office/powerpoint/2015/main" val="1"/>
+              </p:ext>
+            </p:extLst>
+          </p:nvPr>
+        </p:nvSpPr>
+        <p:spPr>
+          <a:xfrm>
+            <a:off x="0" y="0"/>
+            <a:ext cx="12192000" cy="6858000"/>
+          </a:xfrm>
+          <a:prstGeom prst="rect">
+            <a:avLst/>
+          </a:prstGeom>
+          <a:ln>
+            <a:noFill/>
+          </a:ln>
+        </p:spPr>
+        <p:style>
+          <a:lnRef idx="2">
+            <a:schemeClr val="accent1">
+              <a:shade val="50000"/>
+            </a:schemeClr>
+          </a:lnRef>
+          <a:fillRef idx="1">
+            <a:schemeClr val="accent1"/>
+          </a:fillRef>
+          <a:effectRef idx="0">
+            <a:schemeClr val="accent1"/>
+          </a:effectRef>
+          <a:fontRef idx="minor">
+            <a:schemeClr val="lt1"/>
+          </a:fontRef>
+        </p:style>
+        <p:txBody>
+          <a:bodyPr rtlCol="0" anchor="ctr"/>
+          <a:lstStyle/>
+          <a:p>
+            <a:pPr algn="ctr"/>
+            <a:endParaRPr lang="en-US"/>
+          </a:p>
+        </p:txBody>
+      </p:sp>
+      <p:sp>
+        <p:nvSpPr>
+          <p:cNvPr id="2" name="Cím 1">
+            <a:extLst>
+              <a:ext uri="{FF2B5EF4-FFF2-40B4-BE49-F238E27FC236}">
+                <a16:creationId xmlns:a16="http://schemas.microsoft.com/office/drawing/2014/main" id="{7FB67B71-5C57-04BF-4656-A5A8ABA5EE57}"/>
+              </a:ext>
+            </a:extLst>
+          </p:cNvPr>
+          <p:cNvSpPr>
+            <a:spLocks noGrp="1"/>
+          </p:cNvSpPr>
+          <p:nvPr>
+            <p:ph type="title"/>
+          </p:nvPr>
+        </p:nvSpPr>
+        <p:spPr>
+          <a:xfrm>
+            <a:off x="638881" y="417576"/>
+            <a:ext cx="10909640" cy="1249394"/>
+          </a:xfrm>
+        </p:spPr>
+        <p:txBody>
+          <a:bodyPr vert="horz" lIns="91440" tIns="45720" rIns="91440" bIns="45720" rtlCol="0" anchor="ctr">
+            <a:normAutofit/>
+          </a:bodyPr>
+          <a:lstStyle/>
+          <a:p>
+            <a:pPr algn="ctr"/>
+            <a:r>
+              <a:rPr lang="en-US" sz="6600" b="1" kern="1200" dirty="0">
+                <a:solidFill>
+                  <a:schemeClr val="tx1"/>
+                </a:solidFill>
+                <a:latin typeface="Quicksand" pitchFamily="2" charset="-18"/>
+              </a:rPr>
+              <a:t>The end</a:t>
+            </a:r>
+          </a:p>
+        </p:txBody>
+      </p:sp>
+      <p:sp>
+        <p:nvSpPr>
+          <p:cNvPr id="15" name="sketch line">
+            <a:extLst>
+              <a:ext uri="{FF2B5EF4-FFF2-40B4-BE49-F238E27FC236}">
+                <a16:creationId xmlns:a16="http://schemas.microsoft.com/office/drawing/2014/main" id="{670CEDEF-4F34-412E-84EE-329C1E936AF5}"/>
+              </a:ext>
+              <a:ext uri="{C183D7F6-B498-43B3-948B-1728B52AA6E4}">
+                <adec:decorative xmlns:adec="http://schemas.microsoft.com/office/drawing/2017/decorative" val="1"/>
+              </a:ext>
+            </a:extLst>
+          </p:cNvPr>
+          <p:cNvSpPr>
+            <a:spLocks noGrp="1" noRot="1" noChangeAspect="1" noMove="1" noResize="1" noEditPoints="1" noAdjustHandles="1" noChangeArrowheads="1" noChangeShapeType="1" noTextEdit="1"/>
+          </p:cNvSpPr>
+          <p:nvPr>
+            <p:extLst>
+              <p:ext uri="{386F3935-93C4-4BCD-93E2-E3B085C9AB24}">
+                <p16:designElem xmlns:p16="http://schemas.microsoft.com/office/powerpoint/2015/main" val="1"/>
+              </p:ext>
+            </p:extLst>
+          </p:nvPr>
+        </p:nvSpPr>
+        <p:spPr>
+          <a:xfrm>
+            <a:off x="3807702" y="1733454"/>
+            <a:ext cx="4572000" cy="18288"/>
+          </a:xfrm>
+          <a:custGeom>
+            <a:avLst/>
+            <a:gdLst>
+              <a:gd name="connsiteX0" fmla="*/ 0 w 4572000"/>
+              <a:gd name="connsiteY0" fmla="*/ 0 h 18288"/>
+              <a:gd name="connsiteX1" fmla="*/ 515983 w 4572000"/>
+              <a:gd name="connsiteY1" fmla="*/ 0 h 18288"/>
+              <a:gd name="connsiteX2" fmla="*/ 1031966 w 4572000"/>
+              <a:gd name="connsiteY2" fmla="*/ 0 h 18288"/>
+              <a:gd name="connsiteX3" fmla="*/ 1639389 w 4572000"/>
+              <a:gd name="connsiteY3" fmla="*/ 0 h 18288"/>
+              <a:gd name="connsiteX4" fmla="*/ 2383971 w 4572000"/>
+              <a:gd name="connsiteY4" fmla="*/ 0 h 18288"/>
+              <a:gd name="connsiteX5" fmla="*/ 2945674 w 4572000"/>
+              <a:gd name="connsiteY5" fmla="*/ 0 h 18288"/>
+              <a:gd name="connsiteX6" fmla="*/ 3507377 w 4572000"/>
+              <a:gd name="connsiteY6" fmla="*/ 0 h 18288"/>
+              <a:gd name="connsiteX7" fmla="*/ 4572000 w 4572000"/>
+              <a:gd name="connsiteY7" fmla="*/ 0 h 18288"/>
+              <a:gd name="connsiteX8" fmla="*/ 4572000 w 4572000"/>
+              <a:gd name="connsiteY8" fmla="*/ 18288 h 18288"/>
+              <a:gd name="connsiteX9" fmla="*/ 3873137 w 4572000"/>
+              <a:gd name="connsiteY9" fmla="*/ 18288 h 18288"/>
+              <a:gd name="connsiteX10" fmla="*/ 3311434 w 4572000"/>
+              <a:gd name="connsiteY10" fmla="*/ 18288 h 18288"/>
+              <a:gd name="connsiteX11" fmla="*/ 2749731 w 4572000"/>
+              <a:gd name="connsiteY11" fmla="*/ 18288 h 18288"/>
+              <a:gd name="connsiteX12" fmla="*/ 2050869 w 4572000"/>
+              <a:gd name="connsiteY12" fmla="*/ 18288 h 18288"/>
+              <a:gd name="connsiteX13" fmla="*/ 1306286 w 4572000"/>
+              <a:gd name="connsiteY13" fmla="*/ 18288 h 18288"/>
+              <a:gd name="connsiteX14" fmla="*/ 790303 w 4572000"/>
+              <a:gd name="connsiteY14" fmla="*/ 18288 h 18288"/>
+              <a:gd name="connsiteX15" fmla="*/ 0 w 4572000"/>
+              <a:gd name="connsiteY15" fmla="*/ 18288 h 18288"/>
+              <a:gd name="connsiteX16" fmla="*/ 0 w 4572000"/>
+              <a:gd name="connsiteY16" fmla="*/ 0 h 18288"/>
+            </a:gdLst>
+            <a:ahLst/>
+            <a:cxnLst>
+              <a:cxn ang="0">
+                <a:pos x="connsiteX0" y="connsiteY0"/>
+              </a:cxn>
+              <a:cxn ang="0">
+                <a:pos x="connsiteX1" y="connsiteY1"/>
+              </a:cxn>
+              <a:cxn ang="0">
+                <a:pos x="connsiteX2" y="connsiteY2"/>
+              </a:cxn>
+              <a:cxn ang="0">
+                <a:pos x="connsiteX3" y="connsiteY3"/>
+              </a:cxn>
+              <a:cxn ang="0">
+                <a:pos x="connsiteX4" y="connsiteY4"/>
+              </a:cxn>
+              <a:cxn ang="0">
+                <a:pos x="connsiteX5" y="connsiteY5"/>
+              </a:cxn>
+              <a:cxn ang="0">
+                <a:pos x="connsiteX6" y="connsiteY6"/>
+              </a:cxn>
+              <a:cxn ang="0">
+                <a:pos x="connsiteX7" y="connsiteY7"/>
+              </a:cxn>
+              <a:cxn ang="0">
+                <a:pos x="connsiteX8" y="connsiteY8"/>
+              </a:cxn>
+              <a:cxn ang="0">
+                <a:pos x="connsiteX9" y="connsiteY9"/>
+              </a:cxn>
+              <a:cxn ang="0">
+                <a:pos x="connsiteX10" y="connsiteY10"/>
+              </a:cxn>
+              <a:cxn ang="0">
+                <a:pos x="connsiteX11" y="connsiteY11"/>
+              </a:cxn>
+              <a:cxn ang="0">
+                <a:pos x="connsiteX12" y="connsiteY12"/>
+              </a:cxn>
+              <a:cxn ang="0">
+                <a:pos x="connsiteX13" y="connsiteY13"/>
+              </a:cxn>
+              <a:cxn ang="0">
+                <a:pos x="connsiteX14" y="connsiteY14"/>
+              </a:cxn>
+              <a:cxn ang="0">
+                <a:pos x="connsiteX15" y="connsiteY15"/>
+              </a:cxn>
+              <a:cxn ang="0">
+                <a:pos x="connsiteX16" y="connsiteY16"/>
+              </a:cxn>
+            </a:cxnLst>
+            <a:rect l="l" t="t" r="r" b="b"/>
+            <a:pathLst>
+              <a:path w="4572000" h="18288" fill="none" extrusionOk="0">
+                <a:moveTo>
+                  <a:pt x="0" y="0"/>
+                </a:moveTo>
+                <a:cubicBezTo>
+                  <a:pt x="105156" y="-20963"/>
+                  <a:pt x="340432" y="822"/>
+                  <a:pt x="515983" y="0"/>
+                </a:cubicBezTo>
+                <a:cubicBezTo>
+                  <a:pt x="691534" y="-822"/>
+                  <a:pt x="850679" y="16479"/>
+                  <a:pt x="1031966" y="0"/>
+                </a:cubicBezTo>
+                <a:cubicBezTo>
+                  <a:pt x="1213253" y="-16479"/>
+                  <a:pt x="1443646" y="-18730"/>
+                  <a:pt x="1639389" y="0"/>
+                </a:cubicBezTo>
+                <a:cubicBezTo>
+                  <a:pt x="1835132" y="18730"/>
+                  <a:pt x="2159975" y="18531"/>
+                  <a:pt x="2383971" y="0"/>
+                </a:cubicBezTo>
+                <a:cubicBezTo>
+                  <a:pt x="2607967" y="-18531"/>
+                  <a:pt x="2719096" y="-12030"/>
+                  <a:pt x="2945674" y="0"/>
+                </a:cubicBezTo>
+                <a:cubicBezTo>
+                  <a:pt x="3172252" y="12030"/>
+                  <a:pt x="3269167" y="27666"/>
+                  <a:pt x="3507377" y="0"/>
+                </a:cubicBezTo>
+                <a:cubicBezTo>
+                  <a:pt x="3745587" y="-27666"/>
+                  <a:pt x="4116741" y="18705"/>
+                  <a:pt x="4572000" y="0"/>
+                </a:cubicBezTo>
+                <a:cubicBezTo>
+                  <a:pt x="4572895" y="8974"/>
+                  <a:pt x="4571454" y="9359"/>
+                  <a:pt x="4572000" y="18288"/>
+                </a:cubicBezTo>
+                <a:cubicBezTo>
+                  <a:pt x="4374698" y="3942"/>
+                  <a:pt x="4098874" y="-11042"/>
+                  <a:pt x="3873137" y="18288"/>
+                </a:cubicBezTo>
+                <a:cubicBezTo>
+                  <a:pt x="3647400" y="47618"/>
+                  <a:pt x="3517055" y="5421"/>
+                  <a:pt x="3311434" y="18288"/>
+                </a:cubicBezTo>
+                <a:cubicBezTo>
+                  <a:pt x="3105813" y="31155"/>
+                  <a:pt x="3025168" y="17856"/>
+                  <a:pt x="2749731" y="18288"/>
+                </a:cubicBezTo>
+                <a:cubicBezTo>
+                  <a:pt x="2474294" y="18720"/>
+                  <a:pt x="2291766" y="-14168"/>
+                  <a:pt x="2050869" y="18288"/>
+                </a:cubicBezTo>
+                <a:cubicBezTo>
+                  <a:pt x="1809972" y="50744"/>
+                  <a:pt x="1540276" y="46798"/>
+                  <a:pt x="1306286" y="18288"/>
+                </a:cubicBezTo>
+                <a:cubicBezTo>
+                  <a:pt x="1072296" y="-10222"/>
+                  <a:pt x="972445" y="19645"/>
+                  <a:pt x="790303" y="18288"/>
+                </a:cubicBezTo>
+                <a:cubicBezTo>
+                  <a:pt x="608161" y="16931"/>
+                  <a:pt x="200981" y="8241"/>
+                  <a:pt x="0" y="18288"/>
+                </a:cubicBezTo>
+                <a:cubicBezTo>
+                  <a:pt x="-229" y="14222"/>
+                  <a:pt x="509" y="5816"/>
+                  <a:pt x="0" y="0"/>
+                </a:cubicBezTo>
+                <a:close/>
+              </a:path>
+              <a:path w="4572000" h="18288" stroke="0" extrusionOk="0">
+                <a:moveTo>
+                  <a:pt x="0" y="0"/>
+                </a:moveTo>
+                <a:cubicBezTo>
+                  <a:pt x="143285" y="-9565"/>
+                  <a:pt x="327959" y="-11498"/>
+                  <a:pt x="561703" y="0"/>
+                </a:cubicBezTo>
+                <a:cubicBezTo>
+                  <a:pt x="795447" y="11498"/>
+                  <a:pt x="838260" y="18255"/>
+                  <a:pt x="1077686" y="0"/>
+                </a:cubicBezTo>
+                <a:cubicBezTo>
+                  <a:pt x="1317112" y="-18255"/>
+                  <a:pt x="1437472" y="23514"/>
+                  <a:pt x="1639389" y="0"/>
+                </a:cubicBezTo>
+                <a:cubicBezTo>
+                  <a:pt x="1841306" y="-23514"/>
+                  <a:pt x="2037142" y="-12551"/>
+                  <a:pt x="2292531" y="0"/>
+                </a:cubicBezTo>
+                <a:cubicBezTo>
+                  <a:pt x="2547920" y="12551"/>
+                  <a:pt x="2810436" y="-20352"/>
+                  <a:pt x="2991394" y="0"/>
+                </a:cubicBezTo>
+                <a:cubicBezTo>
+                  <a:pt x="3172352" y="20352"/>
+                  <a:pt x="3530025" y="-13347"/>
+                  <a:pt x="3735977" y="0"/>
+                </a:cubicBezTo>
+                <a:cubicBezTo>
+                  <a:pt x="3941929" y="13347"/>
+                  <a:pt x="4161497" y="34086"/>
+                  <a:pt x="4572000" y="0"/>
+                </a:cubicBezTo>
+                <a:cubicBezTo>
+                  <a:pt x="4571545" y="6162"/>
+                  <a:pt x="4571903" y="11775"/>
+                  <a:pt x="4572000" y="18288"/>
+                </a:cubicBezTo>
+                <a:cubicBezTo>
+                  <a:pt x="4228040" y="36490"/>
+                  <a:pt x="4199736" y="42557"/>
+                  <a:pt x="3873137" y="18288"/>
+                </a:cubicBezTo>
+                <a:cubicBezTo>
+                  <a:pt x="3546538" y="-5981"/>
+                  <a:pt x="3472124" y="16809"/>
+                  <a:pt x="3128554" y="18288"/>
+                </a:cubicBezTo>
+                <a:cubicBezTo>
+                  <a:pt x="2784984" y="19767"/>
+                  <a:pt x="2735896" y="-17781"/>
+                  <a:pt x="2383971" y="18288"/>
+                </a:cubicBezTo>
+                <a:cubicBezTo>
+                  <a:pt x="2032046" y="54357"/>
+                  <a:pt x="2019324" y="2920"/>
+                  <a:pt x="1867989" y="18288"/>
+                </a:cubicBezTo>
+                <a:cubicBezTo>
+                  <a:pt x="1716654" y="33656"/>
+                  <a:pt x="1418675" y="32575"/>
+                  <a:pt x="1169126" y="18288"/>
+                </a:cubicBezTo>
+                <a:cubicBezTo>
+                  <a:pt x="919577" y="4001"/>
+                  <a:pt x="798537" y="16165"/>
+                  <a:pt x="561703" y="18288"/>
+                </a:cubicBezTo>
+                <a:cubicBezTo>
+                  <a:pt x="324869" y="20411"/>
+                  <a:pt x="221395" y="-912"/>
+                  <a:pt x="0" y="18288"/>
+                </a:cubicBezTo>
+                <a:cubicBezTo>
+                  <a:pt x="766" y="10800"/>
+                  <a:pt x="-457" y="8180"/>
+                  <a:pt x="0" y="0"/>
+                </a:cubicBezTo>
+                <a:close/>
+              </a:path>
+            </a:pathLst>
+          </a:custGeom>
+          <a:solidFill>
+            <a:schemeClr val="accent2"/>
+          </a:solidFill>
+          <a:ln w="41275" cap="rnd">
+            <a:solidFill>
+              <a:schemeClr val="accent2"/>
+            </a:solidFill>
+            <a:round/>
+            <a:extLst>
+              <a:ext uri="{C807C97D-BFC1-408E-A445-0C87EB9F89A2}">
+                <ask:lineSketchStyleProps xmlns:ask="http://schemas.microsoft.com/office/drawing/2018/sketchyshapes" sd="2727557108">
+                  <a:prstGeom prst="rect">
+                    <a:avLst/>
+                  </a:prstGeom>
+                  <ask:type>
+                    <ask:lineSketchFreehand/>
+                  </ask:type>
+                </ask:lineSketchStyleProps>
+              </a:ext>
+            </a:extLst>
+          </a:ln>
+        </p:spPr>
+        <p:style>
+          <a:lnRef idx="2">
+            <a:schemeClr val="accent1">
+              <a:shade val="50000"/>
+            </a:schemeClr>
+          </a:lnRef>
+          <a:fillRef idx="1">
+            <a:schemeClr val="accent1"/>
+          </a:fillRef>
+          <a:effectRef idx="0">
+            <a:schemeClr val="accent1"/>
+          </a:effectRef>
+          <a:fontRef idx="minor">
+            <a:schemeClr val="lt1"/>
+          </a:fontRef>
+        </p:style>
+        <p:txBody>
+          <a:bodyPr rtlCol="0" anchor="ctr"/>
+          <a:lstStyle/>
+          <a:p>
+            <a:pPr algn="ctr"/>
+            <a:endParaRPr lang="en-US"/>
+          </a:p>
+        </p:txBody>
+      </p:sp>
+      <p:pic>
+        <p:nvPicPr>
+          <p:cNvPr id="5" name="Tartalom helye 4">
+            <a:extLst>
+              <a:ext uri="{FF2B5EF4-FFF2-40B4-BE49-F238E27FC236}">
+                <a16:creationId xmlns:a16="http://schemas.microsoft.com/office/drawing/2014/main" id="{20A05D7D-4915-51B7-DC3F-CCA9630AEA35}"/>
+              </a:ext>
+            </a:extLst>
+          </p:cNvPr>
+          <p:cNvPicPr>
+            <a:picLocks noGrp="1" noChangeAspect="1"/>
+          </p:cNvPicPr>
+          <p:nvPr>
+            <p:ph idx="1"/>
+          </p:nvPr>
+        </p:nvPicPr>
+        <p:blipFill>
+          <a:blip r:embed="rId3">
+            <a:extLst>
+              <a:ext uri="{28A0092B-C50C-407E-A947-70E740481C1C}">
+                <a14:useLocalDpi xmlns:a14="http://schemas.microsoft.com/office/drawing/2010/main" val="0"/>
+              </a:ext>
+              <a:ext uri="{96DAC541-7B7A-43D3-8B79-37D633B846F1}">
+                <asvg:svgBlip xmlns:asvg="http://schemas.microsoft.com/office/drawing/2016/SVG/main" r:embed="rId4"/>
+              </a:ext>
+            </a:extLst>
+          </a:blip>
+          <a:stretch>
+            <a:fillRect/>
+          </a:stretch>
+        </p:blipFill>
+        <p:spPr>
+          <a:xfrm>
+            <a:off x="3658033" y="2633472"/>
+            <a:ext cx="4872885" cy="3586353"/>
+          </a:xfrm>
+          <a:prstGeom prst="rect">
+            <a:avLst/>
+          </a:prstGeom>
+        </p:spPr>
+      </p:pic>
+    </p:spTree>
+    <p:extLst>
+      <p:ext uri="{BB962C8B-B14F-4D97-AF65-F5344CB8AC3E}">
+        <p14:creationId xmlns:p14="http://schemas.microsoft.com/office/powerpoint/2010/main" val="3939387367"/>
+      </p:ext>
+    </p:extLst>
+  </p:cSld>
+  <p:clrMapOvr>
+    <a:masterClrMapping/>
+  </p:clrMapOvr>
+</p:sld>
+</file>
+
 <file path=ppt/slides/slide2.xml><?xml version="1.0" encoding="utf-8"?>
 <p:sld xmlns:a="http://schemas.openxmlformats.org/drawingml/2006/main" xmlns:r="http://schemas.openxmlformats.org/officeDocument/2006/relationships" xmlns:p="http://schemas.openxmlformats.org/presentationml/2006/main">
   <p:cSld>
@@ -5558,7 +7157,7 @@
           <a:lstStyle/>
           <a:p>
             <a:r>
-              <a:rPr lang="hu-HU" sz="4800" b="1" dirty="0">
+              <a:rPr lang="hu-HU" sz="3600" b="1" dirty="0">
                 <a:latin typeface="Quicksand" pitchFamily="2" charset="-18"/>
               </a:rPr>
               <a:t>CONTENTS</a:t>
@@ -5687,7 +7286,7 @@
               <a:rPr lang="hu-HU" sz="2400" dirty="0" err="1">
                 <a:latin typeface="Quicksand" pitchFamily="2" charset="-18"/>
               </a:rPr>
-              <a:t>Training</a:t>
+              <a:t>Neural</a:t>
             </a:r>
             <a:r>
               <a:rPr lang="hu-HU" sz="2400" dirty="0">
@@ -5699,6 +7298,29 @@
               <a:rPr lang="hu-HU" sz="2400" dirty="0" err="1">
                 <a:latin typeface="Quicksand" pitchFamily="2" charset="-18"/>
               </a:rPr>
+              <a:t>network</a:t>
+            </a:r>
+            <a:endParaRPr lang="hu-HU" sz="2400" dirty="0">
+              <a:latin typeface="Quicksand" pitchFamily="2" charset="-18"/>
+            </a:endParaRPr>
+          </a:p>
+          <a:p>
+            <a:r>
+              <a:rPr lang="hu-HU" sz="2400" dirty="0" err="1">
+                <a:latin typeface="Quicksand" pitchFamily="2" charset="-18"/>
+              </a:rPr>
+              <a:t>Training</a:t>
+            </a:r>
+            <a:r>
+              <a:rPr lang="hu-HU" sz="2400" dirty="0">
+                <a:latin typeface="Quicksand" pitchFamily="2" charset="-18"/>
+              </a:rPr>
+              <a:t> </a:t>
+            </a:r>
+            <a:r>
+              <a:rPr lang="hu-HU" sz="2400" dirty="0" err="1">
+                <a:latin typeface="Quicksand" pitchFamily="2" charset="-18"/>
+              </a:rPr>
               <a:t>process</a:t>
             </a:r>
             <a:endParaRPr lang="hu-HU" sz="2400" dirty="0">
@@ -5733,17 +7355,6 @@
               <a:rPr lang="hu-HU" sz="2400" dirty="0" err="1">
                 <a:latin typeface="Quicksand" pitchFamily="2" charset="-18"/>
               </a:rPr>
-              <a:t>Comparisons</a:t>
-            </a:r>
-            <a:endParaRPr lang="hu-HU" sz="2400" dirty="0">
-              <a:latin typeface="Quicksand" pitchFamily="2" charset="-18"/>
-            </a:endParaRPr>
-          </a:p>
-          <a:p>
-            <a:r>
-              <a:rPr lang="hu-HU" sz="2400" dirty="0" err="1">
-                <a:latin typeface="Quicksand" pitchFamily="2" charset="-18"/>
-              </a:rPr>
               <a:t>Further</a:t>
             </a:r>
             <a:r>
@@ -5757,6 +7368,18 @@
                 <a:latin typeface="Quicksand" pitchFamily="2" charset="-18"/>
               </a:rPr>
               <a:t>improvements</a:t>
+            </a:r>
+            <a:r>
+              <a:rPr lang="hu-HU" sz="2400" dirty="0">
+                <a:latin typeface="Quicksand" pitchFamily="2" charset="-18"/>
+              </a:rPr>
+              <a:t> and </a:t>
+            </a:r>
+            <a:r>
+              <a:rPr lang="hu-HU" sz="2400" dirty="0" err="1">
+                <a:latin typeface="Quicksand" pitchFamily="2" charset="-18"/>
+              </a:rPr>
+              <a:t>comparisons</a:t>
             </a:r>
             <a:endParaRPr lang="hu-HU" sz="2400" dirty="0">
               <a:latin typeface="Quicksand" pitchFamily="2" charset="-18"/>
@@ -5816,6 +7439,46 @@
           </a:fontRef>
         </p:style>
       </p:cxnSp>
+      <p:sp>
+        <p:nvSpPr>
+          <p:cNvPr id="4" name="Szövegdoboz 3">
+            <a:extLst>
+              <a:ext uri="{FF2B5EF4-FFF2-40B4-BE49-F238E27FC236}">
+                <a16:creationId xmlns:a16="http://schemas.microsoft.com/office/drawing/2014/main" id="{47A970AE-2F94-77C4-742D-5B3B13D74701}"/>
+              </a:ext>
+            </a:extLst>
+          </p:cNvPr>
+          <p:cNvSpPr txBox="1"/>
+          <p:nvPr/>
+        </p:nvSpPr>
+        <p:spPr>
+          <a:xfrm>
+            <a:off x="11199752" y="6301615"/>
+            <a:ext cx="723900" cy="369332"/>
+          </a:xfrm>
+          <a:prstGeom prst="rect">
+            <a:avLst/>
+          </a:prstGeom>
+          <a:noFill/>
+        </p:spPr>
+        <p:txBody>
+          <a:bodyPr wrap="square" rtlCol="0">
+            <a:spAutoFit/>
+          </a:bodyPr>
+          <a:lstStyle/>
+          <a:p>
+            <a:pPr algn="ctr"/>
+            <a:r>
+              <a:rPr lang="hu-HU" b="1" dirty="0"/>
+              <a:t>1</a:t>
+            </a:r>
+            <a:r>
+              <a:rPr lang="hu-HU" dirty="0"/>
+              <a:t>/9</a:t>
+            </a:r>
+          </a:p>
+        </p:txBody>
+      </p:sp>
     </p:spTree>
     <p:extLst>
       <p:ext uri="{BB962C8B-B14F-4D97-AF65-F5344CB8AC3E}">
@@ -5856,10 +7519,10 @@
       </p:grpSpPr>
       <p:sp useBgFill="1">
         <p:nvSpPr>
-          <p:cNvPr id="91" name="Rectangle 90">
+          <p:cNvPr id="109" name="Rectangle 108">
             <a:extLst>
               <a:ext uri="{FF2B5EF4-FFF2-40B4-BE49-F238E27FC236}">
-                <a16:creationId xmlns:a16="http://schemas.microsoft.com/office/drawing/2014/main" id="{922F19F4-FE70-43DC-856F-2CE5F521DC48}"/>
+                <a16:creationId xmlns:a16="http://schemas.microsoft.com/office/drawing/2014/main" id="{638B61BD-0EE1-4D29-B894-126CD61C5DED}"/>
               </a:ext>
               <a:ext uri="{C183D7F6-B498-43B3-948B-1728B52AA6E4}">
                 <adec:decorative xmlns:adec="http://schemas.microsoft.com/office/drawing/2017/decorative" val="1"/>
@@ -5880,7 +7543,7 @@
         <p:spPr>
           <a:xfrm>
             <a:off x="0" y="0"/>
-            <a:ext cx="12191999" cy="6857365"/>
+            <a:ext cx="12188952" cy="6858000"/>
           </a:xfrm>
           <a:prstGeom prst="rect">
             <a:avLst/>
@@ -5914,224 +7577,12 @@
           </a:p>
         </p:txBody>
       </p:sp>
-      <p:grpSp>
-        <p:nvGrpSpPr>
-          <p:cNvPr id="93" name="Group 92">
+      <p:sp>
+        <p:nvSpPr>
+          <p:cNvPr id="111" name="Freeform: Shape 110">
             <a:extLst>
               <a:ext uri="{FF2B5EF4-FFF2-40B4-BE49-F238E27FC236}">
-                <a16:creationId xmlns:a16="http://schemas.microsoft.com/office/drawing/2014/main" id="{AE1C45F0-260A-458C-96ED-C1F6D2151219}"/>
-              </a:ext>
-              <a:ext uri="{C183D7F6-B498-43B3-948B-1728B52AA6E4}">
-                <adec:decorative xmlns:adec="http://schemas.microsoft.com/office/drawing/2017/decorative" val="1"/>
-              </a:ext>
-            </a:extLst>
-          </p:cNvPr>
-          <p:cNvGrpSpPr>
-            <a:grpSpLocks noGrp="1" noUngrp="1" noRot="1" noChangeAspect="1" noMove="1" noResize="1"/>
-          </p:cNvGrpSpPr>
-          <p:nvPr>
-            <p:extLst>
-              <p:ext uri="{386F3935-93C4-4BCD-93E2-E3B085C9AB24}">
-                <p16:designElem xmlns:p16="http://schemas.microsoft.com/office/powerpoint/2015/main" val="1"/>
-              </p:ext>
-            </p:extLst>
-          </p:nvPr>
-        </p:nvGrpSpPr>
-        <p:grpSpPr>
-          <a:xfrm>
-            <a:off x="4" y="1062849"/>
-            <a:ext cx="731521" cy="673460"/>
-            <a:chOff x="3940602" y="308034"/>
-            <a:chExt cx="2116791" cy="3428999"/>
-          </a:xfrm>
-          <a:solidFill>
-            <a:schemeClr val="accent4"/>
-          </a:solidFill>
-        </p:grpSpPr>
-        <p:sp>
-          <p:nvSpPr>
-            <p:cNvPr id="94" name="Rectangle 93">
-              <a:extLst>
-                <a:ext uri="{FF2B5EF4-FFF2-40B4-BE49-F238E27FC236}">
-                  <a16:creationId xmlns:a16="http://schemas.microsoft.com/office/drawing/2014/main" id="{A6604B49-AD5C-4590-B051-06C8222ECD99}"/>
-                </a:ext>
-                <a:ext uri="{C183D7F6-B498-43B3-948B-1728B52AA6E4}">
-                  <adec:decorative xmlns:adec="http://schemas.microsoft.com/office/drawing/2017/decorative" val="1"/>
-                </a:ext>
-              </a:extLst>
-            </p:cNvPr>
-            <p:cNvSpPr/>
-            <p:nvPr>
-              <p:extLst>
-                <p:ext uri="{386F3935-93C4-4BCD-93E2-E3B085C9AB24}">
-                  <p16:designElem xmlns:p16="http://schemas.microsoft.com/office/powerpoint/2015/main" val="1"/>
-                </p:ext>
-              </p:extLst>
-            </p:nvPr>
-          </p:nvSpPr>
-          <p:spPr>
-            <a:xfrm>
-              <a:off x="3940602" y="308034"/>
-              <a:ext cx="566743" cy="3428999"/>
-            </a:xfrm>
-            <a:prstGeom prst="rect">
-              <a:avLst/>
-            </a:prstGeom>
-            <a:grpFill/>
-            <a:ln>
-              <a:noFill/>
-            </a:ln>
-          </p:spPr>
-          <p:style>
-            <a:lnRef idx="2">
-              <a:schemeClr val="accent1">
-                <a:shade val="50000"/>
-              </a:schemeClr>
-            </a:lnRef>
-            <a:fillRef idx="1">
-              <a:schemeClr val="accent1"/>
-            </a:fillRef>
-            <a:effectRef idx="0">
-              <a:schemeClr val="accent1"/>
-            </a:effectRef>
-            <a:fontRef idx="minor">
-              <a:schemeClr val="lt1"/>
-            </a:fontRef>
-          </p:style>
-          <p:txBody>
-            <a:bodyPr rtlCol="0" anchor="ctr"/>
-            <a:lstStyle/>
-            <a:p>
-              <a:pPr algn="ctr"/>
-              <a:endParaRPr lang="en-US"/>
-            </a:p>
-          </p:txBody>
-        </p:sp>
-        <p:sp>
-          <p:nvSpPr>
-            <p:cNvPr id="95" name="Rectangle 94">
-              <a:extLst>
-                <a:ext uri="{FF2B5EF4-FFF2-40B4-BE49-F238E27FC236}">
-                  <a16:creationId xmlns:a16="http://schemas.microsoft.com/office/drawing/2014/main" id="{743ECCAF-29C5-4537-947C-7EA1292463DB}"/>
-                </a:ext>
-                <a:ext uri="{C183D7F6-B498-43B3-948B-1728B52AA6E4}">
-                  <adec:decorative xmlns:adec="http://schemas.microsoft.com/office/drawing/2017/decorative" val="1"/>
-                </a:ext>
-              </a:extLst>
-            </p:cNvPr>
-            <p:cNvSpPr/>
-            <p:nvPr>
-              <p:extLst>
-                <p:ext uri="{386F3935-93C4-4BCD-93E2-E3B085C9AB24}">
-                  <p16:designElem xmlns:p16="http://schemas.microsoft.com/office/powerpoint/2015/main" val="1"/>
-                </p:ext>
-              </p:extLst>
-            </p:nvPr>
-          </p:nvSpPr>
-          <p:spPr>
-            <a:xfrm>
-              <a:off x="4715626" y="308034"/>
-              <a:ext cx="566743" cy="3428999"/>
-            </a:xfrm>
-            <a:prstGeom prst="rect">
-              <a:avLst/>
-            </a:prstGeom>
-            <a:grpFill/>
-            <a:ln>
-              <a:noFill/>
-            </a:ln>
-          </p:spPr>
-          <p:style>
-            <a:lnRef idx="2">
-              <a:schemeClr val="accent1">
-                <a:shade val="50000"/>
-              </a:schemeClr>
-            </a:lnRef>
-            <a:fillRef idx="1">
-              <a:schemeClr val="accent1"/>
-            </a:fillRef>
-            <a:effectRef idx="0">
-              <a:schemeClr val="accent1"/>
-            </a:effectRef>
-            <a:fontRef idx="minor">
-              <a:schemeClr val="lt1"/>
-            </a:fontRef>
-          </p:style>
-          <p:txBody>
-            <a:bodyPr rtlCol="0" anchor="ctr"/>
-            <a:lstStyle/>
-            <a:p>
-              <a:pPr algn="ctr"/>
-              <a:endParaRPr lang="en-US"/>
-            </a:p>
-          </p:txBody>
-        </p:sp>
-        <p:sp>
-          <p:nvSpPr>
-            <p:cNvPr id="96" name="Rectangle 95">
-              <a:extLst>
-                <a:ext uri="{FF2B5EF4-FFF2-40B4-BE49-F238E27FC236}">
-                  <a16:creationId xmlns:a16="http://schemas.microsoft.com/office/drawing/2014/main" id="{ED49787B-8DE6-4467-AD0A-8DECC6E0C2D6}"/>
-                </a:ext>
-                <a:ext uri="{C183D7F6-B498-43B3-948B-1728B52AA6E4}">
-                  <adec:decorative xmlns:adec="http://schemas.microsoft.com/office/drawing/2017/decorative" val="1"/>
-                </a:ext>
-              </a:extLst>
-            </p:cNvPr>
-            <p:cNvSpPr/>
-            <p:nvPr>
-              <p:extLst>
-                <p:ext uri="{386F3935-93C4-4BCD-93E2-E3B085C9AB24}">
-                  <p16:designElem xmlns:p16="http://schemas.microsoft.com/office/powerpoint/2015/main" val="1"/>
-                </p:ext>
-              </p:extLst>
-            </p:nvPr>
-          </p:nvSpPr>
-          <p:spPr>
-            <a:xfrm>
-              <a:off x="5490650" y="308034"/>
-              <a:ext cx="566743" cy="3428999"/>
-            </a:xfrm>
-            <a:prstGeom prst="rect">
-              <a:avLst/>
-            </a:prstGeom>
-            <a:grpFill/>
-            <a:ln>
-              <a:noFill/>
-            </a:ln>
-          </p:spPr>
-          <p:style>
-            <a:lnRef idx="2">
-              <a:schemeClr val="accent1">
-                <a:shade val="50000"/>
-              </a:schemeClr>
-            </a:lnRef>
-            <a:fillRef idx="1">
-              <a:schemeClr val="accent1"/>
-            </a:fillRef>
-            <a:effectRef idx="0">
-              <a:schemeClr val="accent1"/>
-            </a:effectRef>
-            <a:fontRef idx="minor">
-              <a:schemeClr val="lt1"/>
-            </a:fontRef>
-          </p:style>
-          <p:txBody>
-            <a:bodyPr rtlCol="0" anchor="ctr"/>
-            <a:lstStyle/>
-            <a:p>
-              <a:pPr algn="ctr"/>
-              <a:endParaRPr lang="en-US"/>
-            </a:p>
-          </p:txBody>
-        </p:sp>
-      </p:grpSp>
-      <p:sp>
-        <p:nvSpPr>
-          <p:cNvPr id="98" name="Rectangle 97">
-            <a:extLst>
-              <a:ext uri="{FF2B5EF4-FFF2-40B4-BE49-F238E27FC236}">
-                <a16:creationId xmlns:a16="http://schemas.microsoft.com/office/drawing/2014/main" id="{D5B0017B-2ECA-49AF-B397-DC140825DF8D}"/>
+                <a16:creationId xmlns:a16="http://schemas.microsoft.com/office/drawing/2014/main" id="{BBC14DD5-C584-4158-BF76-ECE3C6DB48AD}"/>
               </a:ext>
               <a:ext uri="{C183D7F6-B498-43B3-948B-1728B52AA6E4}">
                 <adec:decorative xmlns:adec="http://schemas.microsoft.com/office/drawing/2017/decorative" val="1"/>
@@ -6151,48 +7602,2157 @@
         </p:nvSpPr>
         <p:spPr>
           <a:xfrm>
-            <a:off x="640080" y="656150"/>
-            <a:ext cx="5590787" cy="1431591"/>
+            <a:off x="0" y="0"/>
+            <a:ext cx="12192000" cy="6858000"/>
           </a:xfrm>
-          <a:prstGeom prst="rect">
+          <a:custGeom>
             <a:avLst/>
-          </a:prstGeom>
+            <a:gdLst>
+              <a:gd name="connsiteX0" fmla="*/ 5947992 w 12192000"/>
+              <a:gd name="connsiteY0" fmla="*/ 2457985 h 6858000"/>
+              <a:gd name="connsiteX1" fmla="*/ 5926156 w 12192000"/>
+              <a:gd name="connsiteY1" fmla="*/ 2472983 h 6858000"/>
+              <a:gd name="connsiteX2" fmla="*/ 6047792 w 12192000"/>
+              <a:gd name="connsiteY2" fmla="*/ 2529213 h 6858000"/>
+              <a:gd name="connsiteX3" fmla="*/ 5857576 w 12192000"/>
+              <a:gd name="connsiteY3" fmla="*/ 2499619 h 6858000"/>
+              <a:gd name="connsiteX4" fmla="*/ 5854328 w 12192000"/>
+              <a:gd name="connsiteY4" fmla="*/ 2518740 h 6858000"/>
+              <a:gd name="connsiteX5" fmla="*/ 6070351 w 12192000"/>
+              <a:gd name="connsiteY5" fmla="*/ 2591134 h 6858000"/>
+              <a:gd name="connsiteX6" fmla="*/ 6051040 w 12192000"/>
+              <a:gd name="connsiteY6" fmla="*/ 2602290 h 6858000"/>
+              <a:gd name="connsiteX7" fmla="*/ 5936261 w 12192000"/>
+              <a:gd name="connsiteY7" fmla="*/ 2574288 h 6858000"/>
+              <a:gd name="connsiteX8" fmla="*/ 5913160 w 12192000"/>
+              <a:gd name="connsiteY8" fmla="*/ 2581573 h 6858000"/>
+              <a:gd name="connsiteX9" fmla="*/ 5924531 w 12192000"/>
+              <a:gd name="connsiteY9" fmla="*/ 2615492 h 6858000"/>
+              <a:gd name="connsiteX10" fmla="*/ 5974341 w 12192000"/>
+              <a:gd name="connsiteY10" fmla="*/ 2628696 h 6858000"/>
+              <a:gd name="connsiteX11" fmla="*/ 6051944 w 12192000"/>
+              <a:gd name="connsiteY11" fmla="*/ 2708377 h 6858000"/>
+              <a:gd name="connsiteX12" fmla="*/ 5934457 w 12192000"/>
+              <a:gd name="connsiteY12" fmla="*/ 2698814 h 6858000"/>
+              <a:gd name="connsiteX13" fmla="*/ 5913702 w 12192000"/>
+              <a:gd name="connsiteY13" fmla="*/ 2718165 h 6858000"/>
+              <a:gd name="connsiteX14" fmla="*/ 5905761 w 12192000"/>
+              <a:gd name="connsiteY14" fmla="*/ 2743207 h 6858000"/>
+              <a:gd name="connsiteX15" fmla="*/ 5860282 w 12192000"/>
+              <a:gd name="connsiteY15" fmla="*/ 2763923 h 6858000"/>
+              <a:gd name="connsiteX16" fmla="*/ 5931750 w 12192000"/>
+              <a:gd name="connsiteY16" fmla="*/ 2787144 h 6858000"/>
+              <a:gd name="connsiteX17" fmla="*/ 5855409 w 12192000"/>
+              <a:gd name="connsiteY17" fmla="*/ 2787144 h 6858000"/>
+              <a:gd name="connsiteX18" fmla="*/ 5767701 w 12192000"/>
+              <a:gd name="connsiteY18" fmla="*/ 2771209 h 6858000"/>
+              <a:gd name="connsiteX19" fmla="*/ 5674216 w 12192000"/>
+              <a:gd name="connsiteY19" fmla="*/ 2776216 h 6858000"/>
+              <a:gd name="connsiteX20" fmla="*/ 5487249 w 12192000"/>
+              <a:gd name="connsiteY20" fmla="*/ 2746850 h 6858000"/>
+              <a:gd name="connsiteX21" fmla="*/ 5398276 w 12192000"/>
+              <a:gd name="connsiteY21" fmla="*/ 2748898 h 6858000"/>
+              <a:gd name="connsiteX22" fmla="*/ 5892947 w 12192000"/>
+              <a:gd name="connsiteY22" fmla="*/ 2946502 h 6858000"/>
+              <a:gd name="connsiteX23" fmla="*/ 5867682 w 12192000"/>
+              <a:gd name="connsiteY23" fmla="*/ 2989983 h 6858000"/>
+              <a:gd name="connsiteX24" fmla="*/ 5971273 w 12192000"/>
+              <a:gd name="connsiteY24" fmla="*/ 3037335 h 6858000"/>
+              <a:gd name="connsiteX25" fmla="*/ 5996719 w 12192000"/>
+              <a:gd name="connsiteY25" fmla="*/ 3084231 h 6858000"/>
+              <a:gd name="connsiteX26" fmla="*/ 5964776 w 12192000"/>
+              <a:gd name="connsiteY26" fmla="*/ 3080134 h 6858000"/>
+              <a:gd name="connsiteX27" fmla="*/ 5937344 w 12192000"/>
+              <a:gd name="connsiteY27" fmla="*/ 3089012 h 6858000"/>
+              <a:gd name="connsiteX28" fmla="*/ 5948713 w 12192000"/>
+              <a:gd name="connsiteY28" fmla="*/ 3148657 h 6858000"/>
+              <a:gd name="connsiteX29" fmla="*/ 6095075 w 12192000"/>
+              <a:gd name="connsiteY29" fmla="*/ 3225605 h 6858000"/>
+              <a:gd name="connsiteX30" fmla="*/ 6108249 w 12192000"/>
+              <a:gd name="connsiteY30" fmla="*/ 3250646 h 6858000"/>
+              <a:gd name="connsiteX31" fmla="*/ 6090744 w 12192000"/>
+              <a:gd name="connsiteY31" fmla="*/ 3268403 h 6858000"/>
+              <a:gd name="connsiteX32" fmla="*/ 6043461 w 12192000"/>
+              <a:gd name="connsiteY32" fmla="*/ 3277509 h 6858000"/>
+              <a:gd name="connsiteX33" fmla="*/ 6109692 w 12192000"/>
+              <a:gd name="connsiteY33" fmla="*/ 3362879 h 6858000"/>
+              <a:gd name="connsiteX34" fmla="*/ 6133877 w 12192000"/>
+              <a:gd name="connsiteY34" fmla="*/ 3386554 h 6858000"/>
+              <a:gd name="connsiteX35" fmla="*/ 6175205 w 12192000"/>
+              <a:gd name="connsiteY35" fmla="*/ 3423208 h 6858000"/>
+              <a:gd name="connsiteX36" fmla="*/ 6175926 w 12192000"/>
+              <a:gd name="connsiteY36" fmla="*/ 3434363 h 6858000"/>
+              <a:gd name="connsiteX37" fmla="*/ 6119620 w 12192000"/>
+              <a:gd name="connsiteY37" fmla="*/ 3473747 h 6858000"/>
+              <a:gd name="connsiteX38" fmla="*/ 6018015 w 12192000"/>
+              <a:gd name="connsiteY38" fmla="*/ 3463046 h 6858000"/>
+              <a:gd name="connsiteX39" fmla="*/ 6168166 w 12192000"/>
+              <a:gd name="connsiteY39" fmla="*/ 3521781 h 6858000"/>
+              <a:gd name="connsiteX40" fmla="*/ 5682157 w 12192000"/>
+              <a:gd name="connsiteY40" fmla="*/ 3381775 h 6858000"/>
+              <a:gd name="connsiteX41" fmla="*/ 5713198 w 12192000"/>
+              <a:gd name="connsiteY41" fmla="*/ 3418426 h 6858000"/>
+              <a:gd name="connsiteX42" fmla="*/ 5883202 w 12192000"/>
+              <a:gd name="connsiteY42" fmla="*/ 3514950 h 6858000"/>
+              <a:gd name="connsiteX43" fmla="*/ 5931387 w 12192000"/>
+              <a:gd name="connsiteY43" fmla="*/ 3575508 h 6858000"/>
+              <a:gd name="connsiteX44" fmla="*/ 5981919 w 12192000"/>
+              <a:gd name="connsiteY44" fmla="*/ 3608971 h 6858000"/>
+              <a:gd name="connsiteX45" fmla="*/ 6052845 w 12192000"/>
+              <a:gd name="connsiteY45" fmla="*/ 3608290 h 6858000"/>
+              <a:gd name="connsiteX46" fmla="*/ 6103196 w 12192000"/>
+              <a:gd name="connsiteY46" fmla="*/ 3659739 h 6858000"/>
+              <a:gd name="connsiteX47" fmla="*/ 6050680 w 12192000"/>
+              <a:gd name="connsiteY47" fmla="*/ 3670666 h 6858000"/>
+              <a:gd name="connsiteX48" fmla="*/ 5989139 w 12192000"/>
+              <a:gd name="connsiteY48" fmla="*/ 3662243 h 6858000"/>
+              <a:gd name="connsiteX49" fmla="*/ 5856311 w 12192000"/>
+              <a:gd name="connsiteY49" fmla="*/ 3664973 h 6858000"/>
+              <a:gd name="connsiteX50" fmla="*/ 5780153 w 12192000"/>
+              <a:gd name="connsiteY50" fmla="*/ 3674991 h 6858000"/>
+              <a:gd name="connsiteX51" fmla="*/ 5605096 w 12192000"/>
+              <a:gd name="connsiteY51" fmla="*/ 3657917 h 6858000"/>
+              <a:gd name="connsiteX52" fmla="*/ 5615384 w 12192000"/>
+              <a:gd name="connsiteY52" fmla="*/ 3701627 h 6858000"/>
+              <a:gd name="connsiteX53" fmla="*/ 5608886 w 12192000"/>
+              <a:gd name="connsiteY53" fmla="*/ 3739645 h 6858000"/>
+              <a:gd name="connsiteX54" fmla="*/ 5606359 w 12192000"/>
+              <a:gd name="connsiteY54" fmla="*/ 3822284 h 6858000"/>
+              <a:gd name="connsiteX55" fmla="*/ 5607984 w 12192000"/>
+              <a:gd name="connsiteY55" fmla="*/ 3835716 h 6858000"/>
+              <a:gd name="connsiteX56" fmla="*/ 5568822 w 12192000"/>
+              <a:gd name="connsiteY56" fmla="*/ 3844366 h 6858000"/>
+              <a:gd name="connsiteX57" fmla="*/ 5802171 w 12192000"/>
+              <a:gd name="connsiteY57" fmla="*/ 4016244 h 6858000"/>
+              <a:gd name="connsiteX58" fmla="*/ 5646244 w 12192000"/>
+              <a:gd name="connsiteY58" fmla="*/ 3972534 h 6858000"/>
+              <a:gd name="connsiteX59" fmla="*/ 5625129 w 12192000"/>
+              <a:gd name="connsiteY59" fmla="*/ 4044701 h 6858000"/>
+              <a:gd name="connsiteX60" fmla="*/ 5698400 w 12192000"/>
+              <a:gd name="connsiteY60" fmla="*/ 4108899 h 6858000"/>
+              <a:gd name="connsiteX61" fmla="*/ 5725470 w 12192000"/>
+              <a:gd name="connsiteY61" fmla="*/ 4235930 h 6858000"/>
+              <a:gd name="connsiteX62" fmla="*/ 5712295 w 12192000"/>
+              <a:gd name="connsiteY62" fmla="*/ 4352032 h 6858000"/>
+              <a:gd name="connsiteX63" fmla="*/ 5680894 w 12192000"/>
+              <a:gd name="connsiteY63" fmla="*/ 4388911 h 6858000"/>
+              <a:gd name="connsiteX64" fmla="*/ 5635415 w 12192000"/>
+              <a:gd name="connsiteY64" fmla="*/ 4455158 h 6858000"/>
+              <a:gd name="connsiteX65" fmla="*/ 5607263 w 12192000"/>
+              <a:gd name="connsiteY65" fmla="*/ 4496136 h 6858000"/>
+              <a:gd name="connsiteX66" fmla="*/ 5509446 w 12192000"/>
+              <a:gd name="connsiteY66" fmla="*/ 4480201 h 6858000"/>
+              <a:gd name="connsiteX67" fmla="*/ 5639928 w 12192000"/>
+              <a:gd name="connsiteY67" fmla="*/ 4584239 h 6858000"/>
+              <a:gd name="connsiteX68" fmla="*/ 5534171 w 12192000"/>
+              <a:gd name="connsiteY68" fmla="*/ 4571262 h 6858000"/>
+              <a:gd name="connsiteX69" fmla="*/ 5499701 w 12192000"/>
+              <a:gd name="connsiteY69" fmla="*/ 4578547 h 6858000"/>
+              <a:gd name="connsiteX70" fmla="*/ 5519373 w 12192000"/>
+              <a:gd name="connsiteY70" fmla="*/ 4612239 h 6858000"/>
+              <a:gd name="connsiteX71" fmla="*/ 5596974 w 12192000"/>
+              <a:gd name="connsiteY71" fmla="*/ 4669379 h 6858000"/>
+              <a:gd name="connsiteX72" fmla="*/ 5756873 w 12192000"/>
+              <a:gd name="connsiteY72" fmla="*/ 4824185 h 6858000"/>
+              <a:gd name="connsiteX73" fmla="*/ 5602028 w 12192000"/>
+              <a:gd name="connsiteY73" fmla="*/ 4753158 h 6858000"/>
+              <a:gd name="connsiteX74" fmla="*/ 5765173 w 12192000"/>
+              <a:gd name="connsiteY74" fmla="*/ 4912286 h 6858000"/>
+              <a:gd name="connsiteX75" fmla="*/ 5801450 w 12192000"/>
+              <a:gd name="connsiteY75" fmla="*/ 4965101 h 6858000"/>
+              <a:gd name="connsiteX76" fmla="*/ 5874721 w 12192000"/>
+              <a:gd name="connsiteY76" fmla="*/ 5096229 h 6858000"/>
+              <a:gd name="connsiteX77" fmla="*/ 5871110 w 12192000"/>
+              <a:gd name="connsiteY77" fmla="*/ 5111026 h 6858000"/>
+              <a:gd name="connsiteX78" fmla="*/ 5786469 w 12192000"/>
+              <a:gd name="connsiteY78" fmla="*/ 5089855 h 6858000"/>
+              <a:gd name="connsiteX79" fmla="*/ 5896196 w 12192000"/>
+              <a:gd name="connsiteY79" fmla="*/ 5200041 h 6858000"/>
+              <a:gd name="connsiteX80" fmla="*/ 6009534 w 12192000"/>
+              <a:gd name="connsiteY80" fmla="*/ 5284725 h 6858000"/>
+              <a:gd name="connsiteX81" fmla="*/ 5929042 w 12192000"/>
+              <a:gd name="connsiteY81" fmla="*/ 5271751 h 6858000"/>
+              <a:gd name="connsiteX82" fmla="*/ 5818413 w 12192000"/>
+              <a:gd name="connsiteY82" fmla="*/ 5223260 h 6858000"/>
+              <a:gd name="connsiteX83" fmla="*/ 5779973 w 12192000"/>
+              <a:gd name="connsiteY83" fmla="*/ 5241473 h 6858000"/>
+              <a:gd name="connsiteX84" fmla="*/ 5884826 w 12192000"/>
+              <a:gd name="connsiteY84" fmla="*/ 5321606 h 6858000"/>
+              <a:gd name="connsiteX85" fmla="*/ 5944924 w 12192000"/>
+              <a:gd name="connsiteY85" fmla="*/ 5358715 h 6858000"/>
+              <a:gd name="connsiteX86" fmla="*/ 5968926 w 12192000"/>
+              <a:gd name="connsiteY86" fmla="*/ 5387170 h 6858000"/>
+              <a:gd name="connsiteX87" fmla="*/ 6037505 w 12192000"/>
+              <a:gd name="connsiteY87" fmla="*/ 5488704 h 6858000"/>
+              <a:gd name="connsiteX88" fmla="*/ 6238910 w 12192000"/>
+              <a:gd name="connsiteY88" fmla="*/ 5599571 h 6858000"/>
+              <a:gd name="connsiteX89" fmla="*/ 6427321 w 12192000"/>
+              <a:gd name="connsiteY89" fmla="*/ 5737302 h 6858000"/>
+              <a:gd name="connsiteX90" fmla="*/ 6574408 w 12192000"/>
+              <a:gd name="connsiteY90" fmla="*/ 5823126 h 6858000"/>
+              <a:gd name="connsiteX91" fmla="*/ 6946177 w 12192000"/>
+              <a:gd name="connsiteY91" fmla="*/ 5933538 h 6858000"/>
+              <a:gd name="connsiteX92" fmla="*/ 8356197 w 12192000"/>
+              <a:gd name="connsiteY92" fmla="*/ 5184561 h 6858000"/>
+              <a:gd name="connsiteX93" fmla="*/ 8374063 w 12192000"/>
+              <a:gd name="connsiteY93" fmla="*/ 5162249 h 6858000"/>
+              <a:gd name="connsiteX94" fmla="*/ 8442461 w 12192000"/>
+              <a:gd name="connsiteY94" fmla="*/ 5078246 h 6858000"/>
+              <a:gd name="connsiteX95" fmla="*/ 8500574 w 12192000"/>
+              <a:gd name="connsiteY95" fmla="*/ 5002664 h 6858000"/>
+              <a:gd name="connsiteX96" fmla="*/ 8470255 w 12192000"/>
+              <a:gd name="connsiteY96" fmla="*/ 4977167 h 6858000"/>
+              <a:gd name="connsiteX97" fmla="*/ 8511222 w 12192000"/>
+              <a:gd name="connsiteY97" fmla="*/ 4905001 h 6858000"/>
+              <a:gd name="connsiteX98" fmla="*/ 8641522 w 12192000"/>
+              <a:gd name="connsiteY98" fmla="*/ 4682584 h 6858000"/>
+              <a:gd name="connsiteX99" fmla="*/ 8698730 w 12192000"/>
+              <a:gd name="connsiteY99" fmla="*/ 4633640 h 6858000"/>
+              <a:gd name="connsiteX100" fmla="*/ 8768393 w 12192000"/>
+              <a:gd name="connsiteY100" fmla="*/ 4510479 h 6858000"/>
+              <a:gd name="connsiteX101" fmla="*/ 8778319 w 12192000"/>
+              <a:gd name="connsiteY101" fmla="*/ 4482024 h 6858000"/>
+              <a:gd name="connsiteX102" fmla="*/ 8764062 w 12192000"/>
+              <a:gd name="connsiteY102" fmla="*/ 4445824 h 6858000"/>
+              <a:gd name="connsiteX103" fmla="*/ 8753414 w 12192000"/>
+              <a:gd name="connsiteY103" fmla="*/ 4409400 h 6858000"/>
+              <a:gd name="connsiteX104" fmla="*/ 8767310 w 12192000"/>
+              <a:gd name="connsiteY104" fmla="*/ 4398700 h 6858000"/>
+              <a:gd name="connsiteX105" fmla="*/ 8856643 w 12192000"/>
+              <a:gd name="connsiteY105" fmla="*/ 4380261 h 6858000"/>
+              <a:gd name="connsiteX106" fmla="*/ 8804848 w 12192000"/>
+              <a:gd name="connsiteY106" fmla="*/ 4311055 h 6858000"/>
+              <a:gd name="connsiteX107" fmla="*/ 8713530 w 12192000"/>
+              <a:gd name="connsiteY107" fmla="*/ 4207927 h 6858000"/>
+              <a:gd name="connsiteX108" fmla="*/ 8672022 w 12192000"/>
+              <a:gd name="connsiteY108" fmla="*/ 4134623 h 6858000"/>
+              <a:gd name="connsiteX109" fmla="*/ 8667148 w 12192000"/>
+              <a:gd name="connsiteY109" fmla="*/ 4069059 h 6858000"/>
+              <a:gd name="connsiteX110" fmla="*/ 8585575 w 12192000"/>
+              <a:gd name="connsiteY110" fmla="*/ 4030359 h 6858000"/>
+              <a:gd name="connsiteX111" fmla="*/ 8662275 w 12192000"/>
+              <a:gd name="connsiteY111" fmla="*/ 3891717 h 6858000"/>
+              <a:gd name="connsiteX112" fmla="*/ 8670037 w 12192000"/>
+              <a:gd name="connsiteY112" fmla="*/ 3863033 h 6858000"/>
+              <a:gd name="connsiteX113" fmla="*/ 8624017 w 12192000"/>
+              <a:gd name="connsiteY113" fmla="*/ 3760362 h 6858000"/>
+              <a:gd name="connsiteX114" fmla="*/ 8616436 w 12192000"/>
+              <a:gd name="connsiteY114" fmla="*/ 3743970 h 6858000"/>
+              <a:gd name="connsiteX115" fmla="*/ 8599473 w 12192000"/>
+              <a:gd name="connsiteY115" fmla="*/ 3711188 h 6858000"/>
+              <a:gd name="connsiteX116" fmla="*/ 8550745 w 12192000"/>
+              <a:gd name="connsiteY116" fmla="*/ 3703220 h 6858000"/>
+              <a:gd name="connsiteX117" fmla="*/ 8576010 w 12192000"/>
+              <a:gd name="connsiteY117" fmla="*/ 3680000 h 6858000"/>
+              <a:gd name="connsiteX118" fmla="*/ 8625100 w 12192000"/>
+              <a:gd name="connsiteY118" fmla="*/ 3601459 h 6858000"/>
+              <a:gd name="connsiteX119" fmla="*/ 8592433 w 12192000"/>
+              <a:gd name="connsiteY119" fmla="*/ 3526333 h 6858000"/>
+              <a:gd name="connsiteX120" fmla="*/ 8590269 w 12192000"/>
+              <a:gd name="connsiteY120" fmla="*/ 3484900 h 6858000"/>
+              <a:gd name="connsiteX121" fmla="*/ 8645312 w 12192000"/>
+              <a:gd name="connsiteY121" fmla="*/ 3431858 h 6858000"/>
+              <a:gd name="connsiteX122" fmla="*/ 8686820 w 12192000"/>
+              <a:gd name="connsiteY122" fmla="*/ 3410914 h 6858000"/>
+              <a:gd name="connsiteX123" fmla="*/ 8705950 w 12192000"/>
+              <a:gd name="connsiteY123" fmla="*/ 3380864 h 6858000"/>
+              <a:gd name="connsiteX124" fmla="*/ 8683391 w 12192000"/>
+              <a:gd name="connsiteY124" fmla="*/ 3355822 h 6858000"/>
+              <a:gd name="connsiteX125" fmla="*/ 8583229 w 12192000"/>
+              <a:gd name="connsiteY125" fmla="*/ 3296177 h 6858000"/>
+              <a:gd name="connsiteX126" fmla="*/ 8637190 w 12192000"/>
+              <a:gd name="connsiteY126" fmla="*/ 3246320 h 6858000"/>
+              <a:gd name="connsiteX127" fmla="*/ 8355114 w 12192000"/>
+              <a:gd name="connsiteY127" fmla="*/ 3011154 h 6858000"/>
+              <a:gd name="connsiteX128" fmla="*/ 8321004 w 12192000"/>
+              <a:gd name="connsiteY128" fmla="*/ 2975186 h 6858000"/>
+              <a:gd name="connsiteX129" fmla="*/ 8139993 w 12192000"/>
+              <a:gd name="connsiteY129" fmla="*/ 2887993 h 6858000"/>
+              <a:gd name="connsiteX130" fmla="*/ 7953747 w 12192000"/>
+              <a:gd name="connsiteY130" fmla="*/ 2826301 h 6858000"/>
+              <a:gd name="connsiteX131" fmla="*/ 8083145 w 12192000"/>
+              <a:gd name="connsiteY131" fmla="*/ 2696083 h 6858000"/>
+              <a:gd name="connsiteX132" fmla="*/ 7885529 w 12192000"/>
+              <a:gd name="connsiteY132" fmla="*/ 2665804 h 6858000"/>
+              <a:gd name="connsiteX133" fmla="*/ 7866219 w 12192000"/>
+              <a:gd name="connsiteY133" fmla="*/ 2666715 h 6858000"/>
+              <a:gd name="connsiteX134" fmla="*/ 7478205 w 12192000"/>
+              <a:gd name="connsiteY134" fmla="*/ 2646681 h 6858000"/>
+              <a:gd name="connsiteX135" fmla="*/ 6921993 w 12192000"/>
+              <a:gd name="connsiteY135" fmla="*/ 2580207 h 6858000"/>
+              <a:gd name="connsiteX136" fmla="*/ 6461612 w 12192000"/>
+              <a:gd name="connsiteY136" fmla="*/ 2540368 h 6858000"/>
+              <a:gd name="connsiteX137" fmla="*/ 5971453 w 12192000"/>
+              <a:gd name="connsiteY137" fmla="*/ 2462965 h 6858000"/>
+              <a:gd name="connsiteX138" fmla="*/ 5947992 w 12192000"/>
+              <a:gd name="connsiteY138" fmla="*/ 2457985 h 6858000"/>
+              <a:gd name="connsiteX139" fmla="*/ 0 w 12192000"/>
+              <a:gd name="connsiteY139" fmla="*/ 0 h 6858000"/>
+              <a:gd name="connsiteX140" fmla="*/ 8078332 w 12192000"/>
+              <a:gd name="connsiteY140" fmla="*/ 0 h 6858000"/>
+              <a:gd name="connsiteX141" fmla="*/ 8051806 w 12192000"/>
+              <a:gd name="connsiteY141" fmla="*/ 19899 h 6858000"/>
+              <a:gd name="connsiteX142" fmla="*/ 7919411 w 12192000"/>
+              <a:gd name="connsiteY142" fmla="*/ 69998 h 6858000"/>
+              <a:gd name="connsiteX143" fmla="*/ 7880558 w 12192000"/>
+              <a:gd name="connsiteY143" fmla="*/ 103665 h 6858000"/>
+              <a:gd name="connsiteX144" fmla="*/ 7913505 w 12192000"/>
+              <a:gd name="connsiteY144" fmla="*/ 144066 h 6858000"/>
+              <a:gd name="connsiteX145" fmla="*/ 7984993 w 12192000"/>
+              <a:gd name="connsiteY145" fmla="*/ 172224 h 6858000"/>
+              <a:gd name="connsiteX146" fmla="*/ 8079793 w 12192000"/>
+              <a:gd name="connsiteY146" fmla="*/ 243535 h 6858000"/>
+              <a:gd name="connsiteX147" fmla="*/ 8076065 w 12192000"/>
+              <a:gd name="connsiteY147" fmla="*/ 299239 h 6858000"/>
+              <a:gd name="connsiteX148" fmla="*/ 8019804 w 12192000"/>
+              <a:gd name="connsiteY148" fmla="*/ 400240 h 6858000"/>
+              <a:gd name="connsiteX149" fmla="*/ 8104349 w 12192000"/>
+              <a:gd name="connsiteY149" fmla="*/ 505833 h 6858000"/>
+              <a:gd name="connsiteX150" fmla="*/ 8147864 w 12192000"/>
+              <a:gd name="connsiteY150" fmla="*/ 537052 h 6858000"/>
+              <a:gd name="connsiteX151" fmla="*/ 8063941 w 12192000"/>
+              <a:gd name="connsiteY151" fmla="*/ 547764 h 6858000"/>
+              <a:gd name="connsiteX152" fmla="*/ 8034725 w 12192000"/>
+              <a:gd name="connsiteY152" fmla="*/ 591836 h 6858000"/>
+              <a:gd name="connsiteX153" fmla="*/ 8021669 w 12192000"/>
+              <a:gd name="connsiteY153" fmla="*/ 613874 h 6858000"/>
+              <a:gd name="connsiteX154" fmla="*/ 7942410 w 12192000"/>
+              <a:gd name="connsiteY154" fmla="*/ 751909 h 6858000"/>
+              <a:gd name="connsiteX155" fmla="*/ 7955778 w 12192000"/>
+              <a:gd name="connsiteY155" fmla="*/ 790472 h 6858000"/>
+              <a:gd name="connsiteX156" fmla="*/ 8087876 w 12192000"/>
+              <a:gd name="connsiteY156" fmla="*/ 976867 h 6858000"/>
+              <a:gd name="connsiteX157" fmla="*/ 7947386 w 12192000"/>
+              <a:gd name="connsiteY157" fmla="*/ 1028897 h 6858000"/>
+              <a:gd name="connsiteX158" fmla="*/ 7938992 w 12192000"/>
+              <a:gd name="connsiteY158" fmla="*/ 1117042 h 6858000"/>
+              <a:gd name="connsiteX159" fmla="*/ 7867503 w 12192000"/>
+              <a:gd name="connsiteY159" fmla="*/ 1215596 h 6858000"/>
+              <a:gd name="connsiteX160" fmla="*/ 7710229 w 12192000"/>
+              <a:gd name="connsiteY160" fmla="*/ 1354244 h 6858000"/>
+              <a:gd name="connsiteX161" fmla="*/ 7621024 w 12192000"/>
+              <a:gd name="connsiteY161" fmla="*/ 1447286 h 6858000"/>
+              <a:gd name="connsiteX162" fmla="*/ 7774880 w 12192000"/>
+              <a:gd name="connsiteY162" fmla="*/ 1472076 h 6858000"/>
+              <a:gd name="connsiteX163" fmla="*/ 7798812 w 12192000"/>
+              <a:gd name="connsiteY163" fmla="*/ 1486462 h 6858000"/>
+              <a:gd name="connsiteX164" fmla="*/ 7780474 w 12192000"/>
+              <a:gd name="connsiteY164" fmla="*/ 1535432 h 6858000"/>
+              <a:gd name="connsiteX165" fmla="*/ 7755919 w 12192000"/>
+              <a:gd name="connsiteY165" fmla="*/ 1584099 h 6858000"/>
+              <a:gd name="connsiteX166" fmla="*/ 7773014 w 12192000"/>
+              <a:gd name="connsiteY166" fmla="*/ 1622355 h 6858000"/>
+              <a:gd name="connsiteX167" fmla="*/ 7892993 w 12192000"/>
+              <a:gd name="connsiteY167" fmla="*/ 1787937 h 6858000"/>
+              <a:gd name="connsiteX168" fmla="*/ 7991521 w 12192000"/>
+              <a:gd name="connsiteY168" fmla="*/ 1853739 h 6858000"/>
+              <a:gd name="connsiteX169" fmla="*/ 8215932 w 12192000"/>
+              <a:gd name="connsiteY169" fmla="*/ 2152764 h 6858000"/>
+              <a:gd name="connsiteX170" fmla="*/ 8286489 w 12192000"/>
+              <a:gd name="connsiteY170" fmla="*/ 2249786 h 6858000"/>
+              <a:gd name="connsiteX171" fmla="*/ 8234270 w 12192000"/>
+              <a:gd name="connsiteY171" fmla="*/ 2284064 h 6858000"/>
+              <a:gd name="connsiteX172" fmla="*/ 8334357 w 12192000"/>
+              <a:gd name="connsiteY172" fmla="*/ 2385679 h 6858000"/>
+              <a:gd name="connsiteX173" fmla="*/ 8452157 w 12192000"/>
+              <a:gd name="connsiteY173" fmla="*/ 2498616 h 6858000"/>
+              <a:gd name="connsiteX174" fmla="*/ 8482927 w 12192000"/>
+              <a:gd name="connsiteY174" fmla="*/ 2528612 h 6858000"/>
+              <a:gd name="connsiteX175" fmla="*/ 10911361 w 12192000"/>
+              <a:gd name="connsiteY175" fmla="*/ 3535561 h 6858000"/>
+              <a:gd name="connsiteX176" fmla="*/ 11551649 w 12192000"/>
+              <a:gd name="connsiteY176" fmla="*/ 3387120 h 6858000"/>
+              <a:gd name="connsiteX177" fmla="*/ 11804971 w 12192000"/>
+              <a:gd name="connsiteY177" fmla="*/ 3271735 h 6858000"/>
+              <a:gd name="connsiteX178" fmla="*/ 12129465 w 12192000"/>
+              <a:gd name="connsiteY178" fmla="*/ 3086565 h 6858000"/>
+              <a:gd name="connsiteX179" fmla="*/ 12192000 w 12192000"/>
+              <a:gd name="connsiteY179" fmla="*/ 3060706 h 6858000"/>
+              <a:gd name="connsiteX180" fmla="*/ 12192000 w 12192000"/>
+              <a:gd name="connsiteY180" fmla="*/ 3766004 h 6858000"/>
+              <a:gd name="connsiteX181" fmla="*/ 12069511 w 12192000"/>
+              <a:gd name="connsiteY181" fmla="*/ 3730912 h 6858000"/>
+              <a:gd name="connsiteX182" fmla="*/ 11743305 w 12192000"/>
+              <a:gd name="connsiteY182" fmla="*/ 3682401 h 6858000"/>
+              <a:gd name="connsiteX183" fmla="*/ 11692833 w 12192000"/>
+              <a:gd name="connsiteY183" fmla="*/ 3681484 h 6858000"/>
+              <a:gd name="connsiteX184" fmla="*/ 9314871 w 12192000"/>
+              <a:gd name="connsiteY184" fmla="*/ 4689350 h 6858000"/>
+              <a:gd name="connsiteX185" fmla="*/ 9284101 w 12192000"/>
+              <a:gd name="connsiteY185" fmla="*/ 4719346 h 6858000"/>
+              <a:gd name="connsiteX186" fmla="*/ 9166300 w 12192000"/>
+              <a:gd name="connsiteY186" fmla="*/ 4832283 h 6858000"/>
+              <a:gd name="connsiteX187" fmla="*/ 9066214 w 12192000"/>
+              <a:gd name="connsiteY187" fmla="*/ 4933898 h 6858000"/>
+              <a:gd name="connsiteX188" fmla="*/ 9118433 w 12192000"/>
+              <a:gd name="connsiteY188" fmla="*/ 4968176 h 6858000"/>
+              <a:gd name="connsiteX189" fmla="*/ 9047876 w 12192000"/>
+              <a:gd name="connsiteY189" fmla="*/ 5065198 h 6858000"/>
+              <a:gd name="connsiteX190" fmla="*/ 8823465 w 12192000"/>
+              <a:gd name="connsiteY190" fmla="*/ 5364223 h 6858000"/>
+              <a:gd name="connsiteX191" fmla="*/ 8724937 w 12192000"/>
+              <a:gd name="connsiteY191" fmla="*/ 5430025 h 6858000"/>
+              <a:gd name="connsiteX192" fmla="*/ 8604958 w 12192000"/>
+              <a:gd name="connsiteY192" fmla="*/ 5595607 h 6858000"/>
+              <a:gd name="connsiteX193" fmla="*/ 8587863 w 12192000"/>
+              <a:gd name="connsiteY193" fmla="*/ 5633863 h 6858000"/>
+              <a:gd name="connsiteX194" fmla="*/ 8612418 w 12192000"/>
+              <a:gd name="connsiteY194" fmla="*/ 5682530 h 6858000"/>
+              <a:gd name="connsiteX195" fmla="*/ 8630756 w 12192000"/>
+              <a:gd name="connsiteY195" fmla="*/ 5731500 h 6858000"/>
+              <a:gd name="connsiteX196" fmla="*/ 8606823 w 12192000"/>
+              <a:gd name="connsiteY196" fmla="*/ 5745886 h 6858000"/>
+              <a:gd name="connsiteX197" fmla="*/ 8452968 w 12192000"/>
+              <a:gd name="connsiteY197" fmla="*/ 5770676 h 6858000"/>
+              <a:gd name="connsiteX198" fmla="*/ 8542173 w 12192000"/>
+              <a:gd name="connsiteY198" fmla="*/ 5863718 h 6858000"/>
+              <a:gd name="connsiteX199" fmla="*/ 8699447 w 12192000"/>
+              <a:gd name="connsiteY199" fmla="*/ 6002366 h 6858000"/>
+              <a:gd name="connsiteX200" fmla="*/ 8770936 w 12192000"/>
+              <a:gd name="connsiteY200" fmla="*/ 6100920 h 6858000"/>
+              <a:gd name="connsiteX201" fmla="*/ 8779329 w 12192000"/>
+              <a:gd name="connsiteY201" fmla="*/ 6189065 h 6858000"/>
+              <a:gd name="connsiteX202" fmla="*/ 8919820 w 12192000"/>
+              <a:gd name="connsiteY202" fmla="*/ 6241095 h 6858000"/>
+              <a:gd name="connsiteX203" fmla="*/ 8787721 w 12192000"/>
+              <a:gd name="connsiteY203" fmla="*/ 6427490 h 6858000"/>
+              <a:gd name="connsiteX204" fmla="*/ 8774354 w 12192000"/>
+              <a:gd name="connsiteY204" fmla="*/ 6466053 h 6858000"/>
+              <a:gd name="connsiteX205" fmla="*/ 8853613 w 12192000"/>
+              <a:gd name="connsiteY205" fmla="*/ 6604088 h 6858000"/>
+              <a:gd name="connsiteX206" fmla="*/ 8866669 w 12192000"/>
+              <a:gd name="connsiteY206" fmla="*/ 6626125 h 6858000"/>
+              <a:gd name="connsiteX207" fmla="*/ 8895884 w 12192000"/>
+              <a:gd name="connsiteY207" fmla="*/ 6670198 h 6858000"/>
+              <a:gd name="connsiteX208" fmla="*/ 8979808 w 12192000"/>
+              <a:gd name="connsiteY208" fmla="*/ 6680910 h 6858000"/>
+              <a:gd name="connsiteX209" fmla="*/ 8936293 w 12192000"/>
+              <a:gd name="connsiteY209" fmla="*/ 6712128 h 6858000"/>
+              <a:gd name="connsiteX210" fmla="*/ 8851748 w 12192000"/>
+              <a:gd name="connsiteY210" fmla="*/ 6817721 h 6858000"/>
+              <a:gd name="connsiteX211" fmla="*/ 8854326 w 12192000"/>
+              <a:gd name="connsiteY211" fmla="*/ 6858000 h 6858000"/>
+              <a:gd name="connsiteX212" fmla="*/ 0 w 12192000"/>
+              <a:gd name="connsiteY212" fmla="*/ 6858000 h 6858000"/>
+            </a:gdLst>
+            <a:ahLst/>
+            <a:cxnLst>
+              <a:cxn ang="0">
+                <a:pos x="connsiteX0" y="connsiteY0"/>
+              </a:cxn>
+              <a:cxn ang="0">
+                <a:pos x="connsiteX1" y="connsiteY1"/>
+              </a:cxn>
+              <a:cxn ang="0">
+                <a:pos x="connsiteX2" y="connsiteY2"/>
+              </a:cxn>
+              <a:cxn ang="0">
+                <a:pos x="connsiteX3" y="connsiteY3"/>
+              </a:cxn>
+              <a:cxn ang="0">
+                <a:pos x="connsiteX4" y="connsiteY4"/>
+              </a:cxn>
+              <a:cxn ang="0">
+                <a:pos x="connsiteX5" y="connsiteY5"/>
+              </a:cxn>
+              <a:cxn ang="0">
+                <a:pos x="connsiteX6" y="connsiteY6"/>
+              </a:cxn>
+              <a:cxn ang="0">
+                <a:pos x="connsiteX7" y="connsiteY7"/>
+              </a:cxn>
+              <a:cxn ang="0">
+                <a:pos x="connsiteX8" y="connsiteY8"/>
+              </a:cxn>
+              <a:cxn ang="0">
+                <a:pos x="connsiteX9" y="connsiteY9"/>
+              </a:cxn>
+              <a:cxn ang="0">
+                <a:pos x="connsiteX10" y="connsiteY10"/>
+              </a:cxn>
+              <a:cxn ang="0">
+                <a:pos x="connsiteX11" y="connsiteY11"/>
+              </a:cxn>
+              <a:cxn ang="0">
+                <a:pos x="connsiteX12" y="connsiteY12"/>
+              </a:cxn>
+              <a:cxn ang="0">
+                <a:pos x="connsiteX13" y="connsiteY13"/>
+              </a:cxn>
+              <a:cxn ang="0">
+                <a:pos x="connsiteX14" y="connsiteY14"/>
+              </a:cxn>
+              <a:cxn ang="0">
+                <a:pos x="connsiteX15" y="connsiteY15"/>
+              </a:cxn>
+              <a:cxn ang="0">
+                <a:pos x="connsiteX16" y="connsiteY16"/>
+              </a:cxn>
+              <a:cxn ang="0">
+                <a:pos x="connsiteX17" y="connsiteY17"/>
+              </a:cxn>
+              <a:cxn ang="0">
+                <a:pos x="connsiteX18" y="connsiteY18"/>
+              </a:cxn>
+              <a:cxn ang="0">
+                <a:pos x="connsiteX19" y="connsiteY19"/>
+              </a:cxn>
+              <a:cxn ang="0">
+                <a:pos x="connsiteX20" y="connsiteY20"/>
+              </a:cxn>
+              <a:cxn ang="0">
+                <a:pos x="connsiteX21" y="connsiteY21"/>
+              </a:cxn>
+              <a:cxn ang="0">
+                <a:pos x="connsiteX22" y="connsiteY22"/>
+              </a:cxn>
+              <a:cxn ang="0">
+                <a:pos x="connsiteX23" y="connsiteY23"/>
+              </a:cxn>
+              <a:cxn ang="0">
+                <a:pos x="connsiteX24" y="connsiteY24"/>
+              </a:cxn>
+              <a:cxn ang="0">
+                <a:pos x="connsiteX25" y="connsiteY25"/>
+              </a:cxn>
+              <a:cxn ang="0">
+                <a:pos x="connsiteX26" y="connsiteY26"/>
+              </a:cxn>
+              <a:cxn ang="0">
+                <a:pos x="connsiteX27" y="connsiteY27"/>
+              </a:cxn>
+              <a:cxn ang="0">
+                <a:pos x="connsiteX28" y="connsiteY28"/>
+              </a:cxn>
+              <a:cxn ang="0">
+                <a:pos x="connsiteX29" y="connsiteY29"/>
+              </a:cxn>
+              <a:cxn ang="0">
+                <a:pos x="connsiteX30" y="connsiteY30"/>
+              </a:cxn>
+              <a:cxn ang="0">
+                <a:pos x="connsiteX31" y="connsiteY31"/>
+              </a:cxn>
+              <a:cxn ang="0">
+                <a:pos x="connsiteX32" y="connsiteY32"/>
+              </a:cxn>
+              <a:cxn ang="0">
+                <a:pos x="connsiteX33" y="connsiteY33"/>
+              </a:cxn>
+              <a:cxn ang="0">
+                <a:pos x="connsiteX34" y="connsiteY34"/>
+              </a:cxn>
+              <a:cxn ang="0">
+                <a:pos x="connsiteX35" y="connsiteY35"/>
+              </a:cxn>
+              <a:cxn ang="0">
+                <a:pos x="connsiteX36" y="connsiteY36"/>
+              </a:cxn>
+              <a:cxn ang="0">
+                <a:pos x="connsiteX37" y="connsiteY37"/>
+              </a:cxn>
+              <a:cxn ang="0">
+                <a:pos x="connsiteX38" y="connsiteY38"/>
+              </a:cxn>
+              <a:cxn ang="0">
+                <a:pos x="connsiteX39" y="connsiteY39"/>
+              </a:cxn>
+              <a:cxn ang="0">
+                <a:pos x="connsiteX40" y="connsiteY40"/>
+              </a:cxn>
+              <a:cxn ang="0">
+                <a:pos x="connsiteX41" y="connsiteY41"/>
+              </a:cxn>
+              <a:cxn ang="0">
+                <a:pos x="connsiteX42" y="connsiteY42"/>
+              </a:cxn>
+              <a:cxn ang="0">
+                <a:pos x="connsiteX43" y="connsiteY43"/>
+              </a:cxn>
+              <a:cxn ang="0">
+                <a:pos x="connsiteX44" y="connsiteY44"/>
+              </a:cxn>
+              <a:cxn ang="0">
+                <a:pos x="connsiteX45" y="connsiteY45"/>
+              </a:cxn>
+              <a:cxn ang="0">
+                <a:pos x="connsiteX46" y="connsiteY46"/>
+              </a:cxn>
+              <a:cxn ang="0">
+                <a:pos x="connsiteX47" y="connsiteY47"/>
+              </a:cxn>
+              <a:cxn ang="0">
+                <a:pos x="connsiteX48" y="connsiteY48"/>
+              </a:cxn>
+              <a:cxn ang="0">
+                <a:pos x="connsiteX49" y="connsiteY49"/>
+              </a:cxn>
+              <a:cxn ang="0">
+                <a:pos x="connsiteX50" y="connsiteY50"/>
+              </a:cxn>
+              <a:cxn ang="0">
+                <a:pos x="connsiteX51" y="connsiteY51"/>
+              </a:cxn>
+              <a:cxn ang="0">
+                <a:pos x="connsiteX52" y="connsiteY52"/>
+              </a:cxn>
+              <a:cxn ang="0">
+                <a:pos x="connsiteX53" y="connsiteY53"/>
+              </a:cxn>
+              <a:cxn ang="0">
+                <a:pos x="connsiteX54" y="connsiteY54"/>
+              </a:cxn>
+              <a:cxn ang="0">
+                <a:pos x="connsiteX55" y="connsiteY55"/>
+              </a:cxn>
+              <a:cxn ang="0">
+                <a:pos x="connsiteX56" y="connsiteY56"/>
+              </a:cxn>
+              <a:cxn ang="0">
+                <a:pos x="connsiteX57" y="connsiteY57"/>
+              </a:cxn>
+              <a:cxn ang="0">
+                <a:pos x="connsiteX58" y="connsiteY58"/>
+              </a:cxn>
+              <a:cxn ang="0">
+                <a:pos x="connsiteX59" y="connsiteY59"/>
+              </a:cxn>
+              <a:cxn ang="0">
+                <a:pos x="connsiteX60" y="connsiteY60"/>
+              </a:cxn>
+              <a:cxn ang="0">
+                <a:pos x="connsiteX61" y="connsiteY61"/>
+              </a:cxn>
+              <a:cxn ang="0">
+                <a:pos x="connsiteX62" y="connsiteY62"/>
+              </a:cxn>
+              <a:cxn ang="0">
+                <a:pos x="connsiteX63" y="connsiteY63"/>
+              </a:cxn>
+              <a:cxn ang="0">
+                <a:pos x="connsiteX64" y="connsiteY64"/>
+              </a:cxn>
+              <a:cxn ang="0">
+                <a:pos x="connsiteX65" y="connsiteY65"/>
+              </a:cxn>
+              <a:cxn ang="0">
+                <a:pos x="connsiteX66" y="connsiteY66"/>
+              </a:cxn>
+              <a:cxn ang="0">
+                <a:pos x="connsiteX67" y="connsiteY67"/>
+              </a:cxn>
+              <a:cxn ang="0">
+                <a:pos x="connsiteX68" y="connsiteY68"/>
+              </a:cxn>
+              <a:cxn ang="0">
+                <a:pos x="connsiteX69" y="connsiteY69"/>
+              </a:cxn>
+              <a:cxn ang="0">
+                <a:pos x="connsiteX70" y="connsiteY70"/>
+              </a:cxn>
+              <a:cxn ang="0">
+                <a:pos x="connsiteX71" y="connsiteY71"/>
+              </a:cxn>
+              <a:cxn ang="0">
+                <a:pos x="connsiteX72" y="connsiteY72"/>
+              </a:cxn>
+              <a:cxn ang="0">
+                <a:pos x="connsiteX73" y="connsiteY73"/>
+              </a:cxn>
+              <a:cxn ang="0">
+                <a:pos x="connsiteX74" y="connsiteY74"/>
+              </a:cxn>
+              <a:cxn ang="0">
+                <a:pos x="connsiteX75" y="connsiteY75"/>
+              </a:cxn>
+              <a:cxn ang="0">
+                <a:pos x="connsiteX76" y="connsiteY76"/>
+              </a:cxn>
+              <a:cxn ang="0">
+                <a:pos x="connsiteX77" y="connsiteY77"/>
+              </a:cxn>
+              <a:cxn ang="0">
+                <a:pos x="connsiteX78" y="connsiteY78"/>
+              </a:cxn>
+              <a:cxn ang="0">
+                <a:pos x="connsiteX79" y="connsiteY79"/>
+              </a:cxn>
+              <a:cxn ang="0">
+                <a:pos x="connsiteX80" y="connsiteY80"/>
+              </a:cxn>
+              <a:cxn ang="0">
+                <a:pos x="connsiteX81" y="connsiteY81"/>
+              </a:cxn>
+              <a:cxn ang="0">
+                <a:pos x="connsiteX82" y="connsiteY82"/>
+              </a:cxn>
+              <a:cxn ang="0">
+                <a:pos x="connsiteX83" y="connsiteY83"/>
+              </a:cxn>
+              <a:cxn ang="0">
+                <a:pos x="connsiteX84" y="connsiteY84"/>
+              </a:cxn>
+              <a:cxn ang="0">
+                <a:pos x="connsiteX85" y="connsiteY85"/>
+              </a:cxn>
+              <a:cxn ang="0">
+                <a:pos x="connsiteX86" y="connsiteY86"/>
+              </a:cxn>
+              <a:cxn ang="0">
+                <a:pos x="connsiteX87" y="connsiteY87"/>
+              </a:cxn>
+              <a:cxn ang="0">
+                <a:pos x="connsiteX88" y="connsiteY88"/>
+              </a:cxn>
+              <a:cxn ang="0">
+                <a:pos x="connsiteX89" y="connsiteY89"/>
+              </a:cxn>
+              <a:cxn ang="0">
+                <a:pos x="connsiteX90" y="connsiteY90"/>
+              </a:cxn>
+              <a:cxn ang="0">
+                <a:pos x="connsiteX91" y="connsiteY91"/>
+              </a:cxn>
+              <a:cxn ang="0">
+                <a:pos x="connsiteX92" y="connsiteY92"/>
+              </a:cxn>
+              <a:cxn ang="0">
+                <a:pos x="connsiteX93" y="connsiteY93"/>
+              </a:cxn>
+              <a:cxn ang="0">
+                <a:pos x="connsiteX94" y="connsiteY94"/>
+              </a:cxn>
+              <a:cxn ang="0">
+                <a:pos x="connsiteX95" y="connsiteY95"/>
+              </a:cxn>
+              <a:cxn ang="0">
+                <a:pos x="connsiteX96" y="connsiteY96"/>
+              </a:cxn>
+              <a:cxn ang="0">
+                <a:pos x="connsiteX97" y="connsiteY97"/>
+              </a:cxn>
+              <a:cxn ang="0">
+                <a:pos x="connsiteX98" y="connsiteY98"/>
+              </a:cxn>
+              <a:cxn ang="0">
+                <a:pos x="connsiteX99" y="connsiteY99"/>
+              </a:cxn>
+              <a:cxn ang="0">
+                <a:pos x="connsiteX100" y="connsiteY100"/>
+              </a:cxn>
+              <a:cxn ang="0">
+                <a:pos x="connsiteX101" y="connsiteY101"/>
+              </a:cxn>
+              <a:cxn ang="0">
+                <a:pos x="connsiteX102" y="connsiteY102"/>
+              </a:cxn>
+              <a:cxn ang="0">
+                <a:pos x="connsiteX103" y="connsiteY103"/>
+              </a:cxn>
+              <a:cxn ang="0">
+                <a:pos x="connsiteX104" y="connsiteY104"/>
+              </a:cxn>
+              <a:cxn ang="0">
+                <a:pos x="connsiteX105" y="connsiteY105"/>
+              </a:cxn>
+              <a:cxn ang="0">
+                <a:pos x="connsiteX106" y="connsiteY106"/>
+              </a:cxn>
+              <a:cxn ang="0">
+                <a:pos x="connsiteX107" y="connsiteY107"/>
+              </a:cxn>
+              <a:cxn ang="0">
+                <a:pos x="connsiteX108" y="connsiteY108"/>
+              </a:cxn>
+              <a:cxn ang="0">
+                <a:pos x="connsiteX109" y="connsiteY109"/>
+              </a:cxn>
+              <a:cxn ang="0">
+                <a:pos x="connsiteX110" y="connsiteY110"/>
+              </a:cxn>
+              <a:cxn ang="0">
+                <a:pos x="connsiteX111" y="connsiteY111"/>
+              </a:cxn>
+              <a:cxn ang="0">
+                <a:pos x="connsiteX112" y="connsiteY112"/>
+              </a:cxn>
+              <a:cxn ang="0">
+                <a:pos x="connsiteX113" y="connsiteY113"/>
+              </a:cxn>
+              <a:cxn ang="0">
+                <a:pos x="connsiteX114" y="connsiteY114"/>
+              </a:cxn>
+              <a:cxn ang="0">
+                <a:pos x="connsiteX115" y="connsiteY115"/>
+              </a:cxn>
+              <a:cxn ang="0">
+                <a:pos x="connsiteX116" y="connsiteY116"/>
+              </a:cxn>
+              <a:cxn ang="0">
+                <a:pos x="connsiteX117" y="connsiteY117"/>
+              </a:cxn>
+              <a:cxn ang="0">
+                <a:pos x="connsiteX118" y="connsiteY118"/>
+              </a:cxn>
+              <a:cxn ang="0">
+                <a:pos x="connsiteX119" y="connsiteY119"/>
+              </a:cxn>
+              <a:cxn ang="0">
+                <a:pos x="connsiteX120" y="connsiteY120"/>
+              </a:cxn>
+              <a:cxn ang="0">
+                <a:pos x="connsiteX121" y="connsiteY121"/>
+              </a:cxn>
+              <a:cxn ang="0">
+                <a:pos x="connsiteX122" y="connsiteY122"/>
+              </a:cxn>
+              <a:cxn ang="0">
+                <a:pos x="connsiteX123" y="connsiteY123"/>
+              </a:cxn>
+              <a:cxn ang="0">
+                <a:pos x="connsiteX124" y="connsiteY124"/>
+              </a:cxn>
+              <a:cxn ang="0">
+                <a:pos x="connsiteX125" y="connsiteY125"/>
+              </a:cxn>
+              <a:cxn ang="0">
+                <a:pos x="connsiteX126" y="connsiteY126"/>
+              </a:cxn>
+              <a:cxn ang="0">
+                <a:pos x="connsiteX127" y="connsiteY127"/>
+              </a:cxn>
+              <a:cxn ang="0">
+                <a:pos x="connsiteX128" y="connsiteY128"/>
+              </a:cxn>
+              <a:cxn ang="0">
+                <a:pos x="connsiteX129" y="connsiteY129"/>
+              </a:cxn>
+              <a:cxn ang="0">
+                <a:pos x="connsiteX130" y="connsiteY130"/>
+              </a:cxn>
+              <a:cxn ang="0">
+                <a:pos x="connsiteX131" y="connsiteY131"/>
+              </a:cxn>
+              <a:cxn ang="0">
+                <a:pos x="connsiteX132" y="connsiteY132"/>
+              </a:cxn>
+              <a:cxn ang="0">
+                <a:pos x="connsiteX133" y="connsiteY133"/>
+              </a:cxn>
+              <a:cxn ang="0">
+                <a:pos x="connsiteX134" y="connsiteY134"/>
+              </a:cxn>
+              <a:cxn ang="0">
+                <a:pos x="connsiteX135" y="connsiteY135"/>
+              </a:cxn>
+              <a:cxn ang="0">
+                <a:pos x="connsiteX136" y="connsiteY136"/>
+              </a:cxn>
+              <a:cxn ang="0">
+                <a:pos x="connsiteX137" y="connsiteY137"/>
+              </a:cxn>
+              <a:cxn ang="0">
+                <a:pos x="connsiteX138" y="connsiteY138"/>
+              </a:cxn>
+              <a:cxn ang="0">
+                <a:pos x="connsiteX139" y="connsiteY139"/>
+              </a:cxn>
+              <a:cxn ang="0">
+                <a:pos x="connsiteX140" y="connsiteY140"/>
+              </a:cxn>
+              <a:cxn ang="0">
+                <a:pos x="connsiteX141" y="connsiteY141"/>
+              </a:cxn>
+              <a:cxn ang="0">
+                <a:pos x="connsiteX142" y="connsiteY142"/>
+              </a:cxn>
+              <a:cxn ang="0">
+                <a:pos x="connsiteX143" y="connsiteY143"/>
+              </a:cxn>
+              <a:cxn ang="0">
+                <a:pos x="connsiteX144" y="connsiteY144"/>
+              </a:cxn>
+              <a:cxn ang="0">
+                <a:pos x="connsiteX145" y="connsiteY145"/>
+              </a:cxn>
+              <a:cxn ang="0">
+                <a:pos x="connsiteX146" y="connsiteY146"/>
+              </a:cxn>
+              <a:cxn ang="0">
+                <a:pos x="connsiteX147" y="connsiteY147"/>
+              </a:cxn>
+              <a:cxn ang="0">
+                <a:pos x="connsiteX148" y="connsiteY148"/>
+              </a:cxn>
+              <a:cxn ang="0">
+                <a:pos x="connsiteX149" y="connsiteY149"/>
+              </a:cxn>
+              <a:cxn ang="0">
+                <a:pos x="connsiteX150" y="connsiteY150"/>
+              </a:cxn>
+              <a:cxn ang="0">
+                <a:pos x="connsiteX151" y="connsiteY151"/>
+              </a:cxn>
+              <a:cxn ang="0">
+                <a:pos x="connsiteX152" y="connsiteY152"/>
+              </a:cxn>
+              <a:cxn ang="0">
+                <a:pos x="connsiteX153" y="connsiteY153"/>
+              </a:cxn>
+              <a:cxn ang="0">
+                <a:pos x="connsiteX154" y="connsiteY154"/>
+              </a:cxn>
+              <a:cxn ang="0">
+                <a:pos x="connsiteX155" y="connsiteY155"/>
+              </a:cxn>
+              <a:cxn ang="0">
+                <a:pos x="connsiteX156" y="connsiteY156"/>
+              </a:cxn>
+              <a:cxn ang="0">
+                <a:pos x="connsiteX157" y="connsiteY157"/>
+              </a:cxn>
+              <a:cxn ang="0">
+                <a:pos x="connsiteX158" y="connsiteY158"/>
+              </a:cxn>
+              <a:cxn ang="0">
+                <a:pos x="connsiteX159" y="connsiteY159"/>
+              </a:cxn>
+              <a:cxn ang="0">
+                <a:pos x="connsiteX160" y="connsiteY160"/>
+              </a:cxn>
+              <a:cxn ang="0">
+                <a:pos x="connsiteX161" y="connsiteY161"/>
+              </a:cxn>
+              <a:cxn ang="0">
+                <a:pos x="connsiteX162" y="connsiteY162"/>
+              </a:cxn>
+              <a:cxn ang="0">
+                <a:pos x="connsiteX163" y="connsiteY163"/>
+              </a:cxn>
+              <a:cxn ang="0">
+                <a:pos x="connsiteX164" y="connsiteY164"/>
+              </a:cxn>
+              <a:cxn ang="0">
+                <a:pos x="connsiteX165" y="connsiteY165"/>
+              </a:cxn>
+              <a:cxn ang="0">
+                <a:pos x="connsiteX166" y="connsiteY166"/>
+              </a:cxn>
+              <a:cxn ang="0">
+                <a:pos x="connsiteX167" y="connsiteY167"/>
+              </a:cxn>
+              <a:cxn ang="0">
+                <a:pos x="connsiteX168" y="connsiteY168"/>
+              </a:cxn>
+              <a:cxn ang="0">
+                <a:pos x="connsiteX169" y="connsiteY169"/>
+              </a:cxn>
+              <a:cxn ang="0">
+                <a:pos x="connsiteX170" y="connsiteY170"/>
+              </a:cxn>
+              <a:cxn ang="0">
+                <a:pos x="connsiteX171" y="connsiteY171"/>
+              </a:cxn>
+              <a:cxn ang="0">
+                <a:pos x="connsiteX172" y="connsiteY172"/>
+              </a:cxn>
+              <a:cxn ang="0">
+                <a:pos x="connsiteX173" y="connsiteY173"/>
+              </a:cxn>
+              <a:cxn ang="0">
+                <a:pos x="connsiteX174" y="connsiteY174"/>
+              </a:cxn>
+              <a:cxn ang="0">
+                <a:pos x="connsiteX175" y="connsiteY175"/>
+              </a:cxn>
+              <a:cxn ang="0">
+                <a:pos x="connsiteX176" y="connsiteY176"/>
+              </a:cxn>
+              <a:cxn ang="0">
+                <a:pos x="connsiteX177" y="connsiteY177"/>
+              </a:cxn>
+              <a:cxn ang="0">
+                <a:pos x="connsiteX178" y="connsiteY178"/>
+              </a:cxn>
+              <a:cxn ang="0">
+                <a:pos x="connsiteX179" y="connsiteY179"/>
+              </a:cxn>
+              <a:cxn ang="0">
+                <a:pos x="connsiteX180" y="connsiteY180"/>
+              </a:cxn>
+              <a:cxn ang="0">
+                <a:pos x="connsiteX181" y="connsiteY181"/>
+              </a:cxn>
+              <a:cxn ang="0">
+                <a:pos x="connsiteX182" y="connsiteY182"/>
+              </a:cxn>
+              <a:cxn ang="0">
+                <a:pos x="connsiteX183" y="connsiteY183"/>
+              </a:cxn>
+              <a:cxn ang="0">
+                <a:pos x="connsiteX184" y="connsiteY184"/>
+              </a:cxn>
+              <a:cxn ang="0">
+                <a:pos x="connsiteX185" y="connsiteY185"/>
+              </a:cxn>
+              <a:cxn ang="0">
+                <a:pos x="connsiteX186" y="connsiteY186"/>
+              </a:cxn>
+              <a:cxn ang="0">
+                <a:pos x="connsiteX187" y="connsiteY187"/>
+              </a:cxn>
+              <a:cxn ang="0">
+                <a:pos x="connsiteX188" y="connsiteY188"/>
+              </a:cxn>
+              <a:cxn ang="0">
+                <a:pos x="connsiteX189" y="connsiteY189"/>
+              </a:cxn>
+              <a:cxn ang="0">
+                <a:pos x="connsiteX190" y="connsiteY190"/>
+              </a:cxn>
+              <a:cxn ang="0">
+                <a:pos x="connsiteX191" y="connsiteY191"/>
+              </a:cxn>
+              <a:cxn ang="0">
+                <a:pos x="connsiteX192" y="connsiteY192"/>
+              </a:cxn>
+              <a:cxn ang="0">
+                <a:pos x="connsiteX193" y="connsiteY193"/>
+              </a:cxn>
+              <a:cxn ang="0">
+                <a:pos x="connsiteX194" y="connsiteY194"/>
+              </a:cxn>
+              <a:cxn ang="0">
+                <a:pos x="connsiteX195" y="connsiteY195"/>
+              </a:cxn>
+              <a:cxn ang="0">
+                <a:pos x="connsiteX196" y="connsiteY196"/>
+              </a:cxn>
+              <a:cxn ang="0">
+                <a:pos x="connsiteX197" y="connsiteY197"/>
+              </a:cxn>
+              <a:cxn ang="0">
+                <a:pos x="connsiteX198" y="connsiteY198"/>
+              </a:cxn>
+              <a:cxn ang="0">
+                <a:pos x="connsiteX199" y="connsiteY199"/>
+              </a:cxn>
+              <a:cxn ang="0">
+                <a:pos x="connsiteX200" y="connsiteY200"/>
+              </a:cxn>
+              <a:cxn ang="0">
+                <a:pos x="connsiteX201" y="connsiteY201"/>
+              </a:cxn>
+              <a:cxn ang="0">
+                <a:pos x="connsiteX202" y="connsiteY202"/>
+              </a:cxn>
+              <a:cxn ang="0">
+                <a:pos x="connsiteX203" y="connsiteY203"/>
+              </a:cxn>
+              <a:cxn ang="0">
+                <a:pos x="connsiteX204" y="connsiteY204"/>
+              </a:cxn>
+              <a:cxn ang="0">
+                <a:pos x="connsiteX205" y="connsiteY205"/>
+              </a:cxn>
+              <a:cxn ang="0">
+                <a:pos x="connsiteX206" y="connsiteY206"/>
+              </a:cxn>
+              <a:cxn ang="0">
+                <a:pos x="connsiteX207" y="connsiteY207"/>
+              </a:cxn>
+              <a:cxn ang="0">
+                <a:pos x="connsiteX208" y="connsiteY208"/>
+              </a:cxn>
+              <a:cxn ang="0">
+                <a:pos x="connsiteX209" y="connsiteY209"/>
+              </a:cxn>
+              <a:cxn ang="0">
+                <a:pos x="connsiteX210" y="connsiteY210"/>
+              </a:cxn>
+              <a:cxn ang="0">
+                <a:pos x="connsiteX211" y="connsiteY211"/>
+              </a:cxn>
+              <a:cxn ang="0">
+                <a:pos x="connsiteX212" y="connsiteY212"/>
+              </a:cxn>
+            </a:cxnLst>
+            <a:rect l="l" t="t" r="r" b="b"/>
+            <a:pathLst>
+              <a:path w="12192000" h="6858000">
+                <a:moveTo>
+                  <a:pt x="5947992" y="2457985"/>
+                </a:moveTo>
+                <a:cubicBezTo>
+                  <a:pt x="5940097" y="2457729"/>
+                  <a:pt x="5932472" y="2460803"/>
+                  <a:pt x="5926156" y="2472983"/>
+                </a:cubicBezTo>
+                <a:cubicBezTo>
+                  <a:pt x="5959722" y="2505081"/>
+                  <a:pt x="6002495" y="2493015"/>
+                  <a:pt x="6047792" y="2529213"/>
+                </a:cubicBezTo>
+                <a:cubicBezTo>
+                  <a:pt x="5974160" y="2517829"/>
+                  <a:pt x="5915867" y="2508723"/>
+                  <a:pt x="5857576" y="2499619"/>
+                </a:cubicBezTo>
+                <a:cubicBezTo>
+                  <a:pt x="5856491" y="2505992"/>
+                  <a:pt x="5855409" y="2512367"/>
+                  <a:pt x="5854328" y="2518740"/>
+                </a:cubicBezTo>
+                <a:cubicBezTo>
+                  <a:pt x="5928861" y="2532172"/>
+                  <a:pt x="5997802" y="2566775"/>
+                  <a:pt x="6070351" y="2591134"/>
+                </a:cubicBezTo>
+                <a:cubicBezTo>
+                  <a:pt x="6063673" y="2606161"/>
+                  <a:pt x="6056996" y="2603200"/>
+                  <a:pt x="6051040" y="2602290"/>
+                </a:cubicBezTo>
+                <a:cubicBezTo>
+                  <a:pt x="6012239" y="2596370"/>
+                  <a:pt x="5973439" y="2590453"/>
+                  <a:pt x="5936261" y="2574288"/>
+                </a:cubicBezTo>
+                <a:cubicBezTo>
+                  <a:pt x="5927960" y="2570644"/>
+                  <a:pt x="5917853" y="2570644"/>
+                  <a:pt x="5913160" y="2581573"/>
+                </a:cubicBezTo>
+                <a:cubicBezTo>
+                  <a:pt x="5906483" y="2597054"/>
+                  <a:pt x="5916047" y="2607071"/>
+                  <a:pt x="5924531" y="2615492"/>
+                </a:cubicBezTo>
+                <a:cubicBezTo>
+                  <a:pt x="5939329" y="2630063"/>
+                  <a:pt x="5957196" y="2625966"/>
+                  <a:pt x="5974341" y="2628696"/>
+                </a:cubicBezTo>
+                <a:cubicBezTo>
+                  <a:pt x="6019999" y="2635754"/>
+                  <a:pt x="6041837" y="2657837"/>
+                  <a:pt x="6051944" y="2708377"/>
+                </a:cubicBezTo>
+                <a:cubicBezTo>
+                  <a:pt x="6011879" y="2687887"/>
+                  <a:pt x="5973256" y="2713157"/>
+                  <a:pt x="5934457" y="2698814"/>
+                </a:cubicBezTo>
+                <a:cubicBezTo>
+                  <a:pt x="5924351" y="2695173"/>
+                  <a:pt x="5908288" y="2700635"/>
+                  <a:pt x="5913702" y="2718165"/>
+                </a:cubicBezTo>
+                <a:cubicBezTo>
+                  <a:pt x="5918755" y="2734556"/>
+                  <a:pt x="5935540" y="2746393"/>
+                  <a:pt x="5905761" y="2743207"/>
+                </a:cubicBezTo>
+                <a:cubicBezTo>
+                  <a:pt x="5884465" y="2740930"/>
+                  <a:pt x="5842778" y="2759370"/>
+                  <a:pt x="5860282" y="2763923"/>
+                </a:cubicBezTo>
+                <a:cubicBezTo>
+                  <a:pt x="5882300" y="2769615"/>
+                  <a:pt x="5903777" y="2777811"/>
+                  <a:pt x="5931750" y="2787144"/>
+                </a:cubicBezTo>
+                <a:cubicBezTo>
+                  <a:pt x="5900888" y="2802395"/>
+                  <a:pt x="5878690" y="2799208"/>
+                  <a:pt x="5855409" y="2787144"/>
+                </a:cubicBezTo>
+                <a:cubicBezTo>
+                  <a:pt x="5827256" y="2772574"/>
+                  <a:pt x="5790619" y="2754817"/>
+                  <a:pt x="5767701" y="2771209"/>
+                </a:cubicBezTo>
+                <a:cubicBezTo>
+                  <a:pt x="5733410" y="2795794"/>
+                  <a:pt x="5704896" y="2780314"/>
+                  <a:pt x="5674216" y="2776216"/>
+                </a:cubicBezTo>
+                <a:cubicBezTo>
+                  <a:pt x="5611774" y="2767792"/>
+                  <a:pt x="5549872" y="2753678"/>
+                  <a:pt x="5487249" y="2746850"/>
+                </a:cubicBezTo>
+                <a:cubicBezTo>
+                  <a:pt x="5462163" y="2744118"/>
+                  <a:pt x="5435093" y="2731143"/>
+                  <a:pt x="5398276" y="2748898"/>
+                </a:cubicBezTo>
+                <a:cubicBezTo>
+                  <a:pt x="5565032" y="2839732"/>
+                  <a:pt x="5744058" y="2834041"/>
+                  <a:pt x="5892947" y="2946502"/>
+                </a:cubicBezTo>
+                <a:cubicBezTo>
+                  <a:pt x="5886631" y="2957201"/>
+                  <a:pt x="5854508" y="2987707"/>
+                  <a:pt x="5867682" y="2989983"/>
+                </a:cubicBezTo>
+                <a:cubicBezTo>
+                  <a:pt x="5904678" y="2996585"/>
+                  <a:pt x="5937523" y="3018895"/>
+                  <a:pt x="5971273" y="3037335"/>
+                </a:cubicBezTo>
+                <a:cubicBezTo>
+                  <a:pt x="5985891" y="3045302"/>
+                  <a:pt x="6003576" y="3055776"/>
+                  <a:pt x="5996719" y="3084231"/>
+                </a:cubicBezTo>
+                <a:cubicBezTo>
+                  <a:pt x="5984267" y="3092199"/>
+                  <a:pt x="5975063" y="3081044"/>
+                  <a:pt x="5964776" y="3080134"/>
+                </a:cubicBezTo>
+                <a:cubicBezTo>
+                  <a:pt x="5954308" y="3079224"/>
+                  <a:pt x="5930847" y="3085141"/>
+                  <a:pt x="5937344" y="3089012"/>
+                </a:cubicBezTo>
+                <a:cubicBezTo>
+                  <a:pt x="5966942" y="3106542"/>
+                  <a:pt x="5913702" y="3148657"/>
+                  <a:pt x="5948713" y="3148657"/>
+                </a:cubicBezTo>
+                <a:cubicBezTo>
+                  <a:pt x="6007366" y="3148884"/>
+                  <a:pt x="6038588" y="3223555"/>
+                  <a:pt x="6095075" y="3225605"/>
+                </a:cubicBezTo>
+                <a:cubicBezTo>
+                  <a:pt x="6104098" y="3225831"/>
+                  <a:pt x="6108430" y="3239035"/>
+                  <a:pt x="6108249" y="3250646"/>
+                </a:cubicBezTo>
+                <a:cubicBezTo>
+                  <a:pt x="6108249" y="3264533"/>
+                  <a:pt x="6099948" y="3267037"/>
+                  <a:pt x="6090744" y="3268403"/>
+                </a:cubicBezTo>
+                <a:cubicBezTo>
+                  <a:pt x="6076667" y="3270451"/>
+                  <a:pt x="6062049" y="3250646"/>
+                  <a:pt x="6043461" y="3277509"/>
+                </a:cubicBezTo>
+                <a:cubicBezTo>
+                  <a:pt x="6076847" y="3293216"/>
+                  <a:pt x="6110234" y="3308925"/>
+                  <a:pt x="6109692" y="3362879"/>
+                </a:cubicBezTo>
+                <a:cubicBezTo>
+                  <a:pt x="6109513" y="3377448"/>
+                  <a:pt x="6123409" y="3382912"/>
+                  <a:pt x="6133877" y="3386554"/>
+                </a:cubicBezTo>
+                <a:cubicBezTo>
+                  <a:pt x="6151202" y="3392474"/>
+                  <a:pt x="6165818" y="3402946"/>
+                  <a:pt x="6175205" y="3423208"/>
+                </a:cubicBezTo>
+                <a:cubicBezTo>
+                  <a:pt x="6175023" y="3427077"/>
+                  <a:pt x="6174842" y="3431175"/>
+                  <a:pt x="6175926" y="3434363"/>
+                </a:cubicBezTo>
+                <a:cubicBezTo>
+                  <a:pt x="6172859" y="3483307"/>
+                  <a:pt x="6147593" y="3481940"/>
+                  <a:pt x="6119620" y="3473747"/>
+                </a:cubicBezTo>
+                <a:cubicBezTo>
+                  <a:pt x="6086232" y="3463729"/>
+                  <a:pt x="6053206" y="3445516"/>
+                  <a:pt x="6018015" y="3463046"/>
+                </a:cubicBezTo>
+                <a:cubicBezTo>
+                  <a:pt x="6067646" y="3486494"/>
+                  <a:pt x="6121605" y="3488316"/>
+                  <a:pt x="6168166" y="3521781"/>
+                </a:cubicBezTo>
+                <a:cubicBezTo>
+                  <a:pt x="5997802" y="3527928"/>
+                  <a:pt x="5847289" y="3422296"/>
+                  <a:pt x="5682157" y="3381775"/>
+                </a:cubicBezTo>
+                <a:cubicBezTo>
+                  <a:pt x="5687753" y="3408864"/>
+                  <a:pt x="5701106" y="3414328"/>
+                  <a:pt x="5713198" y="3418426"/>
+                </a:cubicBezTo>
+                <a:cubicBezTo>
+                  <a:pt x="5774197" y="3438916"/>
+                  <a:pt x="5827616" y="3479666"/>
+                  <a:pt x="5883202" y="3514950"/>
+                </a:cubicBezTo>
+                <a:cubicBezTo>
+                  <a:pt x="5906121" y="3529520"/>
+                  <a:pt x="5922726" y="3544092"/>
+                  <a:pt x="5931387" y="3575508"/>
+                </a:cubicBezTo>
+                <a:cubicBezTo>
+                  <a:pt x="5939149" y="3603965"/>
+                  <a:pt x="5954128" y="3617168"/>
+                  <a:pt x="5981919" y="3608971"/>
+                </a:cubicBezTo>
+                <a:cubicBezTo>
+                  <a:pt x="6004478" y="3602142"/>
+                  <a:pt x="6029202" y="3605784"/>
+                  <a:pt x="6052845" y="3608290"/>
+                </a:cubicBezTo>
+                <a:cubicBezTo>
+                  <a:pt x="6080096" y="3611021"/>
+                  <a:pt x="6110596" y="3643120"/>
+                  <a:pt x="6103196" y="3659739"/>
+                </a:cubicBezTo>
+                <a:cubicBezTo>
+                  <a:pt x="6090564" y="3687968"/>
+                  <a:pt x="6069448" y="3673853"/>
+                  <a:pt x="6050680" y="3670666"/>
+                </a:cubicBezTo>
+                <a:cubicBezTo>
+                  <a:pt x="6029383" y="3666796"/>
+                  <a:pt x="5989861" y="3658828"/>
+                  <a:pt x="5989139" y="3662243"/>
+                </a:cubicBezTo>
+                <a:cubicBezTo>
+                  <a:pt x="5975242" y="3733043"/>
+                  <a:pt x="5877426" y="3671351"/>
+                  <a:pt x="5856311" y="3664973"/>
+                </a:cubicBezTo>
+                <a:cubicBezTo>
+                  <a:pt x="5829964" y="3657007"/>
+                  <a:pt x="5805239" y="3671577"/>
+                  <a:pt x="5780153" y="3674991"/>
+                </a:cubicBezTo>
+                <a:cubicBezTo>
+                  <a:pt x="5757776" y="3678178"/>
+                  <a:pt x="5631264" y="3687968"/>
+                  <a:pt x="5605096" y="3657917"/>
+                </a:cubicBezTo>
+                <a:cubicBezTo>
+                  <a:pt x="5601487" y="3681365"/>
+                  <a:pt x="5609066" y="3690927"/>
+                  <a:pt x="5615384" y="3701627"/>
+                </a:cubicBezTo>
+                <a:cubicBezTo>
+                  <a:pt x="5624226" y="3716879"/>
+                  <a:pt x="5625670" y="3727579"/>
+                  <a:pt x="5608886" y="3739645"/>
+                </a:cubicBezTo>
+                <a:cubicBezTo>
+                  <a:pt x="5561061" y="3774249"/>
+                  <a:pt x="5561784" y="3775386"/>
+                  <a:pt x="5606359" y="3822284"/>
+                </a:cubicBezTo>
+                <a:cubicBezTo>
+                  <a:pt x="5608526" y="3824332"/>
+                  <a:pt x="5607622" y="3831162"/>
+                  <a:pt x="5607984" y="3835716"/>
+                </a:cubicBezTo>
+                <a:cubicBezTo>
+                  <a:pt x="5596254" y="3843000"/>
+                  <a:pt x="5582537" y="3824787"/>
+                  <a:pt x="5568822" y="3844366"/>
+                </a:cubicBezTo>
+                <a:cubicBezTo>
+                  <a:pt x="5628557" y="3930418"/>
+                  <a:pt x="5719696" y="3951589"/>
+                  <a:pt x="5802171" y="4016244"/>
+                </a:cubicBezTo>
+                <a:cubicBezTo>
+                  <a:pt x="5735397" y="4037643"/>
+                  <a:pt x="5695332" y="3962973"/>
+                  <a:pt x="5646244" y="3972534"/>
+                </a:cubicBezTo>
+                <a:cubicBezTo>
+                  <a:pt x="5621699" y="3995983"/>
+                  <a:pt x="5694611" y="4033546"/>
+                  <a:pt x="5625129" y="4044701"/>
+                </a:cubicBezTo>
+                <a:cubicBezTo>
+                  <a:pt x="5655268" y="4065189"/>
+                  <a:pt x="5677646" y="4085221"/>
+                  <a:pt x="5698400" y="4108899"/>
+                </a:cubicBezTo>
+                <a:cubicBezTo>
+                  <a:pt x="5735397" y="4151242"/>
+                  <a:pt x="5742615" y="4179015"/>
+                  <a:pt x="5725470" y="4235930"/>
+                </a:cubicBezTo>
+                <a:cubicBezTo>
+                  <a:pt x="5714280" y="4273265"/>
+                  <a:pt x="5697858" y="4307641"/>
+                  <a:pt x="5712295" y="4352032"/>
+                </a:cubicBezTo>
+                <a:cubicBezTo>
+                  <a:pt x="5722402" y="4382538"/>
+                  <a:pt x="5718431" y="4402571"/>
+                  <a:pt x="5680894" y="4388911"/>
+                </a:cubicBezTo>
+                <a:cubicBezTo>
+                  <a:pt x="5640469" y="4374341"/>
+                  <a:pt x="5625311" y="4401660"/>
+                  <a:pt x="5635415" y="4455158"/>
+                </a:cubicBezTo>
+                <a:cubicBezTo>
+                  <a:pt x="5641912" y="4489535"/>
+                  <a:pt x="5635053" y="4500006"/>
+                  <a:pt x="5607263" y="4496136"/>
+                </a:cubicBezTo>
+                <a:cubicBezTo>
+                  <a:pt x="5576581" y="4491811"/>
+                  <a:pt x="5547347" y="4469272"/>
+                  <a:pt x="5509446" y="4480201"/>
+                </a:cubicBezTo>
+                <a:cubicBezTo>
+                  <a:pt x="5539765" y="4542578"/>
+                  <a:pt x="5604556" y="4524821"/>
+                  <a:pt x="5639928" y="4584239"/>
+                </a:cubicBezTo>
+                <a:cubicBezTo>
+                  <a:pt x="5597697" y="4584465"/>
+                  <a:pt x="5565392" y="4584239"/>
+                  <a:pt x="5534171" y="4571262"/>
+                </a:cubicBezTo>
+                <a:cubicBezTo>
+                  <a:pt x="5521177" y="4566025"/>
+                  <a:pt x="5506919" y="4560563"/>
+                  <a:pt x="5499701" y="4578547"/>
+                </a:cubicBezTo>
+                <a:cubicBezTo>
+                  <a:pt x="5491219" y="4600174"/>
+                  <a:pt x="5508725" y="4608370"/>
+                  <a:pt x="5519373" y="4612239"/>
+                </a:cubicBezTo>
+                <a:cubicBezTo>
+                  <a:pt x="5549331" y="4623167"/>
+                  <a:pt x="5572251" y="4649119"/>
+                  <a:pt x="5596974" y="4669379"/>
+                </a:cubicBezTo>
+                <a:cubicBezTo>
+                  <a:pt x="5651296" y="4713773"/>
+                  <a:pt x="5710854" y="4750880"/>
+                  <a:pt x="5756873" y="4824185"/>
+                </a:cubicBezTo>
+                <a:cubicBezTo>
+                  <a:pt x="5698941" y="4805517"/>
+                  <a:pt x="5655808" y="4762036"/>
+                  <a:pt x="5602028" y="4753158"/>
+                </a:cubicBezTo>
+                <a:cubicBezTo>
+                  <a:pt x="5648590" y="4819860"/>
+                  <a:pt x="5708506" y="4863796"/>
+                  <a:pt x="5765173" y="4912286"/>
+                </a:cubicBezTo>
+                <a:cubicBezTo>
+                  <a:pt x="5781416" y="4925946"/>
+                  <a:pt x="5797839" y="4935280"/>
+                  <a:pt x="5801450" y="4965101"/>
+                </a:cubicBezTo>
+                <a:cubicBezTo>
+                  <a:pt x="5808487" y="5022926"/>
+                  <a:pt x="5829602" y="5070733"/>
+                  <a:pt x="5874721" y="5096229"/>
+                </a:cubicBezTo>
+                <a:cubicBezTo>
+                  <a:pt x="5875080" y="5096458"/>
+                  <a:pt x="5872555" y="5105110"/>
+                  <a:pt x="5871110" y="5111026"/>
+                </a:cubicBezTo>
+                <a:cubicBezTo>
+                  <a:pt x="5843499" y="5112849"/>
+                  <a:pt x="5821663" y="5078700"/>
+                  <a:pt x="5786469" y="5089855"/>
+                </a:cubicBezTo>
+                <a:cubicBezTo>
+                  <a:pt x="5820218" y="5136296"/>
+                  <a:pt x="5848372" y="5177958"/>
+                  <a:pt x="5896196" y="5200041"/>
+                </a:cubicBezTo>
+                <a:cubicBezTo>
+                  <a:pt x="5934457" y="5217568"/>
+                  <a:pt x="5981739" y="5227813"/>
+                  <a:pt x="6009534" y="5284725"/>
+                </a:cubicBezTo>
+                <a:cubicBezTo>
+                  <a:pt x="5977228" y="5295882"/>
+                  <a:pt x="5953224" y="5281769"/>
+                  <a:pt x="5929042" y="5271751"/>
+                </a:cubicBezTo>
+                <a:cubicBezTo>
+                  <a:pt x="5892045" y="5256270"/>
+                  <a:pt x="5855409" y="5238742"/>
+                  <a:pt x="5818413" y="5223260"/>
+                </a:cubicBezTo>
+                <a:cubicBezTo>
+                  <a:pt x="5804336" y="5217341"/>
+                  <a:pt x="5788996" y="5213242"/>
+                  <a:pt x="5779973" y="5241473"/>
+                </a:cubicBezTo>
+                <a:cubicBezTo>
+                  <a:pt x="5827077" y="5247392"/>
+                  <a:pt x="5855230" y="5285637"/>
+                  <a:pt x="5884826" y="5321606"/>
+                </a:cubicBezTo>
+                <a:cubicBezTo>
+                  <a:pt x="5901430" y="5341868"/>
+                  <a:pt x="5914966" y="5368959"/>
+                  <a:pt x="5944924" y="5358715"/>
+                </a:cubicBezTo>
+                <a:cubicBezTo>
+                  <a:pt x="5960626" y="5353252"/>
+                  <a:pt x="5970550" y="5368502"/>
+                  <a:pt x="5968926" y="5387170"/>
+                </a:cubicBezTo>
+                <a:cubicBezTo>
+                  <a:pt x="5962971" y="5452963"/>
+                  <a:pt x="5999606" y="5475955"/>
+                  <a:pt x="6037505" y="5488704"/>
+                </a:cubicBezTo>
+                <a:cubicBezTo>
+                  <a:pt x="6109333" y="5512608"/>
+                  <a:pt x="6169069" y="5568837"/>
+                  <a:pt x="6238910" y="5599571"/>
+                </a:cubicBezTo>
+                <a:cubicBezTo>
+                  <a:pt x="6306768" y="5629394"/>
+                  <a:pt x="6359285" y="5700193"/>
+                  <a:pt x="6427321" y="5737302"/>
+                </a:cubicBezTo>
+                <a:cubicBezTo>
+                  <a:pt x="6476592" y="5764165"/>
+                  <a:pt x="6523694" y="5798767"/>
+                  <a:pt x="6574408" y="5823126"/>
+                </a:cubicBezTo>
+                <a:cubicBezTo>
+                  <a:pt x="6694419" y="5880723"/>
+                  <a:pt x="6816779" y="5926936"/>
+                  <a:pt x="6946177" y="5933538"/>
+                </a:cubicBezTo>
+                <a:cubicBezTo>
+                  <a:pt x="7053016" y="5938775"/>
+                  <a:pt x="7979734" y="5933767"/>
+                  <a:pt x="8356197" y="5184561"/>
+                </a:cubicBezTo>
+                <a:cubicBezTo>
+                  <a:pt x="8363416" y="5180917"/>
+                  <a:pt x="8371536" y="5171356"/>
+                  <a:pt x="8374063" y="5162249"/>
+                </a:cubicBezTo>
+                <a:cubicBezTo>
+                  <a:pt x="8386155" y="5119678"/>
+                  <a:pt x="8415752" y="5101238"/>
+                  <a:pt x="8442461" y="5078246"/>
+                </a:cubicBezTo>
+                <a:cubicBezTo>
+                  <a:pt x="8465923" y="5057984"/>
+                  <a:pt x="8490829" y="5036813"/>
+                  <a:pt x="8500574" y="5002664"/>
+                </a:cubicBezTo>
+                <a:cubicBezTo>
+                  <a:pt x="8513388" y="4957134"/>
+                  <a:pt x="8476933" y="4994469"/>
+                  <a:pt x="8470255" y="4977167"/>
+                </a:cubicBezTo>
+                <a:cubicBezTo>
+                  <a:pt x="8484151" y="4953492"/>
+                  <a:pt x="8505628" y="4931864"/>
+                  <a:pt x="8511222" y="4905001"/>
+                </a:cubicBezTo>
+                <a:cubicBezTo>
+                  <a:pt x="8531614" y="4808021"/>
+                  <a:pt x="8575650" y="4737448"/>
+                  <a:pt x="8641522" y="4682584"/>
+                </a:cubicBezTo>
+                <a:cubicBezTo>
+                  <a:pt x="8660471" y="4666876"/>
+                  <a:pt x="8672923" y="4638191"/>
+                  <a:pt x="8698730" y="4633640"/>
+                </a:cubicBezTo>
+                <a:cubicBezTo>
+                  <a:pt x="8756120" y="4623622"/>
+                  <a:pt x="8738073" y="4545310"/>
+                  <a:pt x="8768393" y="4510479"/>
+                </a:cubicBezTo>
+                <a:cubicBezTo>
+                  <a:pt x="8774168" y="4503875"/>
+                  <a:pt x="8779401" y="4490901"/>
+                  <a:pt x="8778319" y="4482024"/>
+                </a:cubicBezTo>
+                <a:cubicBezTo>
+                  <a:pt x="8776696" y="4469272"/>
+                  <a:pt x="8769837" y="4457207"/>
+                  <a:pt x="8764062" y="4445824"/>
+                </a:cubicBezTo>
+                <a:cubicBezTo>
+                  <a:pt x="8758106" y="4434442"/>
+                  <a:pt x="8749083" y="4424425"/>
+                  <a:pt x="8753414" y="4409400"/>
+                </a:cubicBezTo>
+                <a:cubicBezTo>
+                  <a:pt x="8755217" y="4403254"/>
+                  <a:pt x="8753956" y="4381855"/>
+                  <a:pt x="8767310" y="4398700"/>
+                </a:cubicBezTo>
+                <a:cubicBezTo>
+                  <a:pt x="8803945" y="4444915"/>
+                  <a:pt x="8825242" y="4401206"/>
+                  <a:pt x="8856643" y="4380261"/>
+                </a:cubicBezTo>
+                <a:cubicBezTo>
+                  <a:pt x="8831377" y="4358633"/>
+                  <a:pt x="8808638" y="4343381"/>
+                  <a:pt x="8804848" y="4311055"/>
+                </a:cubicBezTo>
+                <a:cubicBezTo>
+                  <a:pt x="8797088" y="4244352"/>
+                  <a:pt x="8763883" y="4213847"/>
+                  <a:pt x="8713530" y="4207927"/>
+                </a:cubicBezTo>
+                <a:cubicBezTo>
+                  <a:pt x="8732118" y="4143502"/>
+                  <a:pt x="8732118" y="4143502"/>
+                  <a:pt x="8672022" y="4134623"/>
+                </a:cubicBezTo>
+                <a:cubicBezTo>
+                  <a:pt x="8695122" y="4093646"/>
+                  <a:pt x="8695122" y="4083174"/>
+                  <a:pt x="8667148" y="4069059"/>
+                </a:cubicBezTo>
+                <a:cubicBezTo>
+                  <a:pt x="8640258" y="4055627"/>
+                  <a:pt x="8610481" y="4051074"/>
+                  <a:pt x="8585575" y="4030359"/>
+                </a:cubicBezTo>
+                <a:cubicBezTo>
+                  <a:pt x="8608496" y="3977998"/>
+                  <a:pt x="8614992" y="3917215"/>
+                  <a:pt x="8662275" y="3891717"/>
+                </a:cubicBezTo>
+                <a:cubicBezTo>
+                  <a:pt x="8669675" y="3887847"/>
+                  <a:pt x="8674728" y="3872139"/>
+                  <a:pt x="8670037" y="3863033"/>
+                </a:cubicBezTo>
+                <a:cubicBezTo>
+                  <a:pt x="8652891" y="3830024"/>
+                  <a:pt x="8677435" y="3767419"/>
+                  <a:pt x="8624017" y="3760362"/>
+                </a:cubicBezTo>
+                <a:cubicBezTo>
+                  <a:pt x="8617338" y="3759679"/>
+                  <a:pt x="8611202" y="3752848"/>
+                  <a:pt x="8616436" y="3743970"/>
+                </a:cubicBezTo>
+                <a:cubicBezTo>
+                  <a:pt x="8634484" y="3713010"/>
+                  <a:pt x="8612646" y="3715058"/>
+                  <a:pt x="8599473" y="3711188"/>
+                </a:cubicBezTo>
+                <a:cubicBezTo>
+                  <a:pt x="8583590" y="3706409"/>
+                  <a:pt x="8565543" y="3720067"/>
+                  <a:pt x="8550745" y="3703220"/>
+                </a:cubicBezTo>
+                <a:cubicBezTo>
+                  <a:pt x="8554174" y="3685463"/>
+                  <a:pt x="8566987" y="3685690"/>
+                  <a:pt x="8576010" y="3680000"/>
+                </a:cubicBezTo>
+                <a:cubicBezTo>
+                  <a:pt x="8602359" y="3663608"/>
+                  <a:pt x="8623836" y="3644031"/>
+                  <a:pt x="8625100" y="3601459"/>
+                </a:cubicBezTo>
+                <a:cubicBezTo>
+                  <a:pt x="8626001" y="3567084"/>
+                  <a:pt x="8628889" y="3536807"/>
+                  <a:pt x="8592433" y="3526333"/>
+                </a:cubicBezTo>
+                <a:cubicBezTo>
+                  <a:pt x="8577274" y="3522007"/>
+                  <a:pt x="8581606" y="3497194"/>
+                  <a:pt x="8590269" y="3484900"/>
+                </a:cubicBezTo>
+                <a:cubicBezTo>
+                  <a:pt x="8605789" y="3463046"/>
+                  <a:pt x="8618601" y="3433907"/>
+                  <a:pt x="8645312" y="3431858"/>
+                </a:cubicBezTo>
+                <a:cubicBezTo>
+                  <a:pt x="8661554" y="3430493"/>
+                  <a:pt x="8674007" y="3421385"/>
+                  <a:pt x="8686820" y="3410914"/>
+                </a:cubicBezTo>
+                <a:cubicBezTo>
+                  <a:pt x="8696024" y="3403399"/>
+                  <a:pt x="8707033" y="3397026"/>
+                  <a:pt x="8705950" y="3380864"/>
+                </a:cubicBezTo>
+                <a:cubicBezTo>
+                  <a:pt x="8704867" y="3365383"/>
+                  <a:pt x="8694220" y="3359009"/>
+                  <a:pt x="8683391" y="3355822"/>
+                </a:cubicBezTo>
+                <a:cubicBezTo>
+                  <a:pt x="8647296" y="3345578"/>
+                  <a:pt x="8613369" y="3330552"/>
+                  <a:pt x="8583229" y="3296177"/>
+                </a:cubicBezTo>
+                <a:cubicBezTo>
+                  <a:pt x="8603262" y="3277964"/>
+                  <a:pt x="8622392" y="3264761"/>
+                  <a:pt x="8637190" y="3246320"/>
+                </a:cubicBezTo>
+                <a:cubicBezTo>
+                  <a:pt x="8672923" y="3201702"/>
+                  <a:pt x="8370273" y="3061239"/>
+                  <a:pt x="8355114" y="3011154"/>
+                </a:cubicBezTo>
+                <a:cubicBezTo>
+                  <a:pt x="8350422" y="2995674"/>
+                  <a:pt x="8334361" y="2979739"/>
+                  <a:pt x="8321004" y="2975186"/>
+                </a:cubicBezTo>
+                <a:cubicBezTo>
+                  <a:pt x="8258382" y="2953786"/>
+                  <a:pt x="8204061" y="2905750"/>
+                  <a:pt x="8139993" y="2887993"/>
+                </a:cubicBezTo>
+                <a:cubicBezTo>
+                  <a:pt x="8079535" y="2871148"/>
+                  <a:pt x="8019980" y="2848609"/>
+                  <a:pt x="7953747" y="2826301"/>
+                </a:cubicBezTo>
+                <a:cubicBezTo>
+                  <a:pt x="7994353" y="2770297"/>
+                  <a:pt x="8066361" y="2776900"/>
+                  <a:pt x="8083145" y="2696083"/>
+                </a:cubicBezTo>
+                <a:cubicBezTo>
+                  <a:pt x="8017633" y="2675138"/>
+                  <a:pt x="7948695" y="2699043"/>
+                  <a:pt x="7885529" y="2665804"/>
+                </a:cubicBezTo>
+                <a:cubicBezTo>
+                  <a:pt x="7880115" y="2662846"/>
+                  <a:pt x="7872715" y="2665804"/>
+                  <a:pt x="7866219" y="2666715"/>
+                </a:cubicBezTo>
+                <a:cubicBezTo>
+                  <a:pt x="7736099" y="2684472"/>
+                  <a:pt x="7606520" y="2668993"/>
+                  <a:pt x="7478205" y="2646681"/>
+                </a:cubicBezTo>
+                <a:cubicBezTo>
+                  <a:pt x="7293403" y="2614811"/>
+                  <a:pt x="7107878" y="2594550"/>
+                  <a:pt x="6921993" y="2580207"/>
+                </a:cubicBezTo>
+                <a:cubicBezTo>
+                  <a:pt x="6768412" y="2568368"/>
+                  <a:pt x="6614471" y="2563133"/>
+                  <a:pt x="6461612" y="2540368"/>
+                </a:cubicBezTo>
+                <a:cubicBezTo>
+                  <a:pt x="6298106" y="2516010"/>
+                  <a:pt x="6134780" y="2488463"/>
+                  <a:pt x="5971453" y="2462965"/>
+                </a:cubicBezTo>
+                <a:cubicBezTo>
+                  <a:pt x="5964054" y="2461826"/>
+                  <a:pt x="5955887" y="2458241"/>
+                  <a:pt x="5947992" y="2457985"/>
+                </a:cubicBezTo>
+                <a:close/>
+                <a:moveTo>
+                  <a:pt x="0" y="0"/>
+                </a:moveTo>
+                <a:lnTo>
+                  <a:pt x="8078332" y="0"/>
+                </a:lnTo>
+                <a:lnTo>
+                  <a:pt x="8051806" y="19899"/>
+                </a:lnTo>
+                <a:cubicBezTo>
+                  <a:pt x="8010559" y="45723"/>
+                  <a:pt x="7966035" y="59669"/>
+                  <a:pt x="7919411" y="69998"/>
+                </a:cubicBezTo>
+                <a:cubicBezTo>
+                  <a:pt x="7900760" y="74283"/>
+                  <a:pt x="7882423" y="82852"/>
+                  <a:pt x="7880558" y="103665"/>
+                </a:cubicBezTo>
+                <a:cubicBezTo>
+                  <a:pt x="7878694" y="125395"/>
+                  <a:pt x="7897654" y="133963"/>
+                  <a:pt x="7913505" y="144066"/>
+                </a:cubicBezTo>
+                <a:cubicBezTo>
+                  <a:pt x="7935573" y="158143"/>
+                  <a:pt x="7957019" y="170388"/>
+                  <a:pt x="7984993" y="172224"/>
+                </a:cubicBezTo>
+                <a:cubicBezTo>
+                  <a:pt x="8030996" y="174978"/>
+                  <a:pt x="8053062" y="214154"/>
+                  <a:pt x="8079793" y="243535"/>
+                </a:cubicBezTo>
+                <a:cubicBezTo>
+                  <a:pt x="8094711" y="260064"/>
+                  <a:pt x="8102173" y="293423"/>
+                  <a:pt x="8076065" y="299239"/>
+                </a:cubicBezTo>
+                <a:cubicBezTo>
+                  <a:pt x="8013279" y="313320"/>
+                  <a:pt x="8018253" y="354025"/>
+                  <a:pt x="8019804" y="400240"/>
+                </a:cubicBezTo>
+                <a:cubicBezTo>
+                  <a:pt x="8021980" y="457476"/>
+                  <a:pt x="8058970" y="483796"/>
+                  <a:pt x="8104349" y="505833"/>
+                </a:cubicBezTo>
+                <a:cubicBezTo>
+                  <a:pt x="8119890" y="513484"/>
+                  <a:pt x="8141956" y="513178"/>
+                  <a:pt x="8147864" y="537052"/>
+                </a:cubicBezTo>
+                <a:cubicBezTo>
+                  <a:pt x="8122377" y="559700"/>
+                  <a:pt x="8091295" y="541338"/>
+                  <a:pt x="8063941" y="547764"/>
+                </a:cubicBezTo>
+                <a:cubicBezTo>
+                  <a:pt x="8041252" y="552966"/>
+                  <a:pt x="8003642" y="550213"/>
+                  <a:pt x="8034725" y="591836"/>
+                </a:cubicBezTo>
+                <a:cubicBezTo>
+                  <a:pt x="8043740" y="603773"/>
+                  <a:pt x="8033171" y="612956"/>
+                  <a:pt x="8021669" y="613874"/>
+                </a:cubicBezTo>
+                <a:cubicBezTo>
+                  <a:pt x="7929668" y="623362"/>
+                  <a:pt x="7971939" y="707531"/>
+                  <a:pt x="7942410" y="751909"/>
+                </a:cubicBezTo>
+                <a:cubicBezTo>
+                  <a:pt x="7934331" y="764151"/>
+                  <a:pt x="7943034" y="785269"/>
+                  <a:pt x="7955778" y="790472"/>
+                </a:cubicBezTo>
+                <a:cubicBezTo>
+                  <a:pt x="8037212" y="824753"/>
+                  <a:pt x="8048401" y="906472"/>
+                  <a:pt x="8087876" y="976867"/>
+                </a:cubicBezTo>
+                <a:cubicBezTo>
+                  <a:pt x="8044981" y="1004717"/>
+                  <a:pt x="7993697" y="1010838"/>
+                  <a:pt x="7947386" y="1028897"/>
+                </a:cubicBezTo>
+                <a:cubicBezTo>
+                  <a:pt x="7899207" y="1047873"/>
+                  <a:pt x="7899207" y="1061952"/>
+                  <a:pt x="7938992" y="1117042"/>
+                </a:cubicBezTo>
+                <a:cubicBezTo>
+                  <a:pt x="7835489" y="1128980"/>
+                  <a:pt x="7835489" y="1128980"/>
+                  <a:pt x="7867503" y="1215596"/>
+                </a:cubicBezTo>
+                <a:cubicBezTo>
+                  <a:pt x="7780782" y="1223554"/>
+                  <a:pt x="7723594" y="1264566"/>
+                  <a:pt x="7710229" y="1354244"/>
+                </a:cubicBezTo>
+                <a:cubicBezTo>
+                  <a:pt x="7703701" y="1397704"/>
+                  <a:pt x="7664539" y="1418209"/>
+                  <a:pt x="7621024" y="1447286"/>
+                </a:cubicBezTo>
+                <a:cubicBezTo>
+                  <a:pt x="7675106" y="1475446"/>
+                  <a:pt x="7711784" y="1534209"/>
+                  <a:pt x="7774880" y="1472076"/>
+                </a:cubicBezTo>
+                <a:cubicBezTo>
+                  <a:pt x="7797879" y="1449429"/>
+                  <a:pt x="7795707" y="1478199"/>
+                  <a:pt x="7798812" y="1486462"/>
+                </a:cubicBezTo>
+                <a:cubicBezTo>
+                  <a:pt x="7806271" y="1506661"/>
+                  <a:pt x="7790732" y="1520130"/>
+                  <a:pt x="7780474" y="1535432"/>
+                </a:cubicBezTo>
+                <a:cubicBezTo>
+                  <a:pt x="7770528" y="1550736"/>
+                  <a:pt x="7758715" y="1566956"/>
+                  <a:pt x="7755919" y="1584099"/>
+                </a:cubicBezTo>
+                <a:cubicBezTo>
+                  <a:pt x="7754055" y="1596034"/>
+                  <a:pt x="7763068" y="1613478"/>
+                  <a:pt x="7773014" y="1622355"/>
+                </a:cubicBezTo>
+                <a:cubicBezTo>
+                  <a:pt x="7825233" y="1669183"/>
+                  <a:pt x="7794151" y="1774469"/>
+                  <a:pt x="7892993" y="1787937"/>
+                </a:cubicBezTo>
+                <a:cubicBezTo>
+                  <a:pt x="7937439" y="1794056"/>
+                  <a:pt x="7958885" y="1832621"/>
+                  <a:pt x="7991521" y="1853739"/>
+                </a:cubicBezTo>
+                <a:cubicBezTo>
+                  <a:pt x="8104970" y="1927500"/>
+                  <a:pt x="8180811" y="2022380"/>
+                  <a:pt x="8215932" y="2152764"/>
+                </a:cubicBezTo>
+                <a:cubicBezTo>
+                  <a:pt x="8225567" y="2188879"/>
+                  <a:pt x="8262556" y="2217957"/>
+                  <a:pt x="8286489" y="2249786"/>
+                </a:cubicBezTo>
+                <a:cubicBezTo>
+                  <a:pt x="8274987" y="2273047"/>
+                  <a:pt x="8212203" y="2222852"/>
+                  <a:pt x="8234270" y="2284064"/>
+                </a:cubicBezTo>
+                <a:cubicBezTo>
+                  <a:pt x="8251054" y="2329975"/>
+                  <a:pt x="8293949" y="2358439"/>
+                  <a:pt x="8334357" y="2385679"/>
+                </a:cubicBezTo>
+                <a:cubicBezTo>
+                  <a:pt x="8380357" y="2416591"/>
+                  <a:pt x="8431331" y="2441382"/>
+                  <a:pt x="8452157" y="2498616"/>
+                </a:cubicBezTo>
+                <a:cubicBezTo>
+                  <a:pt x="8456509" y="2510859"/>
+                  <a:pt x="8470494" y="2523714"/>
+                  <a:pt x="8482927" y="2528612"/>
+                </a:cubicBezTo>
+                <a:cubicBezTo>
+                  <a:pt x="9131298" y="3535869"/>
+                  <a:pt x="10727356" y="3542602"/>
+                  <a:pt x="10911361" y="3535561"/>
+                </a:cubicBezTo>
+                <a:cubicBezTo>
+                  <a:pt x="11134219" y="3526686"/>
+                  <a:pt x="11344956" y="3464554"/>
+                  <a:pt x="11551649" y="3387120"/>
+                </a:cubicBezTo>
+                <a:cubicBezTo>
+                  <a:pt x="11638991" y="3354371"/>
+                  <a:pt x="11720114" y="3307851"/>
+                  <a:pt x="11804971" y="3271735"/>
+                </a:cubicBezTo>
+                <a:cubicBezTo>
+                  <a:pt x="11922148" y="3221845"/>
+                  <a:pt x="12012596" y="3126660"/>
+                  <a:pt x="12129465" y="3086565"/>
+                </a:cubicBezTo>
+                <a:lnTo>
+                  <a:pt x="12192000" y="3060706"/>
+                </a:lnTo>
+                <a:lnTo>
+                  <a:pt x="12192000" y="3766004"/>
+                </a:lnTo>
+                <a:lnTo>
+                  <a:pt x="12069511" y="3730912"/>
+                </a:lnTo>
+                <a:cubicBezTo>
+                  <a:pt x="11963133" y="3704591"/>
+                  <a:pt x="11854734" y="3686839"/>
+                  <a:pt x="11743305" y="3682401"/>
+                </a:cubicBezTo>
+                <a:cubicBezTo>
+                  <a:pt x="11731805" y="3681961"/>
+                  <a:pt x="11714789" y="3681575"/>
+                  <a:pt x="11692833" y="3681484"/>
+                </a:cubicBezTo>
+                <a:cubicBezTo>
+                  <a:pt x="11363495" y="3680110"/>
+                  <a:pt x="9922719" y="3745047"/>
+                  <a:pt x="9314871" y="4689350"/>
+                </a:cubicBezTo>
+                <a:cubicBezTo>
+                  <a:pt x="9302438" y="4694248"/>
+                  <a:pt x="9288453" y="4707103"/>
+                  <a:pt x="9284101" y="4719346"/>
+                </a:cubicBezTo>
+                <a:cubicBezTo>
+                  <a:pt x="9263275" y="4776580"/>
+                  <a:pt x="9212301" y="4801371"/>
+                  <a:pt x="9166300" y="4832283"/>
+                </a:cubicBezTo>
+                <a:cubicBezTo>
+                  <a:pt x="9125893" y="4859523"/>
+                  <a:pt x="9082998" y="4887987"/>
+                  <a:pt x="9066214" y="4933898"/>
+                </a:cubicBezTo>
+                <a:cubicBezTo>
+                  <a:pt x="9044146" y="4995110"/>
+                  <a:pt x="9106931" y="4944915"/>
+                  <a:pt x="9118433" y="4968176"/>
+                </a:cubicBezTo>
+                <a:cubicBezTo>
+                  <a:pt x="9094500" y="5000005"/>
+                  <a:pt x="9057511" y="5029083"/>
+                  <a:pt x="9047876" y="5065198"/>
+                </a:cubicBezTo>
+                <a:cubicBezTo>
+                  <a:pt x="9012755" y="5195582"/>
+                  <a:pt x="8936914" y="5290462"/>
+                  <a:pt x="8823465" y="5364223"/>
+                </a:cubicBezTo>
+                <a:cubicBezTo>
+                  <a:pt x="8790828" y="5385341"/>
+                  <a:pt x="8769383" y="5423906"/>
+                  <a:pt x="8724937" y="5430025"/>
+                </a:cubicBezTo>
+                <a:cubicBezTo>
+                  <a:pt x="8626095" y="5443493"/>
+                  <a:pt x="8657177" y="5548779"/>
+                  <a:pt x="8604958" y="5595607"/>
+                </a:cubicBezTo>
+                <a:cubicBezTo>
+                  <a:pt x="8595012" y="5604484"/>
+                  <a:pt x="8585999" y="5621928"/>
+                  <a:pt x="8587863" y="5633863"/>
+                </a:cubicBezTo>
+                <a:cubicBezTo>
+                  <a:pt x="8590659" y="5651006"/>
+                  <a:pt x="8602472" y="5667226"/>
+                  <a:pt x="8612418" y="5682530"/>
+                </a:cubicBezTo>
+                <a:cubicBezTo>
+                  <a:pt x="8622675" y="5697832"/>
+                  <a:pt x="8638215" y="5711301"/>
+                  <a:pt x="8630756" y="5731500"/>
+                </a:cubicBezTo>
+                <a:cubicBezTo>
+                  <a:pt x="8627651" y="5739763"/>
+                  <a:pt x="8629823" y="5768533"/>
+                  <a:pt x="8606823" y="5745886"/>
+                </a:cubicBezTo>
+                <a:cubicBezTo>
+                  <a:pt x="8543727" y="5683753"/>
+                  <a:pt x="8507049" y="5742516"/>
+                  <a:pt x="8452968" y="5770676"/>
+                </a:cubicBezTo>
+                <a:cubicBezTo>
+                  <a:pt x="8496482" y="5799753"/>
+                  <a:pt x="8535645" y="5820258"/>
+                  <a:pt x="8542173" y="5863718"/>
+                </a:cubicBezTo>
+                <a:cubicBezTo>
+                  <a:pt x="8555538" y="5953396"/>
+                  <a:pt x="8612726" y="5994408"/>
+                  <a:pt x="8699447" y="6002366"/>
+                </a:cubicBezTo>
+                <a:cubicBezTo>
+                  <a:pt x="8667433" y="6088982"/>
+                  <a:pt x="8667433" y="6088982"/>
+                  <a:pt x="8770936" y="6100920"/>
+                </a:cubicBezTo>
+                <a:cubicBezTo>
+                  <a:pt x="8731151" y="6156010"/>
+                  <a:pt x="8731151" y="6170089"/>
+                  <a:pt x="8779329" y="6189065"/>
+                </a:cubicBezTo>
+                <a:cubicBezTo>
+                  <a:pt x="8825641" y="6207124"/>
+                  <a:pt x="8876925" y="6213245"/>
+                  <a:pt x="8919820" y="6241095"/>
+                </a:cubicBezTo>
+                <a:cubicBezTo>
+                  <a:pt x="8880345" y="6311490"/>
+                  <a:pt x="8869155" y="6393209"/>
+                  <a:pt x="8787721" y="6427490"/>
+                </a:cubicBezTo>
+                <a:cubicBezTo>
+                  <a:pt x="8774978" y="6432693"/>
+                  <a:pt x="8766275" y="6453811"/>
+                  <a:pt x="8774354" y="6466053"/>
+                </a:cubicBezTo>
+                <a:cubicBezTo>
+                  <a:pt x="8803883" y="6510431"/>
+                  <a:pt x="8761612" y="6594600"/>
+                  <a:pt x="8853613" y="6604088"/>
+                </a:cubicBezTo>
+                <a:cubicBezTo>
+                  <a:pt x="8865115" y="6605005"/>
+                  <a:pt x="8875684" y="6614189"/>
+                  <a:pt x="8866669" y="6626125"/>
+                </a:cubicBezTo>
+                <a:cubicBezTo>
+                  <a:pt x="8835586" y="6667749"/>
+                  <a:pt x="8873196" y="6664996"/>
+                  <a:pt x="8895884" y="6670198"/>
+                </a:cubicBezTo>
+                <a:cubicBezTo>
+                  <a:pt x="8923238" y="6676624"/>
+                  <a:pt x="8954320" y="6658261"/>
+                  <a:pt x="8979808" y="6680910"/>
+                </a:cubicBezTo>
+                <a:cubicBezTo>
+                  <a:pt x="8973900" y="6704783"/>
+                  <a:pt x="8951834" y="6704478"/>
+                  <a:pt x="8936293" y="6712128"/>
+                </a:cubicBezTo>
+                <a:cubicBezTo>
+                  <a:pt x="8890913" y="6734166"/>
+                  <a:pt x="8853924" y="6760486"/>
+                  <a:pt x="8851748" y="6817721"/>
+                </a:cubicBezTo>
+                <a:lnTo>
+                  <a:pt x="8854326" y="6858000"/>
+                </a:lnTo>
+                <a:lnTo>
+                  <a:pt x="0" y="6858000"/>
+                </a:lnTo>
+                <a:close/>
+              </a:path>
+            </a:pathLst>
+          </a:custGeom>
           <a:solidFill>
-            <a:schemeClr val="bg1"/>
+            <a:schemeClr val="bg2">
+              <a:alpha val="50000"/>
+            </a:schemeClr>
           </a:solidFill>
-          <a:ln>
+          <a:ln w="32707" cap="flat">
             <a:noFill/>
+            <a:prstDash val="solid"/>
+            <a:miter/>
           </a:ln>
-          <a:effectLst>
-            <a:outerShdw blurRad="139700" dist="127000" dir="5400000" algn="t" rotWithShape="0">
-              <a:prstClr val="black">
-                <a:alpha val="15000"/>
-              </a:prstClr>
-            </a:outerShdw>
-          </a:effectLst>
         </p:spPr>
-        <p:style>
-          <a:lnRef idx="2">
-            <a:schemeClr val="accent1">
-              <a:shade val="50000"/>
-            </a:schemeClr>
-          </a:lnRef>
-          <a:fillRef idx="1">
-            <a:schemeClr val="accent1"/>
-          </a:fillRef>
-          <a:effectRef idx="0">
-            <a:schemeClr val="accent1"/>
-          </a:effectRef>
-          <a:fontRef idx="minor">
-            <a:schemeClr val="lt1"/>
-          </a:fontRef>
-        </p:style>
         <p:txBody>
           <a:bodyPr rtlCol="0" anchor="ctr"/>
           <a:lstStyle/>
           <a:p>
-            <a:pPr algn="ctr"/>
-            <a:endParaRPr lang="en-US"/>
+            <a:pPr defTabSz="457200"/>
+            <a:endParaRPr lang="en-US">
+              <a:solidFill>
+                <a:schemeClr val="tx1"/>
+              </a:solidFill>
+            </a:endParaRPr>
           </a:p>
         </p:txBody>
       </p:sp>
@@ -6214,12 +9774,12 @@
         </p:nvSpPr>
         <p:spPr>
           <a:xfrm>
-            <a:off x="1043631" y="873940"/>
-            <a:ext cx="4928291" cy="1035781"/>
+            <a:off x="971368" y="371719"/>
+            <a:ext cx="6125964" cy="1906863"/>
           </a:xfrm>
         </p:spPr>
         <p:txBody>
-          <a:bodyPr anchor="ctr">
+          <a:bodyPr anchor="b">
             <a:normAutofit/>
           </a:bodyPr>
           <a:lstStyle/>
@@ -6269,25 +9829,34 @@
         </p:nvSpPr>
         <p:spPr>
           <a:xfrm>
-            <a:off x="1045029" y="2524721"/>
-            <a:ext cx="4991629" cy="3677123"/>
+            <a:off x="971368" y="2711395"/>
+            <a:ext cx="4114801" cy="3508430"/>
           </a:xfrm>
         </p:spPr>
         <p:txBody>
-          <a:bodyPr anchor="ctr">
+          <a:bodyPr>
             <a:normAutofit/>
           </a:bodyPr>
           <a:lstStyle/>
           <a:p>
             <a:r>
-              <a:rPr lang="hu-HU" sz="2300" b="1" dirty="0" err="1">
+              <a:rPr lang="hu-HU" sz="2000" b="1" dirty="0" err="1">
                 <a:latin typeface="Quicksand" pitchFamily="2" charset="-18"/>
               </a:rPr>
               <a:t>Stack</a:t>
             </a:r>
-            <a:endParaRPr lang="hu-HU" sz="2300" b="1" dirty="0">
+            <a:endParaRPr lang="hu-HU" sz="2000" b="1" dirty="0">
               <a:latin typeface="Quicksand" pitchFamily="2" charset="-18"/>
             </a:endParaRPr>
+          </a:p>
+          <a:p>
+            <a:pPr lvl="1"/>
+            <a:r>
+              <a:rPr lang="hu-HU" sz="2000" dirty="0">
+                <a:latin typeface="Quicksand" pitchFamily="2" charset="-18"/>
+              </a:rPr>
+              <a:t>Python</a:t>
+            </a:r>
           </a:p>
           <a:p>
             <a:pPr lvl="1"/>
@@ -6301,8 +9870,11 @@
               <a:rPr lang="hu-HU" sz="2000" dirty="0">
                 <a:latin typeface="Quicksand" pitchFamily="2" charset="-18"/>
               </a:rPr>
-              <a:t>, </a:t>
-            </a:r>
+              <a:t> (AI)</a:t>
+            </a:r>
+          </a:p>
+          <a:p>
+            <a:pPr lvl="1"/>
             <a:r>
               <a:rPr lang="hu-HU" sz="2000" dirty="0" err="1">
                 <a:latin typeface="Quicksand" pitchFamily="2" charset="-18"/>
@@ -6318,12 +9890,12 @@
           </a:p>
           <a:p>
             <a:r>
-              <a:rPr lang="hu-HU" sz="2300" b="1" dirty="0" err="1">
+              <a:rPr lang="hu-HU" sz="2000" b="1" dirty="0" err="1">
                 <a:latin typeface="Quicksand" pitchFamily="2" charset="-18"/>
               </a:rPr>
               <a:t>Goals</a:t>
             </a:r>
-            <a:endParaRPr lang="hu-HU" sz="2300" b="1" dirty="0">
+            <a:endParaRPr lang="hu-HU" sz="2000" b="1" dirty="0">
               <a:latin typeface="Quicksand" pitchFamily="2" charset="-18"/>
             </a:endParaRPr>
           </a:p>
@@ -6435,87 +10007,26 @@
               <a:rPr lang="hu-HU" sz="2000" dirty="0">
                 <a:latin typeface="Quicksand" pitchFamily="2" charset="-18"/>
               </a:rPr>
-              <a:t> emails</a:t>
-            </a:r>
-          </a:p>
-        </p:txBody>
-      </p:sp>
-      <p:sp>
-        <p:nvSpPr>
-          <p:cNvPr id="100" name="Rectangle 99">
-            <a:extLst>
-              <a:ext uri="{FF2B5EF4-FFF2-40B4-BE49-F238E27FC236}">
-                <a16:creationId xmlns:a16="http://schemas.microsoft.com/office/drawing/2014/main" id="{395ECC94-3D5E-46A7-A7A1-DE807E1563B4}"/>
-              </a:ext>
-              <a:ext uri="{C183D7F6-B498-43B3-948B-1728B52AA6E4}">
-                <adec:decorative xmlns:adec="http://schemas.microsoft.com/office/drawing/2017/decorative" val="1"/>
-              </a:ext>
-            </a:extLst>
-          </p:cNvPr>
-          <p:cNvSpPr>
-            <a:spLocks noGrp="1" noRot="1" noChangeAspect="1" noMove="1" noResize="1" noEditPoints="1" noAdjustHandles="1" noChangeArrowheads="1" noChangeShapeType="1" noTextEdit="1"/>
-          </p:cNvSpPr>
-          <p:nvPr>
-            <p:extLst>
-              <p:ext uri="{386F3935-93C4-4BCD-93E2-E3B085C9AB24}">
-                <p16:designElem xmlns:p16="http://schemas.microsoft.com/office/powerpoint/2015/main" val="1"/>
-              </p:ext>
-            </p:extLst>
-          </p:nvPr>
-        </p:nvSpPr>
-        <p:spPr>
-          <a:xfrm>
-            <a:off x="6634418" y="658367"/>
-            <a:ext cx="4719382" cy="2679191"/>
-          </a:xfrm>
-          <a:prstGeom prst="rect">
-            <a:avLst/>
-          </a:prstGeom>
-          <a:solidFill>
-            <a:schemeClr val="bg1"/>
-          </a:solidFill>
-          <a:ln>
-            <a:noFill/>
-          </a:ln>
-          <a:effectLst>
-            <a:outerShdw blurRad="139700" dist="127000" dir="5400000" algn="t" rotWithShape="0">
-              <a:prstClr val="black">
-                <a:alpha val="15000"/>
-              </a:prstClr>
-            </a:outerShdw>
-          </a:effectLst>
-        </p:spPr>
-        <p:style>
-          <a:lnRef idx="2">
-            <a:schemeClr val="accent1">
-              <a:shade val="50000"/>
-            </a:schemeClr>
-          </a:lnRef>
-          <a:fillRef idx="1">
-            <a:schemeClr val="accent1"/>
-          </a:fillRef>
-          <a:effectRef idx="0">
-            <a:schemeClr val="accent1"/>
-          </a:effectRef>
-          <a:fontRef idx="minor">
-            <a:schemeClr val="lt1"/>
-          </a:fontRef>
-        </p:style>
-        <p:txBody>
-          <a:bodyPr rtlCol="0" anchor="ctr"/>
-          <a:lstStyle/>
-          <a:p>
-            <a:pPr algn="ctr"/>
-            <a:endParaRPr lang="en-US"/>
+              <a:t> </a:t>
+            </a:r>
+            <a:r>
+              <a:rPr lang="hu-HU" sz="2000" dirty="0" err="1">
+                <a:latin typeface="Quicksand" pitchFamily="2" charset="-18"/>
+              </a:rPr>
+              <a:t>content</a:t>
+            </a:r>
+            <a:endParaRPr lang="hu-HU" sz="2000" dirty="0">
+              <a:latin typeface="Quicksand" pitchFamily="2" charset="-18"/>
+            </a:endParaRPr>
           </a:p>
         </p:txBody>
       </p:sp>
       <p:pic>
         <p:nvPicPr>
-          <p:cNvPr id="7" name="Ábra 6">
+          <p:cNvPr id="5" name="Ábra 4">
             <a:extLst>
               <a:ext uri="{FF2B5EF4-FFF2-40B4-BE49-F238E27FC236}">
-                <a16:creationId xmlns:a16="http://schemas.microsoft.com/office/drawing/2014/main" id="{F3C9E550-A995-EB8E-7B75-7C02BE22D7A4}"/>
+                <a16:creationId xmlns:a16="http://schemas.microsoft.com/office/drawing/2014/main" id="{775824CF-AB83-1959-A6C8-CBE6E30C38B0}"/>
               </a:ext>
             </a:extLst>
           </p:cNvPr>
@@ -6541,90 +10052,20 @@
         </p:blipFill>
         <p:spPr>
           <a:xfrm>
-            <a:off x="7835429" y="841905"/>
-            <a:ext cx="2317178" cy="2317178"/>
+            <a:off x="9142455" y="371719"/>
+            <a:ext cx="2419247" cy="2419247"/>
           </a:xfrm>
           <a:prstGeom prst="rect">
             <a:avLst/>
           </a:prstGeom>
         </p:spPr>
       </p:pic>
-      <p:sp>
-        <p:nvSpPr>
-          <p:cNvPr id="102" name="Rectangle 101">
+      <p:pic>
+        <p:nvPicPr>
+          <p:cNvPr id="7" name="Ábra 6">
             <a:extLst>
               <a:ext uri="{FF2B5EF4-FFF2-40B4-BE49-F238E27FC236}">
-                <a16:creationId xmlns:a16="http://schemas.microsoft.com/office/drawing/2014/main" id="{7E549738-9961-462D-81B7-4A7A44691102}"/>
-              </a:ext>
-              <a:ext uri="{C183D7F6-B498-43B3-948B-1728B52AA6E4}">
-                <adec:decorative xmlns:adec="http://schemas.microsoft.com/office/drawing/2017/decorative" val="1"/>
-              </a:ext>
-            </a:extLst>
-          </p:cNvPr>
-          <p:cNvSpPr>
-            <a:spLocks noGrp="1" noRot="1" noChangeAspect="1" noMove="1" noResize="1" noEditPoints="1" noAdjustHandles="1" noChangeArrowheads="1" noChangeShapeType="1" noTextEdit="1"/>
-          </p:cNvSpPr>
-          <p:nvPr>
-            <p:extLst>
-              <p:ext uri="{386F3935-93C4-4BCD-93E2-E3B085C9AB24}">
-                <p16:designElem xmlns:p16="http://schemas.microsoft.com/office/powerpoint/2015/main" val="1"/>
-              </p:ext>
-            </p:extLst>
-          </p:nvPr>
-        </p:nvSpPr>
-        <p:spPr>
-          <a:xfrm>
-            <a:off x="6634418" y="3530966"/>
-            <a:ext cx="4719382" cy="2679191"/>
-          </a:xfrm>
-          <a:prstGeom prst="rect">
-            <a:avLst/>
-          </a:prstGeom>
-          <a:solidFill>
-            <a:schemeClr val="bg1"/>
-          </a:solidFill>
-          <a:ln>
-            <a:noFill/>
-          </a:ln>
-          <a:effectLst>
-            <a:outerShdw blurRad="139700" dist="127000" dir="5400000" algn="t" rotWithShape="0">
-              <a:prstClr val="black">
-                <a:alpha val="15000"/>
-              </a:prstClr>
-            </a:outerShdw>
-          </a:effectLst>
-        </p:spPr>
-        <p:style>
-          <a:lnRef idx="2">
-            <a:schemeClr val="accent1">
-              <a:shade val="50000"/>
-            </a:schemeClr>
-          </a:lnRef>
-          <a:fillRef idx="1">
-            <a:schemeClr val="accent1"/>
-          </a:fillRef>
-          <a:effectRef idx="0">
-            <a:schemeClr val="accent1"/>
-          </a:effectRef>
-          <a:fontRef idx="minor">
-            <a:schemeClr val="lt1"/>
-          </a:fontRef>
-        </p:style>
-        <p:txBody>
-          <a:bodyPr rtlCol="0" anchor="ctr"/>
-          <a:lstStyle/>
-          <a:p>
-            <a:pPr algn="ctr"/>
-            <a:endParaRPr lang="en-US"/>
-          </a:p>
-        </p:txBody>
-      </p:sp>
-      <p:pic>
-        <p:nvPicPr>
-          <p:cNvPr id="5" name="Ábra 4">
-            <a:extLst>
-              <a:ext uri="{FF2B5EF4-FFF2-40B4-BE49-F238E27FC236}">
-                <a16:creationId xmlns:a16="http://schemas.microsoft.com/office/drawing/2014/main" id="{775824CF-AB83-1959-A6C8-CBE6E30C38B0}"/>
+                <a16:creationId xmlns:a16="http://schemas.microsoft.com/office/drawing/2014/main" id="{F3C9E550-A995-EB8E-7B75-7C02BE22D7A4}"/>
               </a:ext>
             </a:extLst>
           </p:cNvPr>
@@ -6650,66 +10091,93 @@
         </p:blipFill>
         <p:spPr>
           <a:xfrm>
-            <a:off x="7835429" y="3703659"/>
-            <a:ext cx="2317178" cy="2317178"/>
+            <a:off x="6410002" y="3408283"/>
+            <a:ext cx="1743398" cy="1743398"/>
           </a:xfrm>
           <a:prstGeom prst="rect">
             <a:avLst/>
           </a:prstGeom>
         </p:spPr>
       </p:pic>
-      <p:cxnSp>
-        <p:nvCxnSpPr>
-          <p:cNvPr id="104" name="Straight Connector 103">
+      <p:pic>
+        <p:nvPicPr>
+          <p:cNvPr id="6" name="Ábra 5">
             <a:extLst>
               <a:ext uri="{FF2B5EF4-FFF2-40B4-BE49-F238E27FC236}">
-                <a16:creationId xmlns:a16="http://schemas.microsoft.com/office/drawing/2014/main" id="{6CF1BAF6-AD41-4082-B212-8A1F9A2E8779}"/>
-              </a:ext>
-              <a:ext uri="{C183D7F6-B498-43B3-948B-1728B52AA6E4}">
-                <adec:decorative xmlns:adec="http://schemas.microsoft.com/office/drawing/2017/decorative" val="1"/>
+                <a16:creationId xmlns:a16="http://schemas.microsoft.com/office/drawing/2014/main" id="{FABB6BE8-E25F-202F-4EAB-87E49D7DE773}"/>
               </a:ext>
             </a:extLst>
           </p:cNvPr>
-          <p:cNvCxnSpPr>
-            <a:cxnSpLocks noGrp="1" noRot="1" noChangeAspect="1" noMove="1" noResize="1" noEditPoints="1" noAdjustHandles="1" noChangeArrowheads="1" noChangeShapeType="1"/>
-          </p:cNvCxnSpPr>
-          <p:nvPr>
-            <p:extLst>
-              <p:ext uri="{386F3935-93C4-4BCD-93E2-E3B085C9AB24}">
-                <p16:designElem xmlns:p16="http://schemas.microsoft.com/office/powerpoint/2015/main" val="1"/>
-              </p:ext>
-            </p:extLst>
-          </p:nvPr>
-        </p:nvCxnSpPr>
+          <p:cNvPicPr>
+            <a:picLocks noChangeAspect="1"/>
+          </p:cNvPicPr>
+          <p:nvPr/>
+        </p:nvPicPr>
+        <p:blipFill>
+          <a:blip r:embed="rId6">
+            <a:extLst>
+              <a:ext uri="{28A0092B-C50C-407E-A947-70E740481C1C}">
+                <a14:useLocalDpi xmlns:a14="http://schemas.microsoft.com/office/drawing/2010/main" val="0"/>
+              </a:ext>
+              <a:ext uri="{96DAC541-7B7A-43D3-8B79-37D633B846F1}">
+                <asvg:svgBlip xmlns:asvg="http://schemas.microsoft.com/office/drawing/2016/SVG/main" r:embed="rId7"/>
+              </a:ext>
+            </a:extLst>
+          </a:blip>
+          <a:stretch>
+            <a:fillRect/>
+          </a:stretch>
+        </p:blipFill>
         <p:spPr>
-          <a:xfrm flipH="1">
-            <a:off x="838200" y="6492240"/>
-            <a:ext cx="10515600" cy="0"/>
+          <a:xfrm>
+            <a:off x="9814502" y="4575257"/>
+            <a:ext cx="1987873" cy="1987873"/>
           </a:xfrm>
-          <a:prstGeom prst="line">
+          <a:prstGeom prst="rect">
             <a:avLst/>
           </a:prstGeom>
-          <a:ln w="57150">
-            <a:solidFill>
-              <a:schemeClr val="accent4"/>
-            </a:solidFill>
-          </a:ln>
         </p:spPr>
-        <p:style>
-          <a:lnRef idx="1">
-            <a:schemeClr val="accent1"/>
-          </a:lnRef>
-          <a:fillRef idx="0">
-            <a:schemeClr val="accent1"/>
-          </a:fillRef>
-          <a:effectRef idx="0">
-            <a:schemeClr val="accent1"/>
-          </a:effectRef>
-          <a:fontRef idx="minor">
-            <a:schemeClr val="tx1"/>
-          </a:fontRef>
-        </p:style>
-      </p:cxnSp>
+      </p:pic>
+      <p:sp>
+        <p:nvSpPr>
+          <p:cNvPr id="8" name="Szövegdoboz 7">
+            <a:extLst>
+              <a:ext uri="{FF2B5EF4-FFF2-40B4-BE49-F238E27FC236}">
+                <a16:creationId xmlns:a16="http://schemas.microsoft.com/office/drawing/2014/main" id="{AD5E2FAF-1008-1E06-0EB4-05558458E601}"/>
+              </a:ext>
+            </a:extLst>
+          </p:cNvPr>
+          <p:cNvSpPr txBox="1"/>
+          <p:nvPr/>
+        </p:nvSpPr>
+        <p:spPr>
+          <a:xfrm>
+            <a:off x="11199752" y="6301615"/>
+            <a:ext cx="723900" cy="369332"/>
+          </a:xfrm>
+          <a:prstGeom prst="rect">
+            <a:avLst/>
+          </a:prstGeom>
+          <a:noFill/>
+        </p:spPr>
+        <p:txBody>
+          <a:bodyPr wrap="square" rtlCol="0">
+            <a:spAutoFit/>
+          </a:bodyPr>
+          <a:lstStyle/>
+          <a:p>
+            <a:pPr algn="ctr"/>
+            <a:r>
+              <a:rPr lang="hu-HU" b="1" dirty="0"/>
+              <a:t>2</a:t>
+            </a:r>
+            <a:r>
+              <a:rPr lang="hu-HU" dirty="0"/>
+              <a:t>/9</a:t>
+            </a:r>
+          </a:p>
+        </p:txBody>
+      </p:sp>
     </p:spTree>
     <p:extLst>
       <p:ext uri="{BB962C8B-B14F-4D97-AF65-F5344CB8AC3E}">
@@ -7119,12 +10587,12 @@
           <a:lstStyle/>
           <a:p>
             <a:r>
-              <a:rPr lang="hu-HU" sz="3300" b="1" dirty="0" err="1">
+              <a:rPr lang="hu-HU" sz="3600" b="1" dirty="0" err="1">
                 <a:latin typeface="Quicksand" pitchFamily="2" charset="-18"/>
               </a:rPr>
               <a:t>Hyperparameters</a:t>
             </a:r>
-            <a:endParaRPr lang="hu-HU" sz="3300" b="1" dirty="0">
+            <a:endParaRPr lang="hu-HU" sz="3600" b="1" dirty="0">
               <a:latin typeface="Quicksand" pitchFamily="2" charset="-18"/>
             </a:endParaRPr>
           </a:p>
@@ -7498,6 +10966,46 @@
           </a:prstGeom>
         </p:spPr>
       </p:pic>
+      <p:sp>
+        <p:nvSpPr>
+          <p:cNvPr id="4" name="Szövegdoboz 3">
+            <a:extLst>
+              <a:ext uri="{FF2B5EF4-FFF2-40B4-BE49-F238E27FC236}">
+                <a16:creationId xmlns:a16="http://schemas.microsoft.com/office/drawing/2014/main" id="{32162132-BAF2-FB70-8914-1AD1C0EF9008}"/>
+              </a:ext>
+            </a:extLst>
+          </p:cNvPr>
+          <p:cNvSpPr txBox="1"/>
+          <p:nvPr/>
+        </p:nvSpPr>
+        <p:spPr>
+          <a:xfrm>
+            <a:off x="11199752" y="6301615"/>
+            <a:ext cx="723900" cy="369332"/>
+          </a:xfrm>
+          <a:prstGeom prst="rect">
+            <a:avLst/>
+          </a:prstGeom>
+          <a:noFill/>
+        </p:spPr>
+        <p:txBody>
+          <a:bodyPr wrap="square" rtlCol="0">
+            <a:spAutoFit/>
+          </a:bodyPr>
+          <a:lstStyle/>
+          <a:p>
+            <a:pPr algn="ctr"/>
+            <a:r>
+              <a:rPr lang="hu-HU" b="1" dirty="0"/>
+              <a:t>3</a:t>
+            </a:r>
+            <a:r>
+              <a:rPr lang="hu-HU" dirty="0"/>
+              <a:t>/9</a:t>
+            </a:r>
+          </a:p>
+        </p:txBody>
+      </p:sp>
     </p:spTree>
     <p:extLst>
       <p:ext uri="{BB962C8B-B14F-4D97-AF65-F5344CB8AC3E}">
@@ -7538,10 +11046,10 @@
       </p:grpSpPr>
       <p:sp useBgFill="1">
         <p:nvSpPr>
-          <p:cNvPr id="31" name="Rectangle 30">
+          <p:cNvPr id="47" name="Rectangle 46">
             <a:extLst>
               <a:ext uri="{FF2B5EF4-FFF2-40B4-BE49-F238E27FC236}">
-                <a16:creationId xmlns:a16="http://schemas.microsoft.com/office/drawing/2014/main" id="{28D31E1B-0407-4223-9642-0B642CBF57D9}"/>
+                <a16:creationId xmlns:a16="http://schemas.microsoft.com/office/drawing/2014/main" id="{058A14AF-9FB5-4CC7-BA35-E8E85D3EDF0E}"/>
               </a:ext>
               <a:ext uri="{C183D7F6-B498-43B3-948B-1728B52AA6E4}">
                 <adec:decorative xmlns:adec="http://schemas.microsoft.com/office/drawing/2017/decorative" val="1"/>
@@ -7596,21 +11104,58 @@
           </a:p>
         </p:txBody>
       </p:sp>
-      <p:grpSp>
-        <p:nvGrpSpPr>
-          <p:cNvPr id="33" name="Group 32">
+      <p:sp>
+        <p:nvSpPr>
+          <p:cNvPr id="2" name="Cím 1">
             <a:extLst>
               <a:ext uri="{FF2B5EF4-FFF2-40B4-BE49-F238E27FC236}">
-                <a16:creationId xmlns:a16="http://schemas.microsoft.com/office/drawing/2014/main" id="{AE1C45F0-260A-458C-96ED-C1F6D2151219}"/>
+                <a16:creationId xmlns:a16="http://schemas.microsoft.com/office/drawing/2014/main" id="{6D282C70-1031-55B7-3F00-11BF2B69A354}"/>
+              </a:ext>
+            </a:extLst>
+          </p:cNvPr>
+          <p:cNvSpPr>
+            <a:spLocks noGrp="1"/>
+          </p:cNvSpPr>
+          <p:nvPr>
+            <p:ph type="title"/>
+          </p:nvPr>
+        </p:nvSpPr>
+        <p:spPr>
+          <a:xfrm>
+            <a:off x="793662" y="386930"/>
+            <a:ext cx="10066122" cy="1298448"/>
+          </a:xfrm>
+        </p:spPr>
+        <p:txBody>
+          <a:bodyPr anchor="b">
+            <a:normAutofit fontScale="90000"/>
+          </a:bodyPr>
+          <a:lstStyle/>
+          <a:p>
+            <a:r>
+              <a:rPr lang="hu-HU" sz="4800" b="1">
+                <a:latin typeface="Quicksand" pitchFamily="2" charset="-18"/>
+              </a:rPr>
+              <a:t>Data collection and preprocessing</a:t>
+            </a:r>
+          </a:p>
+        </p:txBody>
+      </p:sp>
+      <p:sp>
+        <p:nvSpPr>
+          <p:cNvPr id="49" name="Rectangle 48">
+            <a:extLst>
+              <a:ext uri="{FF2B5EF4-FFF2-40B4-BE49-F238E27FC236}">
+                <a16:creationId xmlns:a16="http://schemas.microsoft.com/office/drawing/2014/main" id="{3A9A4357-BD1D-4622-A4FE-766E6AB8DE84}"/>
               </a:ext>
               <a:ext uri="{C183D7F6-B498-43B3-948B-1728B52AA6E4}">
                 <adec:decorative xmlns:adec="http://schemas.microsoft.com/office/drawing/2017/decorative" val="1"/>
               </a:ext>
             </a:extLst>
           </p:cNvPr>
-          <p:cNvGrpSpPr>
-            <a:grpSpLocks noGrp="1" noUngrp="1" noRot="1" noChangeAspect="1" noMove="1" noResize="1"/>
-          </p:cNvGrpSpPr>
+          <p:cNvSpPr>
+            <a:spLocks noGrp="1" noRot="1" noChangeAspect="1" noMove="1" noResize="1" noEditPoints="1" noAdjustHandles="1" noChangeArrowheads="1" noChangeShapeType="1" noTextEdit="1"/>
+          </p:cNvSpPr>
           <p:nvPr>
             <p:extLst>
               <p:ext uri="{386F3935-93C4-4BCD-93E2-E3B085C9AB24}">
@@ -7618,202 +11163,53 @@
               </p:ext>
             </p:extLst>
           </p:nvPr>
-        </p:nvGrpSpPr>
-        <p:grpSpPr>
-          <a:xfrm>
-            <a:off x="4" y="1062849"/>
-            <a:ext cx="731521" cy="673460"/>
-            <a:chOff x="3940602" y="308034"/>
-            <a:chExt cx="2116791" cy="3428999"/>
+        </p:nvSpPr>
+        <p:spPr>
+          <a:xfrm flipH="1" flipV="1">
+            <a:off x="-2" y="1998845"/>
+            <a:ext cx="11454595" cy="781699"/>
           </a:xfrm>
+          <a:prstGeom prst="rect">
+            <a:avLst/>
+          </a:prstGeom>
           <a:solidFill>
             <a:schemeClr val="accent4"/>
           </a:solidFill>
-        </p:grpSpPr>
-        <p:sp>
-          <p:nvSpPr>
-            <p:cNvPr id="34" name="Rectangle 33">
-              <a:extLst>
-                <a:ext uri="{FF2B5EF4-FFF2-40B4-BE49-F238E27FC236}">
-                  <a16:creationId xmlns:a16="http://schemas.microsoft.com/office/drawing/2014/main" id="{A6604B49-AD5C-4590-B051-06C8222ECD99}"/>
-                </a:ext>
-                <a:ext uri="{C183D7F6-B498-43B3-948B-1728B52AA6E4}">
-                  <adec:decorative xmlns:adec="http://schemas.microsoft.com/office/drawing/2017/decorative" val="1"/>
-                </a:ext>
-              </a:extLst>
-            </p:cNvPr>
-            <p:cNvSpPr/>
-            <p:nvPr>
-              <p:extLst>
-                <p:ext uri="{386F3935-93C4-4BCD-93E2-E3B085C9AB24}">
-                  <p16:designElem xmlns:p16="http://schemas.microsoft.com/office/powerpoint/2015/main" val="1"/>
-                </p:ext>
-              </p:extLst>
-            </p:nvPr>
-          </p:nvSpPr>
-          <p:spPr>
-            <a:xfrm>
-              <a:off x="3940602" y="308034"/>
-              <a:ext cx="566743" cy="3428999"/>
-            </a:xfrm>
-            <a:prstGeom prst="rect">
-              <a:avLst/>
-            </a:prstGeom>
-            <a:grpFill/>
-            <a:ln>
-              <a:noFill/>
-            </a:ln>
-          </p:spPr>
-          <p:style>
-            <a:lnRef idx="2">
-              <a:schemeClr val="accent1">
-                <a:shade val="50000"/>
-              </a:schemeClr>
-            </a:lnRef>
-            <a:fillRef idx="1">
-              <a:schemeClr val="accent1"/>
-            </a:fillRef>
-            <a:effectRef idx="0">
-              <a:schemeClr val="accent1"/>
-            </a:effectRef>
-            <a:fontRef idx="minor">
-              <a:schemeClr val="lt1"/>
-            </a:fontRef>
-          </p:style>
-          <p:txBody>
-            <a:bodyPr rtlCol="0" anchor="ctr"/>
-            <a:lstStyle/>
-            <a:p>
-              <a:pPr algn="ctr"/>
-              <a:endParaRPr lang="en-US"/>
-            </a:p>
-          </p:txBody>
-        </p:sp>
-        <p:sp>
-          <p:nvSpPr>
-            <p:cNvPr id="35" name="Rectangle 34">
-              <a:extLst>
-                <a:ext uri="{FF2B5EF4-FFF2-40B4-BE49-F238E27FC236}">
-                  <a16:creationId xmlns:a16="http://schemas.microsoft.com/office/drawing/2014/main" id="{743ECCAF-29C5-4537-947C-7EA1292463DB}"/>
-                </a:ext>
-                <a:ext uri="{C183D7F6-B498-43B3-948B-1728B52AA6E4}">
-                  <adec:decorative xmlns:adec="http://schemas.microsoft.com/office/drawing/2017/decorative" val="1"/>
-                </a:ext>
-              </a:extLst>
-            </p:cNvPr>
-            <p:cNvSpPr/>
-            <p:nvPr>
-              <p:extLst>
-                <p:ext uri="{386F3935-93C4-4BCD-93E2-E3B085C9AB24}">
-                  <p16:designElem xmlns:p16="http://schemas.microsoft.com/office/powerpoint/2015/main" val="1"/>
-                </p:ext>
-              </p:extLst>
-            </p:nvPr>
-          </p:nvSpPr>
-          <p:spPr>
-            <a:xfrm>
-              <a:off x="4715626" y="308034"/>
-              <a:ext cx="566743" cy="3428999"/>
-            </a:xfrm>
-            <a:prstGeom prst="rect">
-              <a:avLst/>
-            </a:prstGeom>
-            <a:grpFill/>
-            <a:ln>
-              <a:noFill/>
-            </a:ln>
-          </p:spPr>
-          <p:style>
-            <a:lnRef idx="2">
-              <a:schemeClr val="accent1">
-                <a:shade val="50000"/>
-              </a:schemeClr>
-            </a:lnRef>
-            <a:fillRef idx="1">
-              <a:schemeClr val="accent1"/>
-            </a:fillRef>
-            <a:effectRef idx="0">
-              <a:schemeClr val="accent1"/>
-            </a:effectRef>
-            <a:fontRef idx="minor">
-              <a:schemeClr val="lt1"/>
-            </a:fontRef>
-          </p:style>
-          <p:txBody>
-            <a:bodyPr rtlCol="0" anchor="ctr"/>
-            <a:lstStyle/>
-            <a:p>
-              <a:pPr algn="ctr"/>
-              <a:endParaRPr lang="en-US"/>
-            </a:p>
-          </p:txBody>
-        </p:sp>
-        <p:sp>
-          <p:nvSpPr>
-            <p:cNvPr id="36" name="Rectangle 35">
-              <a:extLst>
-                <a:ext uri="{FF2B5EF4-FFF2-40B4-BE49-F238E27FC236}">
-                  <a16:creationId xmlns:a16="http://schemas.microsoft.com/office/drawing/2014/main" id="{ED49787B-8DE6-4467-AD0A-8DECC6E0C2D6}"/>
-                </a:ext>
-                <a:ext uri="{C183D7F6-B498-43B3-948B-1728B52AA6E4}">
-                  <adec:decorative xmlns:adec="http://schemas.microsoft.com/office/drawing/2017/decorative" val="1"/>
-                </a:ext>
-              </a:extLst>
-            </p:cNvPr>
-            <p:cNvSpPr/>
-            <p:nvPr>
-              <p:extLst>
-                <p:ext uri="{386F3935-93C4-4BCD-93E2-E3B085C9AB24}">
-                  <p16:designElem xmlns:p16="http://schemas.microsoft.com/office/powerpoint/2015/main" val="1"/>
-                </p:ext>
-              </p:extLst>
-            </p:nvPr>
-          </p:nvSpPr>
-          <p:spPr>
-            <a:xfrm>
-              <a:off x="5490650" y="308034"/>
-              <a:ext cx="566743" cy="3428999"/>
-            </a:xfrm>
-            <a:prstGeom prst="rect">
-              <a:avLst/>
-            </a:prstGeom>
-            <a:grpFill/>
-            <a:ln>
-              <a:noFill/>
-            </a:ln>
-          </p:spPr>
-          <p:style>
-            <a:lnRef idx="2">
-              <a:schemeClr val="accent1">
-                <a:shade val="50000"/>
-              </a:schemeClr>
-            </a:lnRef>
-            <a:fillRef idx="1">
-              <a:schemeClr val="accent1"/>
-            </a:fillRef>
-            <a:effectRef idx="0">
-              <a:schemeClr val="accent1"/>
-            </a:effectRef>
-            <a:fontRef idx="minor">
-              <a:schemeClr val="lt1"/>
-            </a:fontRef>
-          </p:style>
-          <p:txBody>
-            <a:bodyPr rtlCol="0" anchor="ctr"/>
-            <a:lstStyle/>
-            <a:p>
-              <a:pPr algn="ctr"/>
-              <a:endParaRPr lang="en-US"/>
-            </a:p>
-          </p:txBody>
-        </p:sp>
-      </p:grpSp>
+          <a:ln>
+            <a:noFill/>
+          </a:ln>
+        </p:spPr>
+        <p:style>
+          <a:lnRef idx="2">
+            <a:schemeClr val="accent1">
+              <a:shade val="50000"/>
+            </a:schemeClr>
+          </a:lnRef>
+          <a:fillRef idx="1">
+            <a:schemeClr val="accent1"/>
+          </a:fillRef>
+          <a:effectRef idx="0">
+            <a:schemeClr val="accent1"/>
+          </a:effectRef>
+          <a:fontRef idx="minor">
+            <a:schemeClr val="lt1"/>
+          </a:fontRef>
+        </p:style>
+        <p:txBody>
+          <a:bodyPr rtlCol="0" anchor="ctr"/>
+          <a:lstStyle/>
+          <a:p>
+            <a:pPr algn="ctr"/>
+            <a:endParaRPr lang="en-US"/>
+          </a:p>
+        </p:txBody>
+      </p:sp>
       <p:sp>
         <p:nvSpPr>
-          <p:cNvPr id="38" name="Rectangle 37">
+          <p:cNvPr id="51" name="Rectangle 50">
             <a:extLst>
               <a:ext uri="{FF2B5EF4-FFF2-40B4-BE49-F238E27FC236}">
-                <a16:creationId xmlns:a16="http://schemas.microsoft.com/office/drawing/2014/main" id="{D5B0017B-2ECA-49AF-B397-DC140825DF8D}"/>
+                <a16:creationId xmlns:a16="http://schemas.microsoft.com/office/drawing/2014/main" id="{E659831F-0D9A-4C63-9EBB-8435B85A440F}"/>
               </a:ext>
               <a:ext uri="{C183D7F6-B498-43B3-948B-1728B52AA6E4}">
                 <adec:decorative xmlns:adec="http://schemas.microsoft.com/office/drawing/2017/decorative" val="1"/>
@@ -7833,8 +11229,8 @@
         </p:nvSpPr>
         <p:spPr>
           <a:xfrm>
-            <a:off x="640080" y="656150"/>
-            <a:ext cx="5672667" cy="1431591"/>
+            <a:off x="0" y="2203079"/>
+            <a:ext cx="11383362" cy="4267991"/>
           </a:xfrm>
           <a:prstGeom prst="rect">
             <a:avLst/>
@@ -7880,64 +11276,6 @@
       </p:sp>
       <p:sp>
         <p:nvSpPr>
-          <p:cNvPr id="2" name="Cím 1">
-            <a:extLst>
-              <a:ext uri="{FF2B5EF4-FFF2-40B4-BE49-F238E27FC236}">
-                <a16:creationId xmlns:a16="http://schemas.microsoft.com/office/drawing/2014/main" id="{6D282C70-1031-55B7-3F00-11BF2B69A354}"/>
-              </a:ext>
-            </a:extLst>
-          </p:cNvPr>
-          <p:cNvSpPr>
-            <a:spLocks noGrp="1"/>
-          </p:cNvSpPr>
-          <p:nvPr>
-            <p:ph type="title"/>
-          </p:nvPr>
-        </p:nvSpPr>
-        <p:spPr>
-          <a:xfrm>
-            <a:off x="1043631" y="873940"/>
-            <a:ext cx="5052369" cy="1035781"/>
-          </a:xfrm>
-        </p:spPr>
-        <p:txBody>
-          <a:bodyPr anchor="ctr">
-            <a:normAutofit/>
-          </a:bodyPr>
-          <a:lstStyle/>
-          <a:p>
-            <a:r>
-              <a:rPr lang="hu-HU" sz="3300" b="1" dirty="0">
-                <a:latin typeface="Quicksand" pitchFamily="2" charset="-18"/>
-              </a:rPr>
-              <a:t>Data </a:t>
-            </a:r>
-            <a:r>
-              <a:rPr lang="hu-HU" sz="3300" b="1" dirty="0" err="1">
-                <a:latin typeface="Quicksand" pitchFamily="2" charset="-18"/>
-              </a:rPr>
-              <a:t>collection</a:t>
-            </a:r>
-            <a:r>
-              <a:rPr lang="hu-HU" sz="3300" b="1" dirty="0">
-                <a:latin typeface="Quicksand" pitchFamily="2" charset="-18"/>
-              </a:rPr>
-              <a:t> and </a:t>
-            </a:r>
-            <a:r>
-              <a:rPr lang="hu-HU" sz="3300" b="1" dirty="0" err="1">
-                <a:latin typeface="Quicksand" pitchFamily="2" charset="-18"/>
-              </a:rPr>
-              <a:t>preprocessing</a:t>
-            </a:r>
-            <a:endParaRPr lang="hu-HU" sz="3300" b="1" dirty="0">
-              <a:latin typeface="Quicksand" pitchFamily="2" charset="-18"/>
-            </a:endParaRPr>
-          </a:p>
-        </p:txBody>
-      </p:sp>
-      <p:sp>
-        <p:nvSpPr>
           <p:cNvPr id="3" name="Tartalom helye 2">
             <a:extLst>
               <a:ext uri="{FF2B5EF4-FFF2-40B4-BE49-F238E27FC236}">
@@ -7954,159 +11292,48 @@
         </p:nvSpPr>
         <p:spPr>
           <a:xfrm>
-            <a:off x="1045029" y="2524721"/>
-            <a:ext cx="4991629" cy="3677123"/>
+            <a:off x="793661" y="2599509"/>
+            <a:ext cx="4530898" cy="3639450"/>
           </a:xfrm>
         </p:spPr>
         <p:txBody>
           <a:bodyPr anchor="ctr">
-            <a:noAutofit/>
+            <a:normAutofit/>
           </a:bodyPr>
           <a:lstStyle/>
           <a:p>
             <a:r>
-              <a:rPr lang="hu-HU" sz="2300" b="1" dirty="0">
+              <a:rPr lang="hu-HU" sz="2000" b="1">
                 <a:latin typeface="Quicksand" pitchFamily="2" charset="-18"/>
               </a:rPr>
-              <a:t>Text </a:t>
-            </a:r>
-            <a:r>
-              <a:rPr lang="hu-HU" sz="2300" b="1" dirty="0" err="1">
+              <a:t>Text classification labels</a:t>
+            </a:r>
+          </a:p>
+          <a:p>
+            <a:pPr lvl="1"/>
+            <a:r>
+              <a:rPr lang="hu-HU" sz="2000">
                 <a:latin typeface="Quicksand" pitchFamily="2" charset="-18"/>
               </a:rPr>
-              <a:t>classification</a:t>
-            </a:r>
-            <a:r>
-              <a:rPr lang="hu-HU" sz="2300" b="1" dirty="0">
+              <a:t>Text, the message</a:t>
+            </a:r>
+          </a:p>
+          <a:p>
+            <a:pPr lvl="1"/>
+            <a:r>
+              <a:rPr lang="hu-HU" sz="2000">
                 <a:latin typeface="Quicksand" pitchFamily="2" charset="-18"/>
               </a:rPr>
-              <a:t> </a:t>
-            </a:r>
-            <a:r>
-              <a:rPr lang="hu-HU" sz="2300" b="1" dirty="0" err="1">
-                <a:latin typeface="Quicksand" pitchFamily="2" charset="-18"/>
-              </a:rPr>
-              <a:t>labels</a:t>
-            </a:r>
-            <a:endParaRPr lang="hu-HU" sz="2300" b="1" dirty="0">
-              <a:latin typeface="Quicksand" pitchFamily="2" charset="-18"/>
-            </a:endParaRPr>
-          </a:p>
-          <a:p>
-            <a:pPr lvl="1"/>
-            <a:r>
-              <a:rPr lang="hu-HU" sz="2000" dirty="0">
-                <a:latin typeface="Quicksand" pitchFamily="2" charset="-18"/>
-              </a:rPr>
-              <a:t>Text, </a:t>
-            </a:r>
-            <a:r>
-              <a:rPr lang="hu-HU" sz="2000" dirty="0" err="1">
-                <a:latin typeface="Quicksand" pitchFamily="2" charset="-18"/>
-              </a:rPr>
-              <a:t>the</a:t>
-            </a:r>
-            <a:r>
-              <a:rPr lang="hu-HU" sz="2000" dirty="0">
-                <a:latin typeface="Quicksand" pitchFamily="2" charset="-18"/>
-              </a:rPr>
-              <a:t> </a:t>
-            </a:r>
-            <a:r>
-              <a:rPr lang="hu-HU" sz="2000" dirty="0" err="1">
-                <a:latin typeface="Quicksand" pitchFamily="2" charset="-18"/>
-              </a:rPr>
-              <a:t>message</a:t>
-            </a:r>
-            <a:endParaRPr lang="hu-HU" sz="2000" dirty="0">
-              <a:latin typeface="Quicksand" pitchFamily="2" charset="-18"/>
-            </a:endParaRPr>
-          </a:p>
-          <a:p>
-            <a:pPr lvl="1"/>
-            <a:r>
-              <a:rPr lang="hu-HU" sz="2000" dirty="0" err="1">
-                <a:latin typeface="Quicksand" pitchFamily="2" charset="-18"/>
-              </a:rPr>
-              <a:t>Class</a:t>
-            </a:r>
-            <a:r>
-              <a:rPr lang="hu-HU" sz="2000" dirty="0">
-                <a:latin typeface="Quicksand" pitchFamily="2" charset="-18"/>
-              </a:rPr>
-              <a:t>, </a:t>
-            </a:r>
-            <a:r>
-              <a:rPr lang="hu-HU" sz="2000" dirty="0" err="1">
-                <a:latin typeface="Quicksand" pitchFamily="2" charset="-18"/>
-              </a:rPr>
-              <a:t>the</a:t>
-            </a:r>
-            <a:r>
-              <a:rPr lang="hu-HU" sz="2000" dirty="0">
-                <a:latin typeface="Quicksand" pitchFamily="2" charset="-18"/>
-              </a:rPr>
-              <a:t> </a:t>
-            </a:r>
-            <a:r>
-              <a:rPr lang="hu-HU" sz="2000" dirty="0" err="1">
-                <a:latin typeface="Quicksand" pitchFamily="2" charset="-18"/>
-              </a:rPr>
-              <a:t>classification</a:t>
-            </a:r>
-            <a:r>
-              <a:rPr lang="hu-HU" sz="2000" dirty="0">
-                <a:latin typeface="Quicksand" pitchFamily="2" charset="-18"/>
-              </a:rPr>
-              <a:t> of </a:t>
-            </a:r>
-            <a:r>
-              <a:rPr lang="hu-HU" sz="2000" dirty="0" err="1">
-                <a:latin typeface="Quicksand" pitchFamily="2" charset="-18"/>
-              </a:rPr>
-              <a:t>the</a:t>
-            </a:r>
-            <a:r>
-              <a:rPr lang="hu-HU" sz="2000" dirty="0">
-                <a:latin typeface="Quicksand" pitchFamily="2" charset="-18"/>
-              </a:rPr>
-              <a:t> </a:t>
-            </a:r>
-            <a:r>
-              <a:rPr lang="hu-HU" sz="2000" dirty="0" err="1">
-                <a:latin typeface="Quicksand" pitchFamily="2" charset="-18"/>
-              </a:rPr>
-              <a:t>message</a:t>
-            </a:r>
-            <a:r>
-              <a:rPr lang="hu-HU" sz="2000" dirty="0">
-                <a:latin typeface="Quicksand" pitchFamily="2" charset="-18"/>
-              </a:rPr>
-              <a:t> (0 </a:t>
-            </a:r>
-            <a:r>
-              <a:rPr lang="hu-HU" sz="2000" dirty="0" err="1">
-                <a:latin typeface="Quicksand" pitchFamily="2" charset="-18"/>
-              </a:rPr>
-              <a:t>or</a:t>
-            </a:r>
-            <a:r>
-              <a:rPr lang="hu-HU" sz="2000" dirty="0">
-                <a:latin typeface="Quicksand" pitchFamily="2" charset="-18"/>
-              </a:rPr>
-              <a:t> 1)</a:t>
-            </a:r>
-          </a:p>
-          <a:p>
-            <a:r>
-              <a:rPr lang="hu-HU" sz="2300" b="1" dirty="0" err="1">
+              <a:t>Class, the classification of the message (0 or 1)</a:t>
+            </a:r>
+          </a:p>
+          <a:p>
+            <a:r>
+              <a:rPr lang="hu-HU" sz="2000" b="1">
                 <a:latin typeface="Quicksand" pitchFamily="2" charset="-18"/>
               </a:rPr>
               <a:t>Preprocessing</a:t>
             </a:r>
-            <a:endParaRPr lang="hu-HU" sz="2300" b="1" dirty="0">
-              <a:latin typeface="Quicksand" pitchFamily="2" charset="-18"/>
-            </a:endParaRPr>
           </a:p>
           <a:p>
             <a:pPr marL="800100" lvl="1" indent="-342900">
@@ -8114,14 +11341,11 @@
               <a:buAutoNum type="arabicPeriod"/>
             </a:pPr>
             <a:r>
-              <a:rPr lang="hu-HU" sz="2000" dirty="0" err="1">
+              <a:rPr lang="hu-HU" sz="2000">
                 <a:latin typeface="Quicksand" pitchFamily="2" charset="-18"/>
               </a:rPr>
               <a:t>Classification</a:t>
             </a:r>
-            <a:endParaRPr lang="hu-HU" sz="2000" dirty="0">
-              <a:latin typeface="Quicksand" pitchFamily="2" charset="-18"/>
-            </a:endParaRPr>
           </a:p>
           <a:p>
             <a:pPr marL="800100" lvl="1" indent="-342900">
@@ -8129,52 +11353,10 @@
               <a:buAutoNum type="arabicPeriod"/>
             </a:pPr>
             <a:r>
-              <a:rPr lang="hu-HU" sz="2000" dirty="0" err="1">
+              <a:rPr lang="hu-HU" sz="2000">
                 <a:latin typeface="Quicksand" pitchFamily="2" charset="-18"/>
               </a:rPr>
-              <a:t>Extracting</a:t>
-            </a:r>
-            <a:r>
-              <a:rPr lang="hu-HU" sz="2000" dirty="0">
-                <a:latin typeface="Quicksand" pitchFamily="2" charset="-18"/>
-              </a:rPr>
-              <a:t> </a:t>
-            </a:r>
-            <a:r>
-              <a:rPr lang="hu-HU" sz="2000" dirty="0" err="1">
-                <a:latin typeface="Quicksand" pitchFamily="2" charset="-18"/>
-              </a:rPr>
-              <a:t>features</a:t>
-            </a:r>
-            <a:r>
-              <a:rPr lang="hu-HU" sz="2000" dirty="0">
-                <a:latin typeface="Quicksand" pitchFamily="2" charset="-18"/>
-              </a:rPr>
-              <a:t> </a:t>
-            </a:r>
-            <a:r>
-              <a:rPr lang="hu-HU" sz="2000" dirty="0" err="1">
-                <a:latin typeface="Quicksand" pitchFamily="2" charset="-18"/>
-              </a:rPr>
-              <a:t>from</a:t>
-            </a:r>
-            <a:r>
-              <a:rPr lang="hu-HU" sz="2000" dirty="0">
-                <a:latin typeface="Quicksand" pitchFamily="2" charset="-18"/>
-              </a:rPr>
-              <a:t> text (</a:t>
-            </a:r>
-            <a:r>
-              <a:rPr lang="hu-HU" sz="2000" dirty="0" err="1">
-                <a:latin typeface="Quicksand" pitchFamily="2" charset="-18"/>
-              </a:rPr>
-              <a:t>CountVectorizer</a:t>
-            </a:r>
-            <a:r>
-              <a:rPr lang="hu-HU" sz="2000" dirty="0">
-                <a:latin typeface="Quicksand" pitchFamily="2" charset="-18"/>
-              </a:rPr>
-              <a:t>)</a:t>
+              <a:t>Extracting features from text (CountVectorizer)</a:t>
             </a:r>
           </a:p>
           <a:p>
@@ -8183,52 +11365,10 @@
               <a:buAutoNum type="arabicPeriod"/>
             </a:pPr>
             <a:r>
-              <a:rPr lang="hu-HU" sz="2000" dirty="0">
+              <a:rPr lang="hu-HU" sz="2000">
                 <a:latin typeface="Quicksand" pitchFamily="2" charset="-18"/>
               </a:rPr>
-              <a:t>Converting </a:t>
-            </a:r>
-            <a:r>
-              <a:rPr lang="hu-HU" sz="2000" dirty="0" err="1">
-                <a:latin typeface="Quicksand" pitchFamily="2" charset="-18"/>
-              </a:rPr>
-              <a:t>data</a:t>
-            </a:r>
-            <a:r>
-              <a:rPr lang="hu-HU" sz="2000" dirty="0">
-                <a:latin typeface="Quicksand" pitchFamily="2" charset="-18"/>
-              </a:rPr>
-              <a:t> </a:t>
-            </a:r>
-            <a:r>
-              <a:rPr lang="hu-HU" sz="2000" dirty="0" err="1">
-                <a:latin typeface="Quicksand" pitchFamily="2" charset="-18"/>
-              </a:rPr>
-              <a:t>to</a:t>
-            </a:r>
-            <a:r>
-              <a:rPr lang="hu-HU" sz="2000" dirty="0">
-                <a:latin typeface="Quicksand" pitchFamily="2" charset="-18"/>
-              </a:rPr>
-              <a:t> </a:t>
-            </a:r>
-            <a:r>
-              <a:rPr lang="hu-HU" sz="2000" dirty="0" err="1">
-                <a:latin typeface="Quicksand" pitchFamily="2" charset="-18"/>
-              </a:rPr>
-              <a:t>PyTorch</a:t>
-            </a:r>
-            <a:r>
-              <a:rPr lang="hu-HU" sz="2000" dirty="0">
-                <a:latin typeface="Quicksand" pitchFamily="2" charset="-18"/>
-              </a:rPr>
-              <a:t> </a:t>
-            </a:r>
-            <a:r>
-              <a:rPr lang="hu-HU" sz="2000" dirty="0" err="1">
-                <a:latin typeface="Quicksand" pitchFamily="2" charset="-18"/>
-              </a:rPr>
-              <a:t>tensors</a:t>
+              <a:t>Converting data to PyTorch tensors</a:t>
             </a:r>
             <a:endParaRPr lang="hu-HU" sz="2000" dirty="0">
               <a:latin typeface="Quicksand" pitchFamily="2" charset="-18"/>
@@ -8236,12 +11376,48 @@
           </a:p>
         </p:txBody>
       </p:sp>
+      <p:pic>
+        <p:nvPicPr>
+          <p:cNvPr id="6" name="Kép 5" descr="A képen szöveg, diagram, képernyőkép, kör látható&#10;&#10;Automatikusan generált leírás">
+            <a:extLst>
+              <a:ext uri="{FF2B5EF4-FFF2-40B4-BE49-F238E27FC236}">
+                <a16:creationId xmlns:a16="http://schemas.microsoft.com/office/drawing/2014/main" id="{A6544744-2EB4-677F-FEAF-0922E9D385B2}"/>
+              </a:ext>
+            </a:extLst>
+          </p:cNvPr>
+          <p:cNvPicPr>
+            <a:picLocks noChangeAspect="1"/>
+          </p:cNvPicPr>
+          <p:nvPr/>
+        </p:nvPicPr>
+        <p:blipFill>
+          <a:blip r:embed="rId2">
+            <a:extLst>
+              <a:ext uri="{28A0092B-C50C-407E-A947-70E740481C1C}">
+                <a14:useLocalDpi xmlns:a14="http://schemas.microsoft.com/office/drawing/2010/main" val="0"/>
+              </a:ext>
+            </a:extLst>
+          </a:blip>
+          <a:stretch>
+            <a:fillRect/>
+          </a:stretch>
+        </p:blipFill>
+        <p:spPr>
+          <a:xfrm>
+            <a:off x="6010508" y="2484255"/>
+            <a:ext cx="4952325" cy="3714244"/>
+          </a:xfrm>
+          <a:prstGeom prst="rect">
+            <a:avLst/>
+          </a:prstGeom>
+        </p:spPr>
+      </p:pic>
       <p:sp>
         <p:nvSpPr>
-          <p:cNvPr id="40" name="Rectangle 39">
+          <p:cNvPr id="53" name="Rectangle 52">
             <a:extLst>
               <a:ext uri="{FF2B5EF4-FFF2-40B4-BE49-F238E27FC236}">
-                <a16:creationId xmlns:a16="http://schemas.microsoft.com/office/drawing/2014/main" id="{70E96339-907C-46C3-99AC-31179B6F0EBD}"/>
+                <a16:creationId xmlns:a16="http://schemas.microsoft.com/office/drawing/2014/main" id="{E6995CE5-F890-4ABA-82A2-26507CE8D2A3}"/>
               </a:ext>
               <a:ext uri="{C183D7F6-B498-43B3-948B-1728B52AA6E4}">
                 <adec:decorative xmlns:adec="http://schemas.microsoft.com/office/drawing/2017/decorative" val="1"/>
@@ -8260,26 +11436,19 @@
           </p:nvPr>
         </p:nvSpPr>
         <p:spPr>
-          <a:xfrm>
-            <a:off x="6716299" y="608401"/>
-            <a:ext cx="4637502" cy="5593443"/>
+          <a:xfrm rot="5400000">
+            <a:off x="11228040" y="2313027"/>
+            <a:ext cx="781700" cy="152382"/>
           </a:xfrm>
           <a:prstGeom prst="rect">
             <a:avLst/>
           </a:prstGeom>
           <a:solidFill>
-            <a:schemeClr val="bg1"/>
+            <a:schemeClr val="accent4"/>
           </a:solidFill>
           <a:ln>
             <a:noFill/>
           </a:ln>
-          <a:effectLst>
-            <a:outerShdw blurRad="139700" dist="127000" dir="5400000" algn="t" rotWithShape="0">
-              <a:prstClr val="black">
-                <a:alpha val="15000"/>
-              </a:prstClr>
-            </a:outerShdw>
-          </a:effectLst>
         </p:spPr>
         <p:style>
           <a:lnRef idx="2">
@@ -8306,93 +11475,46 @@
           </a:p>
         </p:txBody>
       </p:sp>
-      <p:pic>
-        <p:nvPicPr>
-          <p:cNvPr id="5" name="Kép 4" descr="A képen diagram, képernyőkép, Betűtípus, kör látható&#10;&#10;Automatikusan generált leírás">
+      <p:sp>
+        <p:nvSpPr>
+          <p:cNvPr id="7" name="Szövegdoboz 6">
             <a:extLst>
               <a:ext uri="{FF2B5EF4-FFF2-40B4-BE49-F238E27FC236}">
-                <a16:creationId xmlns:a16="http://schemas.microsoft.com/office/drawing/2014/main" id="{F41E6E81-D5D8-96C3-2740-217D84F61D4C}"/>
+                <a16:creationId xmlns:a16="http://schemas.microsoft.com/office/drawing/2014/main" id="{007A7633-0675-090F-BD83-1036278FFE47}"/>
               </a:ext>
             </a:extLst>
           </p:cNvPr>
-          <p:cNvPicPr>
-            <a:picLocks noChangeAspect="1"/>
-          </p:cNvPicPr>
+          <p:cNvSpPr txBox="1"/>
           <p:nvPr/>
-        </p:nvPicPr>
-        <p:blipFill rotWithShape="1">
-          <a:blip r:embed="rId2">
-            <a:extLst>
-              <a:ext uri="{28A0092B-C50C-407E-A947-70E740481C1C}">
-                <a14:useLocalDpi xmlns:a14="http://schemas.microsoft.com/office/drawing/2010/main" val="0"/>
-              </a:ext>
-            </a:extLst>
-          </a:blip>
-          <a:srcRect l="18440" r="14971"/>
-          <a:stretch/>
-        </p:blipFill>
+        </p:nvSpPr>
         <p:spPr>
           <a:xfrm>
-            <a:off x="6930493" y="1080792"/>
-            <a:ext cx="4223252" cy="4756699"/>
+            <a:off x="11199752" y="6301615"/>
+            <a:ext cx="723900" cy="369332"/>
           </a:xfrm>
           <a:prstGeom prst="rect">
             <a:avLst/>
           </a:prstGeom>
+          <a:noFill/>
         </p:spPr>
-      </p:pic>
-      <p:cxnSp>
-        <p:nvCxnSpPr>
-          <p:cNvPr id="42" name="Straight Connector 41">
-            <a:extLst>
-              <a:ext uri="{FF2B5EF4-FFF2-40B4-BE49-F238E27FC236}">
-                <a16:creationId xmlns:a16="http://schemas.microsoft.com/office/drawing/2014/main" id="{6CF1BAF6-AD41-4082-B212-8A1F9A2E8779}"/>
-              </a:ext>
-              <a:ext uri="{C183D7F6-B498-43B3-948B-1728B52AA6E4}">
-                <adec:decorative xmlns:adec="http://schemas.microsoft.com/office/drawing/2017/decorative" val="1"/>
-              </a:ext>
-            </a:extLst>
-          </p:cNvPr>
-          <p:cNvCxnSpPr>
-            <a:cxnSpLocks noGrp="1" noRot="1" noChangeAspect="1" noMove="1" noResize="1" noEditPoints="1" noAdjustHandles="1" noChangeArrowheads="1" noChangeShapeType="1"/>
-          </p:cNvCxnSpPr>
-          <p:nvPr>
-            <p:extLst>
-              <p:ext uri="{386F3935-93C4-4BCD-93E2-E3B085C9AB24}">
-                <p16:designElem xmlns:p16="http://schemas.microsoft.com/office/powerpoint/2015/main" val="1"/>
-              </p:ext>
-            </p:extLst>
-          </p:nvPr>
-        </p:nvCxnSpPr>
-        <p:spPr>
-          <a:xfrm flipH="1">
-            <a:off x="838200" y="6492240"/>
-            <a:ext cx="10515600" cy="0"/>
-          </a:xfrm>
-          <a:prstGeom prst="line">
-            <a:avLst/>
-          </a:prstGeom>
-          <a:ln w="57150">
-            <a:solidFill>
-              <a:schemeClr val="accent4"/>
-            </a:solidFill>
-          </a:ln>
-        </p:spPr>
-        <p:style>
-          <a:lnRef idx="1">
-            <a:schemeClr val="accent1"/>
-          </a:lnRef>
-          <a:fillRef idx="0">
-            <a:schemeClr val="accent1"/>
-          </a:fillRef>
-          <a:effectRef idx="0">
-            <a:schemeClr val="accent1"/>
-          </a:effectRef>
-          <a:fontRef idx="minor">
-            <a:schemeClr val="tx1"/>
-          </a:fontRef>
-        </p:style>
-      </p:cxnSp>
+        <p:txBody>
+          <a:bodyPr wrap="square" rtlCol="0">
+            <a:spAutoFit/>
+          </a:bodyPr>
+          <a:lstStyle/>
+          <a:p>
+            <a:pPr algn="ctr"/>
+            <a:r>
+              <a:rPr lang="hu-HU" b="1" dirty="0"/>
+              <a:t>4</a:t>
+            </a:r>
+            <a:r>
+              <a:rPr lang="hu-HU" dirty="0"/>
+              <a:t>/9</a:t>
+            </a:r>
+          </a:p>
+        </p:txBody>
+      </p:sp>
     </p:spTree>
     <p:extLst>
       <p:ext uri="{BB962C8B-B14F-4D97-AF65-F5344CB8AC3E}">
@@ -8825,8 +11947,8 @@
           </a:p>
         </p:txBody>
       </p:sp>
-      <mc:AlternateContent xmlns:mc="http://schemas.openxmlformats.org/markup-compatibility/2006">
-        <mc:Choice xmlns:a14="http://schemas.microsoft.com/office/drawing/2010/main" Requires="a14">
+      <mc:AlternateContent xmlns:mc="http://schemas.openxmlformats.org/markup-compatibility/2006" xmlns:a14="http://schemas.microsoft.com/office/drawing/2010/main">
+        <mc:Choice Requires="a14">
           <p:sp>
             <p:nvSpPr>
               <p:cNvPr id="3" name="Tartalom helye 2">
@@ -9335,7 +12457,7 @@
             </p:txBody>
           </p:sp>
         </mc:Choice>
-        <mc:Fallback>
+        <mc:Fallback xmlns="">
           <p:sp>
             <p:nvSpPr>
               <p:cNvPr id="3" name="Tartalom helye 2">
@@ -9537,6 +12659,46 @@
           </a:fontRef>
         </p:style>
       </p:cxnSp>
+      <p:sp>
+        <p:nvSpPr>
+          <p:cNvPr id="4" name="Szövegdoboz 3">
+            <a:extLst>
+              <a:ext uri="{FF2B5EF4-FFF2-40B4-BE49-F238E27FC236}">
+                <a16:creationId xmlns:a16="http://schemas.microsoft.com/office/drawing/2014/main" id="{71B754D4-707B-9802-4652-C4F8C725F4FF}"/>
+              </a:ext>
+            </a:extLst>
+          </p:cNvPr>
+          <p:cNvSpPr txBox="1"/>
+          <p:nvPr/>
+        </p:nvSpPr>
+        <p:spPr>
+          <a:xfrm>
+            <a:off x="11199752" y="6301615"/>
+            <a:ext cx="723900" cy="369332"/>
+          </a:xfrm>
+          <a:prstGeom prst="rect">
+            <a:avLst/>
+          </a:prstGeom>
+          <a:noFill/>
+        </p:spPr>
+        <p:txBody>
+          <a:bodyPr wrap="square" rtlCol="0">
+            <a:spAutoFit/>
+          </a:bodyPr>
+          <a:lstStyle/>
+          <a:p>
+            <a:pPr algn="ctr"/>
+            <a:r>
+              <a:rPr lang="hu-HU" b="1" dirty="0"/>
+              <a:t>5</a:t>
+            </a:r>
+            <a:r>
+              <a:rPr lang="hu-HU" dirty="0"/>
+              <a:t>/9</a:t>
+            </a:r>
+          </a:p>
+        </p:txBody>
+      </p:sp>
     </p:spTree>
     <p:extLst>
       <p:ext uri="{BB962C8B-B14F-4D97-AF65-F5344CB8AC3E}">
@@ -9551,6 +12713,159 @@
 </file>
 
 <file path=ppt/slides/slide7.xml><?xml version="1.0" encoding="utf-8"?>
+<p:sld xmlns:a="http://schemas.openxmlformats.org/drawingml/2006/main" xmlns:r="http://schemas.openxmlformats.org/officeDocument/2006/relationships" xmlns:p="http://schemas.openxmlformats.org/presentationml/2006/main">
+  <p:cSld>
+    <p:spTree>
+      <p:nvGrpSpPr>
+        <p:cNvPr id="1" name=""/>
+        <p:cNvGrpSpPr/>
+        <p:nvPr/>
+      </p:nvGrpSpPr>
+      <p:grpSpPr>
+        <a:xfrm>
+          <a:off x="0" y="0"/>
+          <a:ext cx="0" cy="0"/>
+          <a:chOff x="0" y="0"/>
+          <a:chExt cx="0" cy="0"/>
+        </a:xfrm>
+      </p:grpSpPr>
+      <p:sp>
+        <p:nvSpPr>
+          <p:cNvPr id="2" name="Cím 1">
+            <a:extLst>
+              <a:ext uri="{FF2B5EF4-FFF2-40B4-BE49-F238E27FC236}">
+                <a16:creationId xmlns:a16="http://schemas.microsoft.com/office/drawing/2014/main" id="{7464021E-032A-5BC6-561B-DF7A9D96A4A7}"/>
+              </a:ext>
+            </a:extLst>
+          </p:cNvPr>
+          <p:cNvSpPr>
+            <a:spLocks noGrp="1"/>
+          </p:cNvSpPr>
+          <p:nvPr>
+            <p:ph type="title"/>
+          </p:nvPr>
+        </p:nvSpPr>
+        <p:spPr/>
+        <p:txBody>
+          <a:bodyPr/>
+          <a:lstStyle/>
+          <a:p>
+            <a:r>
+              <a:rPr lang="hu-HU" b="1" dirty="0" err="1">
+                <a:latin typeface="Quicksand" pitchFamily="2" charset="-18"/>
+              </a:rPr>
+              <a:t>Neural</a:t>
+            </a:r>
+            <a:r>
+              <a:rPr lang="hu-HU" b="1" dirty="0">
+                <a:latin typeface="Quicksand" pitchFamily="2" charset="-18"/>
+              </a:rPr>
+              <a:t> </a:t>
+            </a:r>
+            <a:r>
+              <a:rPr lang="hu-HU" b="1" dirty="0" err="1">
+                <a:latin typeface="Quicksand" pitchFamily="2" charset="-18"/>
+              </a:rPr>
+              <a:t>network</a:t>
+            </a:r>
+            <a:endParaRPr lang="hu-HU" b="1" dirty="0">
+              <a:latin typeface="Quicksand" pitchFamily="2" charset="-18"/>
+            </a:endParaRPr>
+          </a:p>
+        </p:txBody>
+      </p:sp>
+      <p:pic>
+        <p:nvPicPr>
+          <p:cNvPr id="9" name="Tartalom helye 8">
+            <a:extLst>
+              <a:ext uri="{FF2B5EF4-FFF2-40B4-BE49-F238E27FC236}">
+                <a16:creationId xmlns:a16="http://schemas.microsoft.com/office/drawing/2014/main" id="{157B7913-906F-ABD4-9380-55925E8D92E5}"/>
+              </a:ext>
+            </a:extLst>
+          </p:cNvPr>
+          <p:cNvPicPr>
+            <a:picLocks noGrp="1" noChangeAspect="1"/>
+          </p:cNvPicPr>
+          <p:nvPr>
+            <p:ph idx="1"/>
+          </p:nvPr>
+        </p:nvPicPr>
+        <p:blipFill>
+          <a:blip r:embed="rId2">
+            <a:extLst>
+              <a:ext uri="{28A0092B-C50C-407E-A947-70E740481C1C}">
+                <a14:useLocalDpi xmlns:a14="http://schemas.microsoft.com/office/drawing/2010/main" val="0"/>
+              </a:ext>
+              <a:ext uri="{96DAC541-7B7A-43D3-8B79-37D633B846F1}">
+                <asvg:svgBlip xmlns:asvg="http://schemas.microsoft.com/office/drawing/2016/SVG/main" r:embed="rId3"/>
+              </a:ext>
+            </a:extLst>
+          </a:blip>
+          <a:stretch>
+            <a:fillRect/>
+          </a:stretch>
+        </p:blipFill>
+        <p:spPr>
+          <a:xfrm>
+            <a:off x="-1898864" y="-934357"/>
+            <a:ext cx="17378546" cy="9802586"/>
+          </a:xfrm>
+        </p:spPr>
+      </p:pic>
+      <p:sp>
+        <p:nvSpPr>
+          <p:cNvPr id="15" name="Szövegdoboz 14">
+            <a:extLst>
+              <a:ext uri="{FF2B5EF4-FFF2-40B4-BE49-F238E27FC236}">
+                <a16:creationId xmlns:a16="http://schemas.microsoft.com/office/drawing/2014/main" id="{68B5B86C-826E-154D-6961-2699DC1BF845}"/>
+              </a:ext>
+            </a:extLst>
+          </p:cNvPr>
+          <p:cNvSpPr txBox="1"/>
+          <p:nvPr/>
+        </p:nvSpPr>
+        <p:spPr>
+          <a:xfrm>
+            <a:off x="11199752" y="6301615"/>
+            <a:ext cx="723900" cy="369332"/>
+          </a:xfrm>
+          <a:prstGeom prst="rect">
+            <a:avLst/>
+          </a:prstGeom>
+          <a:noFill/>
+        </p:spPr>
+        <p:txBody>
+          <a:bodyPr wrap="square" rtlCol="0">
+            <a:spAutoFit/>
+          </a:bodyPr>
+          <a:lstStyle/>
+          <a:p>
+            <a:pPr algn="ctr"/>
+            <a:r>
+              <a:rPr lang="hu-HU" b="1" dirty="0"/>
+              <a:t>6</a:t>
+            </a:r>
+            <a:r>
+              <a:rPr lang="hu-HU" dirty="0"/>
+              <a:t>/9</a:t>
+            </a:r>
+          </a:p>
+        </p:txBody>
+      </p:sp>
+    </p:spTree>
+    <p:extLst>
+      <p:ext uri="{BB962C8B-B14F-4D97-AF65-F5344CB8AC3E}">
+        <p14:creationId xmlns:p14="http://schemas.microsoft.com/office/powerpoint/2010/main" val="118289199"/>
+      </p:ext>
+    </p:extLst>
+  </p:cSld>
+  <p:clrMapOvr>
+    <a:masterClrMapping/>
+  </p:clrMapOvr>
+</p:sld>
+</file>
+
+<file path=ppt/slides/slide8.xml><?xml version="1.0" encoding="utf-8"?>
 <p:sld xmlns:a="http://schemas.openxmlformats.org/drawingml/2006/main" xmlns:r="http://schemas.openxmlformats.org/officeDocument/2006/relationships" xmlns:p="http://schemas.openxmlformats.org/presentationml/2006/main">
   <p:cSld>
     <p:bg>
@@ -9637,7 +12952,7 @@
       </p:sp>
       <p:pic>
         <p:nvPicPr>
-          <p:cNvPr id="8" name="Tartalom helye 7" descr="A képen szöveg, képernyőkép, diagram, Téglalap látható&#10;&#10;Automatikusan generált leírás">
+          <p:cNvPr id="8" name="Tartalom helye 7">
             <a:extLst>
               <a:ext uri="{FF2B5EF4-FFF2-40B4-BE49-F238E27FC236}">
                 <a16:creationId xmlns:a16="http://schemas.microsoft.com/office/drawing/2014/main" id="{5C5069E3-71F5-EDC0-8B52-66B39CFDCB9D}"/>
@@ -9659,9 +12974,8 @@
               </a:ext>
             </a:extLst>
           </a:blip>
-          <a:stretch>
-            <a:fillRect/>
-          </a:stretch>
+          <a:srcRect/>
+          <a:stretch/>
         </p:blipFill>
         <p:spPr>
           <a:xfrm>
@@ -9672,7 +12986,7 @@
       </p:pic>
       <p:pic>
         <p:nvPicPr>
-          <p:cNvPr id="6" name="Kép 5" descr="A képen sor, Diagram, diagram, szöveg látható&#10;&#10;Automatikusan generált leírás">
+          <p:cNvPr id="6" name="Kép 5">
             <a:extLst>
               <a:ext uri="{FF2B5EF4-FFF2-40B4-BE49-F238E27FC236}">
                 <a16:creationId xmlns:a16="http://schemas.microsoft.com/office/drawing/2014/main" id="{7CAD09C5-5067-E55E-5690-CAD29A10F220}"/>
@@ -9692,14 +13006,13 @@
               </a:ext>
             </a:extLst>
           </a:blip>
-          <a:stretch>
-            <a:fillRect/>
-          </a:stretch>
+          <a:srcRect/>
+          <a:stretch/>
         </p:blipFill>
         <p:spPr>
           <a:xfrm>
-            <a:off x="6126163" y="846138"/>
-            <a:ext cx="5422900" cy="4046538"/>
+            <a:off x="6139921" y="846138"/>
+            <a:ext cx="5395384" cy="4046538"/>
           </a:xfrm>
           <a:prstGeom prst="rect">
             <a:avLst/>
@@ -9747,6 +13060,46 @@
           </a:p>
         </p:txBody>
       </p:sp>
+      <p:sp>
+        <p:nvSpPr>
+          <p:cNvPr id="3" name="Szövegdoboz 2">
+            <a:extLst>
+              <a:ext uri="{FF2B5EF4-FFF2-40B4-BE49-F238E27FC236}">
+                <a16:creationId xmlns:a16="http://schemas.microsoft.com/office/drawing/2014/main" id="{0C52BD53-2483-A229-235B-122CB895250F}"/>
+              </a:ext>
+            </a:extLst>
+          </p:cNvPr>
+          <p:cNvSpPr txBox="1"/>
+          <p:nvPr/>
+        </p:nvSpPr>
+        <p:spPr>
+          <a:xfrm>
+            <a:off x="11199752" y="6301615"/>
+            <a:ext cx="723900" cy="369332"/>
+          </a:xfrm>
+          <a:prstGeom prst="rect">
+            <a:avLst/>
+          </a:prstGeom>
+          <a:noFill/>
+        </p:spPr>
+        <p:txBody>
+          <a:bodyPr wrap="square" rtlCol="0">
+            <a:spAutoFit/>
+          </a:bodyPr>
+          <a:lstStyle/>
+          <a:p>
+            <a:pPr algn="ctr"/>
+            <a:r>
+              <a:rPr lang="hu-HU" b="1" dirty="0"/>
+              <a:t>7</a:t>
+            </a:r>
+            <a:r>
+              <a:rPr lang="hu-HU" dirty="0"/>
+              <a:t>/9</a:t>
+            </a:r>
+          </a:p>
+        </p:txBody>
+      </p:sp>
     </p:spTree>
     <p:extLst>
       <p:ext uri="{BB962C8B-B14F-4D97-AF65-F5344CB8AC3E}">
@@ -9760,7 +13113,7 @@
 </p:sld>
 </file>
 
-<file path=ppt/slides/slide8.xml><?xml version="1.0" encoding="utf-8"?>
+<file path=ppt/slides/slide9.xml><?xml version="1.0" encoding="utf-8"?>
 <p:sld xmlns:a="http://schemas.openxmlformats.org/drawingml/2006/main" xmlns:r="http://schemas.openxmlformats.org/officeDocument/2006/relationships" xmlns:p="http://schemas.openxmlformats.org/presentationml/2006/main">
   <p:cSld>
     <p:bg>
@@ -10003,24 +13356,24 @@
           <a:lstStyle/>
           <a:p>
             <a:r>
-              <a:rPr lang="hu-HU" sz="7200" dirty="0" err="1">
+              <a:rPr lang="hu-HU" sz="3600" b="1" dirty="0" err="1">
                 <a:latin typeface="Quicksand" pitchFamily="2" charset="-18"/>
               </a:rPr>
               <a:t>Evaluation</a:t>
             </a:r>
             <a:r>
-              <a:rPr lang="hu-HU" sz="7200" dirty="0">
+              <a:rPr lang="hu-HU" sz="3600" b="1" dirty="0">
                 <a:latin typeface="Quicksand" pitchFamily="2" charset="-18"/>
               </a:rPr>
               <a:t> </a:t>
             </a:r>
             <a:r>
-              <a:rPr lang="hu-HU" sz="7200" dirty="0" err="1">
+              <a:rPr lang="hu-HU" sz="3600" b="1" dirty="0" err="1">
                 <a:latin typeface="Quicksand" pitchFamily="2" charset="-18"/>
               </a:rPr>
               <a:t>metrics</a:t>
             </a:r>
-            <a:endParaRPr lang="hu-HU" sz="7200" dirty="0">
+            <a:endParaRPr lang="hu-HU" sz="3600" b="1" dirty="0">
               <a:latin typeface="Quicksand" pitchFamily="2" charset="-18"/>
             </a:endParaRPr>
           </a:p>
@@ -10057,7 +13410,7 @@
               <a:lstStyle/>
               <a:p>
                 <a:r>
-                  <a:rPr lang="hu-HU" sz="2000" b="1" dirty="0" err="1">
+                  <a:rPr lang="hu-HU" sz="2000" b="1" dirty="0">
                     <a:latin typeface="Quicksand" pitchFamily="2" charset="-18"/>
                   </a:rPr>
                   <a:t>Accuracy</a:t>
@@ -10161,30 +13514,48 @@
                       </m:fPr>
                       <m:num>
                         <m:r>
-                          <a:rPr lang="hu-HU" sz="2200" b="0" i="1">
+                          <a:rPr lang="hu-HU" sz="2200" b="0" i="1" smtClean="0">
                             <a:latin typeface="Cambria Math" panose="02040503050406030204" pitchFamily="18" charset="0"/>
                           </a:rPr>
-                          <m:t>1357 </m:t>
+                          <m:t>966+</m:t>
                         </m:r>
                         <m:r>
-                          <a:rPr lang="hu-HU" sz="2200" i="1">
+                          <a:rPr lang="hu-HU" sz="2200" b="0" i="1" smtClean="0">
+                            <a:latin typeface="Cambria Math" panose="02040503050406030204" pitchFamily="18" charset="0"/>
+                          </a:rPr>
+                          <m:t>115</m:t>
+                        </m:r>
+                      </m:num>
+                      <m:den>
+                        <m:r>
+                          <a:rPr lang="hu-HU" sz="2200" b="0" i="1" smtClean="0">
+                            <a:latin typeface="Cambria Math" panose="02040503050406030204" pitchFamily="18" charset="0"/>
+                          </a:rPr>
+                          <m:t>966+115</m:t>
+                        </m:r>
+                        <m:r>
+                          <a:rPr lang="hu-HU" sz="2200" b="0" i="1">
                             <a:latin typeface="Cambria Math" panose="02040503050406030204" pitchFamily="18" charset="0"/>
                           </a:rPr>
                           <m:t>+</m:t>
                         </m:r>
                         <m:r>
-                          <a:rPr lang="hu-HU" sz="2200" b="0" i="1">
+                          <a:rPr lang="hu-HU" sz="2200" b="0" i="1" smtClean="0">
                             <a:latin typeface="Cambria Math" panose="02040503050406030204" pitchFamily="18" charset="0"/>
                           </a:rPr>
-                          <m:t> 998</m:t>
+                          <m:t>34</m:t>
                         </m:r>
-                      </m:num>
-                      <m:den>
                         <m:r>
                           <a:rPr lang="hu-HU" sz="2200" b="0" i="1">
                             <a:latin typeface="Cambria Math" panose="02040503050406030204" pitchFamily="18" charset="0"/>
                           </a:rPr>
-                          <m:t>1357 + 998 + 33 + 2</m:t>
+                          <m:t> +</m:t>
+                        </m:r>
+                        <m:r>
+                          <a:rPr lang="hu-HU" sz="2200" b="0" i="1" smtClean="0">
+                            <a:latin typeface="Cambria Math" panose="02040503050406030204" pitchFamily="18" charset="0"/>
+                          </a:rPr>
+                          <m:t>0</m:t>
                         </m:r>
                       </m:den>
                     </m:f>
@@ -10192,7 +13563,7 @@
                 </a14:m>
                 <a:r>
                   <a:rPr lang="hu-HU" sz="2200" dirty="0"/>
-                  <a:t> = 0.9853</a:t>
+                  <a:t> = 0.9695</a:t>
                 </a:r>
               </a:p>
               <a:p>
@@ -10307,18 +13678,18 @@
                       </m:fPr>
                       <m:num>
                         <m:r>
-                          <a:rPr lang="hu-HU" sz="2200" b="0" i="1">
+                          <a:rPr lang="hu-HU" sz="2200" b="0" i="1" smtClean="0">
                             <a:latin typeface="Cambria Math" panose="02040503050406030204" pitchFamily="18" charset="0"/>
                           </a:rPr>
-                          <m:t>1357</m:t>
+                          <m:t>966</m:t>
                         </m:r>
                       </m:num>
                       <m:den>
                         <m:r>
-                          <a:rPr lang="hu-HU" sz="2200" b="0" i="1">
+                          <a:rPr lang="hu-HU" sz="2200" b="0" i="1" smtClean="0">
                             <a:latin typeface="Cambria Math" panose="02040503050406030204" pitchFamily="18" charset="0"/>
                           </a:rPr>
-                          <m:t>1357+33</m:t>
+                          <m:t>966+34</m:t>
                         </m:r>
                       </m:den>
                     </m:f>
@@ -10326,7 +13697,7 @@
                 </a14:m>
                 <a:r>
                   <a:rPr lang="hu-HU" sz="2200" dirty="0"/>
-                  <a:t> = 0.9762</a:t>
+                  <a:t> = 0.96</a:t>
                 </a:r>
               </a:p>
               <a:p>
@@ -10453,18 +13824,30 @@
                       </m:fPr>
                       <m:num>
                         <m:r>
-                          <a:rPr lang="hu-HU" sz="2200" b="0" i="1">
+                          <a:rPr lang="hu-HU" sz="2200" b="0" i="1" smtClean="0">
                             <a:latin typeface="Cambria Math" panose="02040503050406030204" pitchFamily="18" charset="0"/>
                           </a:rPr>
-                          <m:t>1357</m:t>
+                          <m:t>966</m:t>
                         </m:r>
                       </m:num>
                       <m:den>
                         <m:r>
+                          <a:rPr lang="hu-HU" sz="2200" b="0" i="1" smtClean="0">
+                            <a:latin typeface="Cambria Math" panose="02040503050406030204" pitchFamily="18" charset="0"/>
+                          </a:rPr>
+                          <m:t>966</m:t>
+                        </m:r>
+                        <m:r>
                           <a:rPr lang="hu-HU" sz="2200" b="0" i="1">
                             <a:latin typeface="Cambria Math" panose="02040503050406030204" pitchFamily="18" charset="0"/>
                           </a:rPr>
-                          <m:t>1357+2</m:t>
+                          <m:t>+</m:t>
+                        </m:r>
+                        <m:r>
+                          <a:rPr lang="hu-HU" sz="2200" b="0" i="1" smtClean="0">
+                            <a:latin typeface="Cambria Math" panose="02040503050406030204" pitchFamily="18" charset="0"/>
+                          </a:rPr>
+                          <m:t>0</m:t>
                         </m:r>
                       </m:den>
                     </m:f>
@@ -10472,7 +13855,7 @@
                 </a14:m>
                 <a:r>
                   <a:rPr lang="hu-HU" sz="2200" dirty="0"/>
-                  <a:t> = 0.9985</a:t>
+                  <a:t> = 1</a:t>
                 </a:r>
               </a:p>
               <a:p>
@@ -10632,7 +14015,7 @@
                 </a14:m>
                 <a:r>
                   <a:rPr lang="hu-HU" sz="2200" dirty="0"/>
-                  <a:t> = 0.98722</a:t>
+                  <a:t> = 0.9795</a:t>
                 </a:r>
               </a:p>
             </p:txBody>
@@ -10663,7 +14046,7 @@
               <a:blipFill>
                 <a:blip r:embed="rId3"/>
                 <a:stretch>
-                  <a:fillRect l="-680" r="-680"/>
+                  <a:fillRect l="-680"/>
                 </a:stretch>
               </a:blipFill>
             </p:spPr>
@@ -10682,98 +14065,50 @@
           </p:sp>
         </mc:Fallback>
       </mc:AlternateContent>
-    </p:spTree>
-    <p:extLst>
-      <p:ext uri="{BB962C8B-B14F-4D97-AF65-F5344CB8AC3E}">
-        <p14:creationId xmlns:p14="http://schemas.microsoft.com/office/powerpoint/2010/main" val="3762841873"/>
-      </p:ext>
-    </p:extLst>
-  </p:cSld>
-  <p:clrMapOvr>
-    <a:masterClrMapping/>
-  </p:clrMapOvr>
-</p:sld>
-</file>
-
-<file path=ppt/slides/slide9.xml><?xml version="1.0" encoding="utf-8"?>
-<p:sld xmlns:a="http://schemas.openxmlformats.org/drawingml/2006/main" xmlns:r="http://schemas.openxmlformats.org/officeDocument/2006/relationships" xmlns:p="http://schemas.openxmlformats.org/presentationml/2006/main">
-  <p:cSld>
-    <p:spTree>
-      <p:nvGrpSpPr>
-        <p:cNvPr id="1" name=""/>
-        <p:cNvGrpSpPr/>
-        <p:nvPr/>
-      </p:nvGrpSpPr>
-      <p:grpSpPr>
-        <a:xfrm>
-          <a:off x="0" y="0"/>
-          <a:ext cx="0" cy="0"/>
-          <a:chOff x="0" y="0"/>
-          <a:chExt cx="0" cy="0"/>
-        </a:xfrm>
-      </p:grpSpPr>
       <p:sp>
         <p:nvSpPr>
-          <p:cNvPr id="2" name="Cím 1">
+          <p:cNvPr id="4" name="Szövegdoboz 3">
             <a:extLst>
               <a:ext uri="{FF2B5EF4-FFF2-40B4-BE49-F238E27FC236}">
-                <a16:creationId xmlns:a16="http://schemas.microsoft.com/office/drawing/2014/main" id="{FD293B9D-3C89-4DDB-A5BE-E2100C985BEE}"/>
+                <a16:creationId xmlns:a16="http://schemas.microsoft.com/office/drawing/2014/main" id="{E13B3100-A9C2-D8D4-AD7B-28AF1BC575E5}"/>
               </a:ext>
             </a:extLst>
           </p:cNvPr>
-          <p:cNvSpPr>
-            <a:spLocks noGrp="1"/>
-          </p:cNvSpPr>
-          <p:nvPr>
-            <p:ph type="title"/>
-          </p:nvPr>
+          <p:cNvSpPr txBox="1"/>
+          <p:nvPr/>
         </p:nvSpPr>
-        <p:spPr/>
+        <p:spPr>
+          <a:xfrm>
+            <a:off x="11199752" y="6301615"/>
+            <a:ext cx="723900" cy="369332"/>
+          </a:xfrm>
+          <a:prstGeom prst="rect">
+            <a:avLst/>
+          </a:prstGeom>
+          <a:noFill/>
+        </p:spPr>
         <p:txBody>
-          <a:bodyPr/>
+          <a:bodyPr wrap="square" rtlCol="0">
+            <a:spAutoFit/>
+          </a:bodyPr>
           <a:lstStyle/>
           <a:p>
-            <a:r>
-              <a:rPr lang="hu-HU" dirty="0" err="1">
-                <a:latin typeface="Quicksand" pitchFamily="2" charset="-18"/>
-              </a:rPr>
-              <a:t>Comparisons</a:t>
-            </a:r>
-            <a:endParaRPr lang="hu-HU" dirty="0">
-              <a:latin typeface="Quicksand" pitchFamily="2" charset="-18"/>
-            </a:endParaRPr>
-          </a:p>
-        </p:txBody>
-      </p:sp>
-      <p:sp>
-        <p:nvSpPr>
-          <p:cNvPr id="3" name="Tartalom helye 2">
-            <a:extLst>
-              <a:ext uri="{FF2B5EF4-FFF2-40B4-BE49-F238E27FC236}">
-                <a16:creationId xmlns:a16="http://schemas.microsoft.com/office/drawing/2014/main" id="{1125A5E3-0F51-D8BA-E624-E74F35FC7136}"/>
-              </a:ext>
-            </a:extLst>
-          </p:cNvPr>
-          <p:cNvSpPr>
-            <a:spLocks noGrp="1"/>
-          </p:cNvSpPr>
-          <p:nvPr>
-            <p:ph idx="1"/>
-          </p:nvPr>
-        </p:nvSpPr>
-        <p:spPr/>
-        <p:txBody>
-          <a:bodyPr/>
-          <a:lstStyle/>
-          <a:p>
-            <a:endParaRPr lang="hu-HU"/>
+            <a:pPr algn="ctr"/>
+            <a:r>
+              <a:rPr lang="hu-HU" b="1" dirty="0"/>
+              <a:t>8</a:t>
+            </a:r>
+            <a:r>
+              <a:rPr lang="hu-HU" dirty="0"/>
+              <a:t>/9</a:t>
+            </a:r>
           </a:p>
         </p:txBody>
       </p:sp>
     </p:spTree>
     <p:extLst>
       <p:ext uri="{BB962C8B-B14F-4D97-AF65-F5344CB8AC3E}">
-        <p14:creationId xmlns:p14="http://schemas.microsoft.com/office/powerpoint/2010/main" val="1492361300"/>
+        <p14:creationId xmlns:p14="http://schemas.microsoft.com/office/powerpoint/2010/main" val="3762841873"/>
       </p:ext>
     </p:extLst>
   </p:cSld>
